--- a/收费-MD/文档/数据库安装和介绍培训.pptx
+++ b/收费-MD/文档/数据库安装和介绍培训.pptx
@@ -5,30 +5,33 @@
     <p:sldMasterId id="2147483648" r:id="rId1"/>
   </p:sldMasterIdLst>
   <p:notesMasterIdLst>
-    <p:notesMasterId r:id="rId20"/>
+    <p:notesMasterId r:id="rId23"/>
   </p:notesMasterIdLst>
   <p:handoutMasterIdLst>
-    <p:handoutMasterId r:id="rId21"/>
+    <p:handoutMasterId r:id="rId24"/>
   </p:handoutMasterIdLst>
   <p:sldIdLst>
     <p:sldId id="256" r:id="rId2"/>
     <p:sldId id="461" r:id="rId3"/>
-    <p:sldId id="478" r:id="rId4"/>
-    <p:sldId id="480" r:id="rId5"/>
-    <p:sldId id="481" r:id="rId6"/>
-    <p:sldId id="469" r:id="rId7"/>
-    <p:sldId id="468" r:id="rId8"/>
-    <p:sldId id="470" r:id="rId9"/>
-    <p:sldId id="471" r:id="rId10"/>
-    <p:sldId id="472" r:id="rId11"/>
-    <p:sldId id="473" r:id="rId12"/>
-    <p:sldId id="474" r:id="rId13"/>
-    <p:sldId id="475" r:id="rId14"/>
-    <p:sldId id="292" r:id="rId15"/>
-    <p:sldId id="291" r:id="rId16"/>
-    <p:sldId id="476" r:id="rId17"/>
-    <p:sldId id="477" r:id="rId18"/>
-    <p:sldId id="479" r:id="rId19"/>
+    <p:sldId id="469" r:id="rId4"/>
+    <p:sldId id="468" r:id="rId5"/>
+    <p:sldId id="470" r:id="rId6"/>
+    <p:sldId id="471" r:id="rId7"/>
+    <p:sldId id="472" r:id="rId8"/>
+    <p:sldId id="473" r:id="rId9"/>
+    <p:sldId id="474" r:id="rId10"/>
+    <p:sldId id="475" r:id="rId11"/>
+    <p:sldId id="292" r:id="rId12"/>
+    <p:sldId id="291" r:id="rId13"/>
+    <p:sldId id="476" r:id="rId14"/>
+    <p:sldId id="477" r:id="rId15"/>
+    <p:sldId id="479" r:id="rId16"/>
+    <p:sldId id="478" r:id="rId17"/>
+    <p:sldId id="482" r:id="rId18"/>
+    <p:sldId id="480" r:id="rId19"/>
+    <p:sldId id="481" r:id="rId20"/>
+    <p:sldId id="483" r:id="rId21"/>
+    <p:sldId id="484" r:id="rId22"/>
   </p:sldIdLst>
   <p:sldSz cx="12192000" cy="6858000"/>
   <p:notesSz cx="6797675" cy="9926638"/>
@@ -229,7 +232,7 @@
             <a:fld id="{5A949FC2-0CC3-4CD2-A564-F9B51F5A119A}" type="datetimeFigureOut">
               <a:rPr lang="zh-CN" altLang="en-US" smtClean="0"/>
               <a:pPr/>
-              <a:t>2019/8/5</a:t>
+              <a:t>2019/8/7</a:t>
             </a:fld>
             <a:endParaRPr lang="zh-CN" altLang="en-US"/>
           </a:p>
@@ -397,7 +400,7 @@
             <a:fld id="{FD1D2BF6-8155-4AEE-B162-1A0749AE04F6}" type="datetimeFigureOut">
               <a:rPr lang="en-US" smtClean="0"/>
               <a:pPr/>
-              <a:t>8/5/2019</a:t>
+              <a:t>8/7/2019</a:t>
             </a:fld>
             <a:endParaRPr lang="en-US"/>
           </a:p>
@@ -2374,7 +2377,7 @@
         </p:nvSpPr>
         <p:spPr>
           <a:xfrm>
-            <a:off x="515154" y="373487"/>
+            <a:off x="474523" y="365740"/>
             <a:ext cx="3644721" cy="461665"/>
           </a:xfrm>
           <a:prstGeom prst="rect">
@@ -2397,1215 +2400,6 @@
                 <a:ea typeface="微软雅黑" panose="020B0503020204020204" pitchFamily="34" charset="-122"/>
               </a:rPr>
               <a:t>2. </a:t>
-            </a:r>
-            <a:r>
-              <a:rPr lang="en-US" altLang="zh-CN" sz="2400" b="1" dirty="0" err="1">
-                <a:solidFill>
-                  <a:srgbClr val="1C4885"/>
-                </a:solidFill>
-                <a:latin typeface="微软雅黑" panose="020B0503020204020204" pitchFamily="34" charset="-122"/>
-                <a:ea typeface="微软雅黑" panose="020B0503020204020204" pitchFamily="34" charset="-122"/>
-              </a:rPr>
-              <a:t>Caché</a:t>
-            </a:r>
-            <a:r>
-              <a:rPr lang="zh-CN" altLang="en-US" sz="2400" b="1" dirty="0">
-                <a:solidFill>
-                  <a:srgbClr val="1C4885"/>
-                </a:solidFill>
-                <a:latin typeface="微软雅黑" panose="020B0503020204020204" pitchFamily="34" charset="-122"/>
-                <a:ea typeface="微软雅黑" panose="020B0503020204020204" pitchFamily="34" charset="-122"/>
-              </a:rPr>
-              <a:t>的安装</a:t>
-            </a:r>
-          </a:p>
-        </p:txBody>
-      </p:sp>
-      <p:sp>
-        <p:nvSpPr>
-          <p:cNvPr id="7" name="矩形 6">
-            <a:extLst>
-              <a:ext uri="{FF2B5EF4-FFF2-40B4-BE49-F238E27FC236}">
-                <a16:creationId xmlns:a16="http://schemas.microsoft.com/office/drawing/2014/main" id="{E8DF1B31-542E-4ADD-8AE2-F72330564783}"/>
-              </a:ext>
-            </a:extLst>
-          </p:cNvPr>
-          <p:cNvSpPr/>
-          <p:nvPr/>
-        </p:nvSpPr>
-        <p:spPr>
-          <a:xfrm>
-            <a:off x="521002" y="835152"/>
-            <a:ext cx="3276859" cy="2149499"/>
-          </a:xfrm>
-          <a:prstGeom prst="rect">
-            <a:avLst/>
-          </a:prstGeom>
-        </p:spPr>
-        <p:txBody>
-          <a:bodyPr wrap="none">
-            <a:spAutoFit/>
-          </a:bodyPr>
-          <a:lstStyle/>
-          <a:p>
-            <a:pPr algn="just">
-              <a:lnSpc>
-                <a:spcPct val="240000"/>
-              </a:lnSpc>
-              <a:spcBef>
-                <a:spcPts val="1700"/>
-              </a:spcBef>
-              <a:spcAft>
-                <a:spcPts val="1650"/>
-              </a:spcAft>
-            </a:pPr>
-            <a:r>
-              <a:rPr lang="en-US" altLang="zh-CN" sz="2400" b="1" kern="100" dirty="0">
-                <a:latin typeface="Cambria" panose="02040503050406030204" pitchFamily="18" charset="0"/>
-                <a:ea typeface="华文中宋" panose="02010600040101010101" pitchFamily="2" charset="-122"/>
-              </a:rPr>
-              <a:t> 3.</a:t>
-            </a:r>
-            <a:r>
-              <a:rPr lang="zh-CN" altLang="zh-CN" sz="2400" b="1" kern="100" dirty="0">
-                <a:latin typeface="Cambria" panose="02040503050406030204" pitchFamily="18" charset="0"/>
-                <a:ea typeface="华文中宋" panose="02010600040101010101" pitchFamily="2" charset="-122"/>
-              </a:rPr>
-              <a:t>安装数据库管理软件</a:t>
-            </a:r>
-          </a:p>
-          <a:p>
-            <a:pPr lvl="0" algn="just">
-              <a:lnSpc>
-                <a:spcPct val="240000"/>
-              </a:lnSpc>
-              <a:spcBef>
-                <a:spcPts val="1700"/>
-              </a:spcBef>
-              <a:spcAft>
-                <a:spcPts val="1650"/>
-              </a:spcAft>
-            </a:pPr>
-            <a:endParaRPr lang="zh-CN" altLang="zh-CN" sz="2400" b="1" kern="100" dirty="0">
-              <a:latin typeface="Cambria" panose="02040503050406030204" pitchFamily="18" charset="0"/>
-              <a:ea typeface="华文中宋" panose="02010600040101010101" pitchFamily="2" charset="-122"/>
-            </a:endParaRPr>
-          </a:p>
-        </p:txBody>
-      </p:sp>
-      <p:sp>
-        <p:nvSpPr>
-          <p:cNvPr id="6" name="矩形 5">
-            <a:extLst>
-              <a:ext uri="{FF2B5EF4-FFF2-40B4-BE49-F238E27FC236}">
-                <a16:creationId xmlns:a16="http://schemas.microsoft.com/office/drawing/2014/main" id="{A484F499-06A4-41B9-86FE-446779939318}"/>
-              </a:ext>
-            </a:extLst>
-          </p:cNvPr>
-          <p:cNvSpPr/>
-          <p:nvPr/>
-        </p:nvSpPr>
-        <p:spPr>
-          <a:xfrm>
-            <a:off x="265472" y="1720314"/>
-            <a:ext cx="4458928" cy="369332"/>
-          </a:xfrm>
-          <a:prstGeom prst="rect">
-            <a:avLst/>
-          </a:prstGeom>
-        </p:spPr>
-        <p:txBody>
-          <a:bodyPr wrap="square">
-            <a:spAutoFit/>
-          </a:bodyPr>
-          <a:lstStyle/>
-          <a:p>
-            <a:pPr lvl="1" algn="just"/>
-            <a:r>
-              <a:rPr lang="en-US" altLang="zh-CN" kern="100" dirty="0">
-                <a:ea typeface="微软雅黑" panose="020B0503020204020204" pitchFamily="34" charset="-122"/>
-                <a:cs typeface="Times New Roman" panose="02020603050405020304" pitchFamily="18" charset="0"/>
-              </a:rPr>
-              <a:t>3.4</a:t>
-            </a:r>
-            <a:r>
-              <a:rPr lang="zh-CN" altLang="en-US" kern="100" dirty="0">
-                <a:ea typeface="微软雅黑" panose="020B0503020204020204" pitchFamily="34" charset="-122"/>
-                <a:cs typeface="Times New Roman" panose="02020603050405020304" pitchFamily="18" charset="0"/>
-              </a:rPr>
-              <a:t>、</a:t>
-            </a:r>
-            <a:r>
-              <a:rPr lang="zh-CN" altLang="zh-CN" kern="100" dirty="0">
-                <a:ea typeface="微软雅黑" panose="020B0503020204020204" pitchFamily="34" charset="-122"/>
-                <a:cs typeface="Times New Roman" panose="02020603050405020304" pitchFamily="18" charset="0"/>
-              </a:rPr>
-              <a:t>选择</a:t>
-            </a:r>
-            <a:r>
-              <a:rPr lang="en-US" altLang="zh-CN" kern="100" dirty="0">
-                <a:ea typeface="微软雅黑" panose="020B0503020204020204" pitchFamily="34" charset="-122"/>
-                <a:cs typeface="Times New Roman" panose="02020603050405020304" pitchFamily="18" charset="0"/>
-              </a:rPr>
-              <a:t>”</a:t>
-            </a:r>
-            <a:r>
-              <a:rPr lang="zh-CN" altLang="zh-CN" kern="100" dirty="0">
-                <a:ea typeface="微软雅黑" panose="020B0503020204020204" pitchFamily="34" charset="-122"/>
-                <a:cs typeface="Times New Roman" panose="02020603050405020304" pitchFamily="18" charset="0"/>
-              </a:rPr>
-              <a:t>定制</a:t>
-            </a:r>
-            <a:r>
-              <a:rPr lang="en-US" altLang="zh-CN" kern="100" dirty="0">
-                <a:ea typeface="微软雅黑" panose="020B0503020204020204" pitchFamily="34" charset="-122"/>
-                <a:cs typeface="Times New Roman" panose="02020603050405020304" pitchFamily="18" charset="0"/>
-              </a:rPr>
-              <a:t>”</a:t>
-            </a:r>
-            <a:r>
-              <a:rPr lang="zh-CN" altLang="zh-CN" kern="100" dirty="0">
-                <a:ea typeface="微软雅黑" panose="020B0503020204020204" pitchFamily="34" charset="-122"/>
-                <a:cs typeface="Times New Roman" panose="02020603050405020304" pitchFamily="18" charset="0"/>
-              </a:rPr>
-              <a:t>类型的安装模式</a:t>
-            </a:r>
-          </a:p>
-        </p:txBody>
-      </p:sp>
-      <p:pic>
-        <p:nvPicPr>
-          <p:cNvPr id="9" name="图片 8" descr="IMG_256">
-            <a:extLst>
-              <a:ext uri="{FF2B5EF4-FFF2-40B4-BE49-F238E27FC236}">
-                <a16:creationId xmlns:a16="http://schemas.microsoft.com/office/drawing/2014/main" id="{F1CE1A48-A145-47D2-B558-50F8A0C34A52}"/>
-              </a:ext>
-            </a:extLst>
-          </p:cNvPr>
-          <p:cNvPicPr/>
-          <p:nvPr/>
-        </p:nvPicPr>
-        <p:blipFill>
-          <a:blip r:embed="rId2"/>
-          <a:stretch>
-            <a:fillRect/>
-          </a:stretch>
-        </p:blipFill>
-        <p:spPr>
-          <a:xfrm>
-            <a:off x="686420" y="2278785"/>
-            <a:ext cx="4829175" cy="3600450"/>
-          </a:xfrm>
-          <a:prstGeom prst="rect">
-            <a:avLst/>
-          </a:prstGeom>
-          <a:noFill/>
-          <a:ln w="9525">
-            <a:noFill/>
-          </a:ln>
-        </p:spPr>
-      </p:pic>
-      <p:pic>
-        <p:nvPicPr>
-          <p:cNvPr id="13" name="图片 12" descr="IMG_256">
-            <a:extLst>
-              <a:ext uri="{FF2B5EF4-FFF2-40B4-BE49-F238E27FC236}">
-                <a16:creationId xmlns:a16="http://schemas.microsoft.com/office/drawing/2014/main" id="{65868357-D56C-4964-AFEA-240DB682665A}"/>
-              </a:ext>
-            </a:extLst>
-          </p:cNvPr>
-          <p:cNvPicPr/>
-          <p:nvPr/>
-        </p:nvPicPr>
-        <p:blipFill>
-          <a:blip r:embed="rId3"/>
-          <a:stretch>
-            <a:fillRect/>
-          </a:stretch>
-        </p:blipFill>
-        <p:spPr>
-          <a:xfrm>
-            <a:off x="6149009" y="2306725"/>
-            <a:ext cx="4813935" cy="3572510"/>
-          </a:xfrm>
-          <a:prstGeom prst="rect">
-            <a:avLst/>
-          </a:prstGeom>
-          <a:noFill/>
-          <a:ln w="9525">
-            <a:noFill/>
-          </a:ln>
-        </p:spPr>
-      </p:pic>
-    </p:spTree>
-    <p:extLst>
-      <p:ext uri="{BB962C8B-B14F-4D97-AF65-F5344CB8AC3E}">
-        <p14:creationId xmlns:p14="http://schemas.microsoft.com/office/powerpoint/2010/main" val="3403295099"/>
-      </p:ext>
-    </p:extLst>
-  </p:cSld>
-  <p:clrMapOvr>
-    <a:masterClrMapping/>
-  </p:clrMapOvr>
-</p:sld>
-</file>
-
-<file path=ppt/slides/slide11.xml><?xml version="1.0" encoding="utf-8"?>
-<p:sld xmlns:a="http://schemas.openxmlformats.org/drawingml/2006/main" xmlns:r="http://schemas.openxmlformats.org/officeDocument/2006/relationships" xmlns:p="http://schemas.openxmlformats.org/presentationml/2006/main">
-  <p:cSld>
-    <p:spTree>
-      <p:nvGrpSpPr>
-        <p:cNvPr id="1" name=""/>
-        <p:cNvGrpSpPr/>
-        <p:nvPr/>
-      </p:nvGrpSpPr>
-      <p:grpSpPr>
-        <a:xfrm>
-          <a:off x="0" y="0"/>
-          <a:ext cx="0" cy="0"/>
-          <a:chOff x="0" y="0"/>
-          <a:chExt cx="0" cy="0"/>
-        </a:xfrm>
-      </p:grpSpPr>
-      <p:sp>
-        <p:nvSpPr>
-          <p:cNvPr id="2" name="灯片编号占位符 1"/>
-          <p:cNvSpPr>
-            <a:spLocks noGrp="1"/>
-          </p:cNvSpPr>
-          <p:nvPr>
-            <p:ph type="sldNum" sz="quarter" idx="4"/>
-          </p:nvPr>
-        </p:nvSpPr>
-        <p:spPr/>
-        <p:txBody>
-          <a:bodyPr/>
-          <a:lstStyle/>
-          <a:p>
-            <a:fld id="{9DEDB23E-2FB9-47E7-B867-886262ECB867}" type="slidenum">
-              <a:rPr lang="en-US" smtClean="0"/>
-              <a:pPr/>
-              <a:t>11</a:t>
-            </a:fld>
-            <a:endParaRPr lang="en-US" dirty="0"/>
-          </a:p>
-        </p:txBody>
-      </p:sp>
-      <p:sp>
-        <p:nvSpPr>
-          <p:cNvPr id="5" name="文本框 4"/>
-          <p:cNvSpPr txBox="1"/>
-          <p:nvPr/>
-        </p:nvSpPr>
-        <p:spPr>
-          <a:xfrm>
-            <a:off x="515154" y="373487"/>
-            <a:ext cx="3644721" cy="461665"/>
-          </a:xfrm>
-          <a:prstGeom prst="rect">
-            <a:avLst/>
-          </a:prstGeom>
-          <a:noFill/>
-        </p:spPr>
-        <p:txBody>
-          <a:bodyPr wrap="square" rtlCol="0">
-            <a:spAutoFit/>
-          </a:bodyPr>
-          <a:lstStyle/>
-          <a:p>
-            <a:r>
-              <a:rPr lang="en-US" altLang="zh-CN" sz="2400" b="1" dirty="0">
-                <a:solidFill>
-                  <a:srgbClr val="1C4885"/>
-                </a:solidFill>
-                <a:latin typeface="微软雅黑" panose="020B0503020204020204" pitchFamily="34" charset="-122"/>
-                <a:ea typeface="微软雅黑" panose="020B0503020204020204" pitchFamily="34" charset="-122"/>
-              </a:rPr>
-              <a:t>2. </a:t>
-            </a:r>
-            <a:r>
-              <a:rPr lang="en-US" altLang="zh-CN" sz="2400" b="1" dirty="0" err="1">
-                <a:solidFill>
-                  <a:srgbClr val="1C4885"/>
-                </a:solidFill>
-                <a:latin typeface="微软雅黑" panose="020B0503020204020204" pitchFamily="34" charset="-122"/>
-                <a:ea typeface="微软雅黑" panose="020B0503020204020204" pitchFamily="34" charset="-122"/>
-              </a:rPr>
-              <a:t>Caché</a:t>
-            </a:r>
-            <a:r>
-              <a:rPr lang="zh-CN" altLang="en-US" sz="2400" b="1" dirty="0">
-                <a:solidFill>
-                  <a:srgbClr val="1C4885"/>
-                </a:solidFill>
-                <a:latin typeface="微软雅黑" panose="020B0503020204020204" pitchFamily="34" charset="-122"/>
-                <a:ea typeface="微软雅黑" panose="020B0503020204020204" pitchFamily="34" charset="-122"/>
-              </a:rPr>
-              <a:t>的安装</a:t>
-            </a:r>
-          </a:p>
-        </p:txBody>
-      </p:sp>
-      <p:sp>
-        <p:nvSpPr>
-          <p:cNvPr id="7" name="矩形 6">
-            <a:extLst>
-              <a:ext uri="{FF2B5EF4-FFF2-40B4-BE49-F238E27FC236}">
-                <a16:creationId xmlns:a16="http://schemas.microsoft.com/office/drawing/2014/main" id="{E8DF1B31-542E-4ADD-8AE2-F72330564783}"/>
-              </a:ext>
-            </a:extLst>
-          </p:cNvPr>
-          <p:cNvSpPr/>
-          <p:nvPr/>
-        </p:nvSpPr>
-        <p:spPr>
-          <a:xfrm>
-            <a:off x="521002" y="835152"/>
-            <a:ext cx="3276859" cy="2149499"/>
-          </a:xfrm>
-          <a:prstGeom prst="rect">
-            <a:avLst/>
-          </a:prstGeom>
-        </p:spPr>
-        <p:txBody>
-          <a:bodyPr wrap="none">
-            <a:spAutoFit/>
-          </a:bodyPr>
-          <a:lstStyle/>
-          <a:p>
-            <a:pPr algn="just">
-              <a:lnSpc>
-                <a:spcPct val="240000"/>
-              </a:lnSpc>
-              <a:spcBef>
-                <a:spcPts val="1700"/>
-              </a:spcBef>
-              <a:spcAft>
-                <a:spcPts val="1650"/>
-              </a:spcAft>
-            </a:pPr>
-            <a:r>
-              <a:rPr lang="en-US" altLang="zh-CN" sz="2400" b="1" kern="100" dirty="0">
-                <a:latin typeface="Cambria" panose="02040503050406030204" pitchFamily="18" charset="0"/>
-                <a:ea typeface="华文中宋" panose="02010600040101010101" pitchFamily="2" charset="-122"/>
-              </a:rPr>
-              <a:t> 3.</a:t>
-            </a:r>
-            <a:r>
-              <a:rPr lang="zh-CN" altLang="zh-CN" sz="2400" b="1" kern="100" dirty="0">
-                <a:latin typeface="Cambria" panose="02040503050406030204" pitchFamily="18" charset="0"/>
-                <a:ea typeface="华文中宋" panose="02010600040101010101" pitchFamily="2" charset="-122"/>
-              </a:rPr>
-              <a:t>安装数据库管理软件</a:t>
-            </a:r>
-          </a:p>
-          <a:p>
-            <a:pPr lvl="0" algn="just">
-              <a:lnSpc>
-                <a:spcPct val="240000"/>
-              </a:lnSpc>
-              <a:spcBef>
-                <a:spcPts val="1700"/>
-              </a:spcBef>
-              <a:spcAft>
-                <a:spcPts val="1650"/>
-              </a:spcAft>
-            </a:pPr>
-            <a:endParaRPr lang="zh-CN" altLang="zh-CN" sz="2400" b="1" kern="100" dirty="0">
-              <a:latin typeface="Cambria" panose="02040503050406030204" pitchFamily="18" charset="0"/>
-              <a:ea typeface="华文中宋" panose="02010600040101010101" pitchFamily="2" charset="-122"/>
-            </a:endParaRPr>
-          </a:p>
-        </p:txBody>
-      </p:sp>
-      <p:sp>
-        <p:nvSpPr>
-          <p:cNvPr id="6" name="矩形 5">
-            <a:extLst>
-              <a:ext uri="{FF2B5EF4-FFF2-40B4-BE49-F238E27FC236}">
-                <a16:creationId xmlns:a16="http://schemas.microsoft.com/office/drawing/2014/main" id="{A484F499-06A4-41B9-86FE-446779939318}"/>
-              </a:ext>
-            </a:extLst>
-          </p:cNvPr>
-          <p:cNvSpPr/>
-          <p:nvPr/>
-        </p:nvSpPr>
-        <p:spPr>
-          <a:xfrm>
-            <a:off x="265472" y="1720314"/>
-            <a:ext cx="4458928" cy="369332"/>
-          </a:xfrm>
-          <a:prstGeom prst="rect">
-            <a:avLst/>
-          </a:prstGeom>
-        </p:spPr>
-        <p:txBody>
-          <a:bodyPr wrap="square">
-            <a:spAutoFit/>
-          </a:bodyPr>
-          <a:lstStyle/>
-          <a:p>
-            <a:pPr lvl="1" algn="just"/>
-            <a:r>
-              <a:rPr lang="en-US" altLang="zh-CN" kern="100" dirty="0">
-                <a:ea typeface="微软雅黑" panose="020B0503020204020204" pitchFamily="34" charset="-122"/>
-                <a:cs typeface="Times New Roman" panose="02020603050405020304" pitchFamily="18" charset="0"/>
-              </a:rPr>
-              <a:t>3.5</a:t>
-            </a:r>
-            <a:r>
-              <a:rPr lang="zh-CN" altLang="en-US" kern="100" dirty="0">
-                <a:ea typeface="微软雅黑" panose="020B0503020204020204" pitchFamily="34" charset="-122"/>
-                <a:cs typeface="Times New Roman" panose="02020603050405020304" pitchFamily="18" charset="0"/>
-              </a:rPr>
-              <a:t>、</a:t>
-            </a:r>
-            <a:r>
-              <a:rPr lang="zh-CN" altLang="zh-CN" kern="100" dirty="0">
-                <a:ea typeface="微软雅黑" panose="020B0503020204020204" pitchFamily="34" charset="-122"/>
-                <a:cs typeface="Times New Roman" panose="02020603050405020304" pitchFamily="18" charset="0"/>
-              </a:rPr>
-              <a:t>选择“</a:t>
-            </a:r>
-            <a:r>
-              <a:rPr lang="en-US" altLang="zh-CN" kern="100" dirty="0">
-                <a:ea typeface="微软雅黑" panose="020B0503020204020204" pitchFamily="34" charset="-122"/>
-                <a:cs typeface="Times New Roman" panose="02020603050405020304" pitchFamily="18" charset="0"/>
-              </a:rPr>
-              <a:t>Unicode</a:t>
-            </a:r>
-            <a:r>
-              <a:rPr lang="zh-CN" altLang="zh-CN" kern="100" dirty="0">
-                <a:ea typeface="微软雅黑" panose="020B0503020204020204" pitchFamily="34" charset="-122"/>
-                <a:cs typeface="Times New Roman" panose="02020603050405020304" pitchFamily="18" charset="0"/>
-              </a:rPr>
-              <a:t>”</a:t>
-            </a:r>
-            <a:endParaRPr lang="zh-CN" altLang="zh-CN" dirty="0"/>
-          </a:p>
-        </p:txBody>
-      </p:sp>
-      <p:pic>
-        <p:nvPicPr>
-          <p:cNvPr id="8" name="图片 7" descr="IMG_256">
-            <a:extLst>
-              <a:ext uri="{FF2B5EF4-FFF2-40B4-BE49-F238E27FC236}">
-                <a16:creationId xmlns:a16="http://schemas.microsoft.com/office/drawing/2014/main" id="{37E227E0-7714-4E23-9204-307BAE4A1DE3}"/>
-              </a:ext>
-            </a:extLst>
-          </p:cNvPr>
-          <p:cNvPicPr/>
-          <p:nvPr/>
-        </p:nvPicPr>
-        <p:blipFill>
-          <a:blip r:embed="rId2"/>
-          <a:stretch>
-            <a:fillRect/>
-          </a:stretch>
-        </p:blipFill>
-        <p:spPr>
-          <a:xfrm>
-            <a:off x="828468" y="2221396"/>
-            <a:ext cx="4810125" cy="3581400"/>
-          </a:xfrm>
-          <a:prstGeom prst="rect">
-            <a:avLst/>
-          </a:prstGeom>
-          <a:noFill/>
-          <a:ln w="9525">
-            <a:noFill/>
-          </a:ln>
-        </p:spPr>
-      </p:pic>
-      <p:sp>
-        <p:nvSpPr>
-          <p:cNvPr id="3" name="矩形 2">
-            <a:extLst>
-              <a:ext uri="{FF2B5EF4-FFF2-40B4-BE49-F238E27FC236}">
-                <a16:creationId xmlns:a16="http://schemas.microsoft.com/office/drawing/2014/main" id="{1DB289D5-45C2-43E0-BF81-1F052AE05CD5}"/>
-              </a:ext>
-            </a:extLst>
-          </p:cNvPr>
-          <p:cNvSpPr/>
-          <p:nvPr/>
-        </p:nvSpPr>
-        <p:spPr>
-          <a:xfrm>
-            <a:off x="5638593" y="1786189"/>
-            <a:ext cx="6516528" cy="369332"/>
-          </a:xfrm>
-          <a:prstGeom prst="rect">
-            <a:avLst/>
-          </a:prstGeom>
-        </p:spPr>
-        <p:txBody>
-          <a:bodyPr wrap="none">
-            <a:spAutoFit/>
-          </a:bodyPr>
-          <a:lstStyle/>
-          <a:p>
-            <a:pPr lvl="1" algn="just">
-              <a:spcAft>
-                <a:spcPts val="0"/>
-              </a:spcAft>
-            </a:pPr>
-            <a:r>
-              <a:rPr lang="en-US" altLang="zh-CN" kern="100" dirty="0">
-                <a:ea typeface="微软雅黑" panose="020B0503020204020204" pitchFamily="34" charset="-122"/>
-                <a:cs typeface="Times New Roman" panose="02020603050405020304" pitchFamily="18" charset="0"/>
-              </a:rPr>
-              <a:t>3.6</a:t>
-            </a:r>
-            <a:r>
-              <a:rPr lang="zh-CN" altLang="en-US" kern="100" dirty="0">
-                <a:ea typeface="微软雅黑" panose="020B0503020204020204" pitchFamily="34" charset="-122"/>
-                <a:cs typeface="Times New Roman" panose="02020603050405020304" pitchFamily="18" charset="0"/>
-              </a:rPr>
-              <a:t>、</a:t>
-            </a:r>
-            <a:r>
-              <a:rPr lang="zh-CN" altLang="zh-CN" kern="100" dirty="0">
-                <a:ea typeface="微软雅黑" panose="020B0503020204020204" pitchFamily="34" charset="-122"/>
-                <a:cs typeface="Times New Roman" panose="02020603050405020304" pitchFamily="18" charset="0"/>
-              </a:rPr>
-              <a:t>确定数据库服务端口和管理</a:t>
-            </a:r>
-            <a:r>
-              <a:rPr lang="en-US" altLang="zh-CN" kern="100" dirty="0">
-                <a:ea typeface="微软雅黑" panose="020B0503020204020204" pitchFamily="34" charset="-122"/>
-                <a:cs typeface="Times New Roman" panose="02020603050405020304" pitchFamily="18" charset="0"/>
-              </a:rPr>
-              <a:t>WEB</a:t>
-            </a:r>
-            <a:r>
-              <a:rPr lang="zh-CN" altLang="zh-CN" kern="100" dirty="0">
-                <a:ea typeface="微软雅黑" panose="020B0503020204020204" pitchFamily="34" charset="-122"/>
-                <a:cs typeface="Times New Roman" panose="02020603050405020304" pitchFamily="18" charset="0"/>
-              </a:rPr>
-              <a:t>页面端口</a:t>
-            </a:r>
-            <a:r>
-              <a:rPr lang="en-US" altLang="zh-CN" kern="100" dirty="0">
-                <a:ea typeface="微软雅黑" panose="020B0503020204020204" pitchFamily="34" charset="-122"/>
-                <a:cs typeface="Times New Roman" panose="02020603050405020304" pitchFamily="18" charset="0"/>
-              </a:rPr>
-              <a:t>,</a:t>
-            </a:r>
-            <a:r>
-              <a:rPr lang="zh-CN" altLang="zh-CN" kern="100" dirty="0">
-                <a:ea typeface="微软雅黑" panose="020B0503020204020204" pitchFamily="34" charset="-122"/>
-                <a:cs typeface="Times New Roman" panose="02020603050405020304" pitchFamily="18" charset="0"/>
-              </a:rPr>
-              <a:t>默认不变；</a:t>
-            </a:r>
-          </a:p>
-        </p:txBody>
-      </p:sp>
-      <p:pic>
-        <p:nvPicPr>
-          <p:cNvPr id="10" name="图片 9" descr="IMG_256">
-            <a:extLst>
-              <a:ext uri="{FF2B5EF4-FFF2-40B4-BE49-F238E27FC236}">
-                <a16:creationId xmlns:a16="http://schemas.microsoft.com/office/drawing/2014/main" id="{D8413A55-CC29-46FF-9A13-732C34B57C13}"/>
-              </a:ext>
-            </a:extLst>
-          </p:cNvPr>
-          <p:cNvPicPr/>
-          <p:nvPr/>
-        </p:nvPicPr>
-        <p:blipFill>
-          <a:blip r:embed="rId3"/>
-          <a:stretch>
-            <a:fillRect/>
-          </a:stretch>
-        </p:blipFill>
-        <p:spPr>
-          <a:xfrm>
-            <a:off x="6659424" y="2230929"/>
-            <a:ext cx="4810125" cy="3609975"/>
-          </a:xfrm>
-          <a:prstGeom prst="rect">
-            <a:avLst/>
-          </a:prstGeom>
-          <a:noFill/>
-          <a:ln w="9525">
-            <a:noFill/>
-          </a:ln>
-        </p:spPr>
-      </p:pic>
-    </p:spTree>
-    <p:extLst>
-      <p:ext uri="{BB962C8B-B14F-4D97-AF65-F5344CB8AC3E}">
-        <p14:creationId xmlns:p14="http://schemas.microsoft.com/office/powerpoint/2010/main" val="3549817940"/>
-      </p:ext>
-    </p:extLst>
-  </p:cSld>
-  <p:clrMapOvr>
-    <a:masterClrMapping/>
-  </p:clrMapOvr>
-</p:sld>
-</file>
-
-<file path=ppt/slides/slide12.xml><?xml version="1.0" encoding="utf-8"?>
-<p:sld xmlns:a="http://schemas.openxmlformats.org/drawingml/2006/main" xmlns:r="http://schemas.openxmlformats.org/officeDocument/2006/relationships" xmlns:p="http://schemas.openxmlformats.org/presentationml/2006/main">
-  <p:cSld>
-    <p:spTree>
-      <p:nvGrpSpPr>
-        <p:cNvPr id="1" name=""/>
-        <p:cNvGrpSpPr/>
-        <p:nvPr/>
-      </p:nvGrpSpPr>
-      <p:grpSpPr>
-        <a:xfrm>
-          <a:off x="0" y="0"/>
-          <a:ext cx="0" cy="0"/>
-          <a:chOff x="0" y="0"/>
-          <a:chExt cx="0" cy="0"/>
-        </a:xfrm>
-      </p:grpSpPr>
-      <p:sp>
-        <p:nvSpPr>
-          <p:cNvPr id="2" name="灯片编号占位符 1"/>
-          <p:cNvSpPr>
-            <a:spLocks noGrp="1"/>
-          </p:cNvSpPr>
-          <p:nvPr>
-            <p:ph type="sldNum" sz="quarter" idx="4"/>
-          </p:nvPr>
-        </p:nvSpPr>
-        <p:spPr/>
-        <p:txBody>
-          <a:bodyPr/>
-          <a:lstStyle/>
-          <a:p>
-            <a:fld id="{9DEDB23E-2FB9-47E7-B867-886262ECB867}" type="slidenum">
-              <a:rPr lang="en-US" smtClean="0"/>
-              <a:pPr/>
-              <a:t>12</a:t>
-            </a:fld>
-            <a:endParaRPr lang="en-US" dirty="0"/>
-          </a:p>
-        </p:txBody>
-      </p:sp>
-      <p:sp>
-        <p:nvSpPr>
-          <p:cNvPr id="5" name="文本框 4"/>
-          <p:cNvSpPr txBox="1"/>
-          <p:nvPr/>
-        </p:nvSpPr>
-        <p:spPr>
-          <a:xfrm>
-            <a:off x="515154" y="373487"/>
-            <a:ext cx="3644721" cy="461665"/>
-          </a:xfrm>
-          <a:prstGeom prst="rect">
-            <a:avLst/>
-          </a:prstGeom>
-          <a:noFill/>
-        </p:spPr>
-        <p:txBody>
-          <a:bodyPr wrap="square" rtlCol="0">
-            <a:spAutoFit/>
-          </a:bodyPr>
-          <a:lstStyle/>
-          <a:p>
-            <a:r>
-              <a:rPr lang="en-US" altLang="zh-CN" sz="2400" b="1" dirty="0">
-                <a:solidFill>
-                  <a:srgbClr val="1C4885"/>
-                </a:solidFill>
-                <a:latin typeface="微软雅黑" panose="020B0503020204020204" pitchFamily="34" charset="-122"/>
-                <a:ea typeface="微软雅黑" panose="020B0503020204020204" pitchFamily="34" charset="-122"/>
-              </a:rPr>
-              <a:t>2. </a:t>
-            </a:r>
-            <a:r>
-              <a:rPr lang="en-US" altLang="zh-CN" sz="2400" b="1" dirty="0" err="1">
-                <a:solidFill>
-                  <a:srgbClr val="1C4885"/>
-                </a:solidFill>
-                <a:latin typeface="微软雅黑" panose="020B0503020204020204" pitchFamily="34" charset="-122"/>
-                <a:ea typeface="微软雅黑" panose="020B0503020204020204" pitchFamily="34" charset="-122"/>
-              </a:rPr>
-              <a:t>Caché</a:t>
-            </a:r>
-            <a:r>
-              <a:rPr lang="zh-CN" altLang="en-US" sz="2400" b="1" dirty="0">
-                <a:solidFill>
-                  <a:srgbClr val="1C4885"/>
-                </a:solidFill>
-                <a:latin typeface="微软雅黑" panose="020B0503020204020204" pitchFamily="34" charset="-122"/>
-                <a:ea typeface="微软雅黑" panose="020B0503020204020204" pitchFamily="34" charset="-122"/>
-              </a:rPr>
-              <a:t>的安装</a:t>
-            </a:r>
-          </a:p>
-        </p:txBody>
-      </p:sp>
-      <p:sp>
-        <p:nvSpPr>
-          <p:cNvPr id="7" name="矩形 6">
-            <a:extLst>
-              <a:ext uri="{FF2B5EF4-FFF2-40B4-BE49-F238E27FC236}">
-                <a16:creationId xmlns:a16="http://schemas.microsoft.com/office/drawing/2014/main" id="{E8DF1B31-542E-4ADD-8AE2-F72330564783}"/>
-              </a:ext>
-            </a:extLst>
-          </p:cNvPr>
-          <p:cNvSpPr/>
-          <p:nvPr/>
-        </p:nvSpPr>
-        <p:spPr>
-          <a:xfrm>
-            <a:off x="521002" y="835152"/>
-            <a:ext cx="3276859" cy="2149499"/>
-          </a:xfrm>
-          <a:prstGeom prst="rect">
-            <a:avLst/>
-          </a:prstGeom>
-        </p:spPr>
-        <p:txBody>
-          <a:bodyPr wrap="none">
-            <a:spAutoFit/>
-          </a:bodyPr>
-          <a:lstStyle/>
-          <a:p>
-            <a:pPr algn="just">
-              <a:lnSpc>
-                <a:spcPct val="240000"/>
-              </a:lnSpc>
-              <a:spcBef>
-                <a:spcPts val="1700"/>
-              </a:spcBef>
-              <a:spcAft>
-                <a:spcPts val="1650"/>
-              </a:spcAft>
-            </a:pPr>
-            <a:r>
-              <a:rPr lang="en-US" altLang="zh-CN" sz="2400" b="1" kern="100" dirty="0">
-                <a:latin typeface="Cambria" panose="02040503050406030204" pitchFamily="18" charset="0"/>
-                <a:ea typeface="华文中宋" panose="02010600040101010101" pitchFamily="2" charset="-122"/>
-              </a:rPr>
-              <a:t> 3.</a:t>
-            </a:r>
-            <a:r>
-              <a:rPr lang="zh-CN" altLang="zh-CN" sz="2400" b="1" kern="100" dirty="0">
-                <a:latin typeface="Cambria" panose="02040503050406030204" pitchFamily="18" charset="0"/>
-                <a:ea typeface="华文中宋" panose="02010600040101010101" pitchFamily="2" charset="-122"/>
-              </a:rPr>
-              <a:t>安装数据库管理软件</a:t>
-            </a:r>
-          </a:p>
-          <a:p>
-            <a:pPr lvl="0" algn="just">
-              <a:lnSpc>
-                <a:spcPct val="240000"/>
-              </a:lnSpc>
-              <a:spcBef>
-                <a:spcPts val="1700"/>
-              </a:spcBef>
-              <a:spcAft>
-                <a:spcPts val="1650"/>
-              </a:spcAft>
-            </a:pPr>
-            <a:endParaRPr lang="zh-CN" altLang="zh-CN" sz="2400" b="1" kern="100" dirty="0">
-              <a:latin typeface="Cambria" panose="02040503050406030204" pitchFamily="18" charset="0"/>
-              <a:ea typeface="华文中宋" panose="02010600040101010101" pitchFamily="2" charset="-122"/>
-            </a:endParaRPr>
-          </a:p>
-        </p:txBody>
-      </p:sp>
-      <p:sp>
-        <p:nvSpPr>
-          <p:cNvPr id="6" name="矩形 5">
-            <a:extLst>
-              <a:ext uri="{FF2B5EF4-FFF2-40B4-BE49-F238E27FC236}">
-                <a16:creationId xmlns:a16="http://schemas.microsoft.com/office/drawing/2014/main" id="{A484F499-06A4-41B9-86FE-446779939318}"/>
-              </a:ext>
-            </a:extLst>
-          </p:cNvPr>
-          <p:cNvSpPr/>
-          <p:nvPr/>
-        </p:nvSpPr>
-        <p:spPr>
-          <a:xfrm>
-            <a:off x="265472" y="1720314"/>
-            <a:ext cx="4458928" cy="646331"/>
-          </a:xfrm>
-          <a:prstGeom prst="rect">
-            <a:avLst/>
-          </a:prstGeom>
-        </p:spPr>
-        <p:txBody>
-          <a:bodyPr wrap="square">
-            <a:spAutoFit/>
-          </a:bodyPr>
-          <a:lstStyle/>
-          <a:p>
-            <a:pPr lvl="1" algn="just"/>
-            <a:r>
-              <a:rPr lang="en-US" altLang="zh-CN" kern="100" dirty="0">
-                <a:ea typeface="微软雅黑" panose="020B0503020204020204" pitchFamily="34" charset="-122"/>
-                <a:cs typeface="Times New Roman" panose="02020603050405020304" pitchFamily="18" charset="0"/>
-              </a:rPr>
-              <a:t>3.7</a:t>
-            </a:r>
-            <a:r>
-              <a:rPr lang="zh-CN" altLang="en-US" kern="100" dirty="0">
-                <a:ea typeface="微软雅黑" panose="020B0503020204020204" pitchFamily="34" charset="-122"/>
-                <a:cs typeface="Times New Roman" panose="02020603050405020304" pitchFamily="18" charset="0"/>
-              </a:rPr>
-              <a:t>、</a:t>
-            </a:r>
-            <a:r>
-              <a:rPr lang="zh-CN" altLang="zh-CN" kern="100" dirty="0">
-                <a:ea typeface="微软雅黑" panose="020B0503020204020204" pitchFamily="34" charset="-122"/>
-                <a:cs typeface="Times New Roman" panose="02020603050405020304" pitchFamily="18" charset="0"/>
-              </a:rPr>
-              <a:t>确定安装的角色，选择最小；</a:t>
-            </a:r>
-          </a:p>
-          <a:p>
-            <a:pPr lvl="1" algn="just"/>
-            <a:endParaRPr lang="zh-CN" altLang="zh-CN" dirty="0"/>
-          </a:p>
-        </p:txBody>
-      </p:sp>
-      <p:sp>
-        <p:nvSpPr>
-          <p:cNvPr id="3" name="矩形 2">
-            <a:extLst>
-              <a:ext uri="{FF2B5EF4-FFF2-40B4-BE49-F238E27FC236}">
-                <a16:creationId xmlns:a16="http://schemas.microsoft.com/office/drawing/2014/main" id="{1DB289D5-45C2-43E0-BF81-1F052AE05CD5}"/>
-              </a:ext>
-            </a:extLst>
-          </p:cNvPr>
-          <p:cNvSpPr/>
-          <p:nvPr/>
-        </p:nvSpPr>
-        <p:spPr>
-          <a:xfrm>
-            <a:off x="6096000" y="1784999"/>
-            <a:ext cx="2784737" cy="369332"/>
-          </a:xfrm>
-          <a:prstGeom prst="rect">
-            <a:avLst/>
-          </a:prstGeom>
-        </p:spPr>
-        <p:txBody>
-          <a:bodyPr wrap="none">
-            <a:spAutoFit/>
-          </a:bodyPr>
-          <a:lstStyle/>
-          <a:p>
-            <a:pPr lvl="1" algn="just">
-              <a:spcAft>
-                <a:spcPts val="0"/>
-              </a:spcAft>
-            </a:pPr>
-            <a:r>
-              <a:rPr lang="en-US" altLang="zh-CN" kern="100" dirty="0">
-                <a:ea typeface="微软雅黑" panose="020B0503020204020204" pitchFamily="34" charset="-122"/>
-                <a:cs typeface="Times New Roman" panose="02020603050405020304" pitchFamily="18" charset="0"/>
-              </a:rPr>
-              <a:t>3.8</a:t>
-            </a:r>
-            <a:r>
-              <a:rPr lang="zh-CN" altLang="en-US" kern="100" dirty="0">
-                <a:ea typeface="微软雅黑" panose="020B0503020204020204" pitchFamily="34" charset="-122"/>
-                <a:cs typeface="Times New Roman" panose="02020603050405020304" pitchFamily="18" charset="0"/>
-              </a:rPr>
-              <a:t>、</a:t>
-            </a:r>
-            <a:r>
-              <a:rPr lang="zh-CN" altLang="zh-CN" kern="100" dirty="0">
-                <a:ea typeface="微软雅黑" panose="020B0503020204020204" pitchFamily="34" charset="-122"/>
-                <a:cs typeface="Times New Roman" panose="02020603050405020304" pitchFamily="18" charset="0"/>
-              </a:rPr>
-              <a:t>点击【安装】；</a:t>
-            </a:r>
-          </a:p>
-        </p:txBody>
-      </p:sp>
-      <p:pic>
-        <p:nvPicPr>
-          <p:cNvPr id="9" name="图片 8" descr="IMG_256">
-            <a:extLst>
-              <a:ext uri="{FF2B5EF4-FFF2-40B4-BE49-F238E27FC236}">
-                <a16:creationId xmlns:a16="http://schemas.microsoft.com/office/drawing/2014/main" id="{78400A6E-E619-4085-BD18-E403D769C375}"/>
-              </a:ext>
-            </a:extLst>
-          </p:cNvPr>
-          <p:cNvPicPr/>
-          <p:nvPr/>
-        </p:nvPicPr>
-        <p:blipFill>
-          <a:blip r:embed="rId2"/>
-          <a:stretch>
-            <a:fillRect/>
-          </a:stretch>
-        </p:blipFill>
-        <p:spPr>
-          <a:xfrm>
-            <a:off x="722451" y="2174847"/>
-            <a:ext cx="4800600" cy="3600450"/>
-          </a:xfrm>
-          <a:prstGeom prst="rect">
-            <a:avLst/>
-          </a:prstGeom>
-          <a:noFill/>
-          <a:ln w="9525">
-            <a:noFill/>
-          </a:ln>
-        </p:spPr>
-      </p:pic>
-      <p:sp>
-        <p:nvSpPr>
-          <p:cNvPr id="4" name="矩形 3">
-            <a:extLst>
-              <a:ext uri="{FF2B5EF4-FFF2-40B4-BE49-F238E27FC236}">
-                <a16:creationId xmlns:a16="http://schemas.microsoft.com/office/drawing/2014/main" id="{1016B182-FFCF-48B0-93EB-12326568F378}"/>
-              </a:ext>
-            </a:extLst>
-          </p:cNvPr>
-          <p:cNvSpPr/>
-          <p:nvPr/>
-        </p:nvSpPr>
-        <p:spPr>
-          <a:xfrm>
-            <a:off x="538553" y="5928492"/>
-            <a:ext cx="5938357" cy="369332"/>
-          </a:xfrm>
-          <a:prstGeom prst="rect">
-            <a:avLst/>
-          </a:prstGeom>
-        </p:spPr>
-        <p:txBody>
-          <a:bodyPr wrap="none">
-            <a:spAutoFit/>
-          </a:bodyPr>
-          <a:lstStyle/>
-          <a:p>
-            <a:r>
-              <a:rPr lang="zh-CN" altLang="zh-CN" b="1" kern="100" dirty="0">
-                <a:solidFill>
-                  <a:srgbClr val="FF0000"/>
-                </a:solidFill>
-                <a:ea typeface="微软雅黑" panose="020B0503020204020204" pitchFamily="34" charset="-122"/>
-                <a:cs typeface="Times New Roman" panose="02020603050405020304" pitchFamily="18" charset="0"/>
-              </a:rPr>
-              <a:t> 注意：</a:t>
-            </a:r>
-            <a:r>
-              <a:rPr lang="zh-CN" altLang="zh-CN" kern="100" dirty="0">
-                <a:ea typeface="微软雅黑" panose="020B0503020204020204" pitchFamily="34" charset="-122"/>
-                <a:cs typeface="Times New Roman" panose="02020603050405020304" pitchFamily="18" charset="0"/>
-              </a:rPr>
-              <a:t>选择最小安全设置，</a:t>
-            </a:r>
-            <a:r>
-              <a:rPr lang="en-US" altLang="zh-CN" kern="100" dirty="0">
-                <a:ea typeface="微软雅黑" panose="020B0503020204020204" pitchFamily="34" charset="-122"/>
-                <a:cs typeface="Times New Roman" panose="02020603050405020304" pitchFamily="18" charset="0"/>
-              </a:rPr>
-              <a:t>_system</a:t>
-            </a:r>
-            <a:r>
-              <a:rPr lang="zh-CN" altLang="zh-CN" kern="100" dirty="0">
-                <a:ea typeface="微软雅黑" panose="020B0503020204020204" pitchFamily="34" charset="-122"/>
-                <a:cs typeface="Times New Roman" panose="02020603050405020304" pitchFamily="18" charset="0"/>
-              </a:rPr>
-              <a:t>用户密码默认为</a:t>
-            </a:r>
-            <a:r>
-              <a:rPr lang="en-US" altLang="zh-CN" kern="100" dirty="0">
-                <a:ea typeface="微软雅黑" panose="020B0503020204020204" pitchFamily="34" charset="-122"/>
-                <a:cs typeface="Times New Roman" panose="02020603050405020304" pitchFamily="18" charset="0"/>
-              </a:rPr>
-              <a:t>SYS</a:t>
-            </a:r>
-            <a:r>
-              <a:rPr lang="zh-CN" altLang="zh-CN" kern="100" dirty="0">
-                <a:ea typeface="微软雅黑" panose="020B0503020204020204" pitchFamily="34" charset="-122"/>
-                <a:cs typeface="Times New Roman" panose="02020603050405020304" pitchFamily="18" charset="0"/>
-              </a:rPr>
-              <a:t>；</a:t>
-            </a:r>
-            <a:endParaRPr lang="zh-CN" altLang="en-US" dirty="0"/>
-          </a:p>
-        </p:txBody>
-      </p:sp>
-      <p:pic>
-        <p:nvPicPr>
-          <p:cNvPr id="11" name="图片 10" descr="IMG_256">
-            <a:extLst>
-              <a:ext uri="{FF2B5EF4-FFF2-40B4-BE49-F238E27FC236}">
-                <a16:creationId xmlns:a16="http://schemas.microsoft.com/office/drawing/2014/main" id="{E0100160-94E0-4CCF-9FEB-1FAB896D382F}"/>
-              </a:ext>
-            </a:extLst>
-          </p:cNvPr>
-          <p:cNvPicPr/>
-          <p:nvPr/>
-        </p:nvPicPr>
-        <p:blipFill>
-          <a:blip r:embed="rId3"/>
-          <a:stretch>
-            <a:fillRect/>
-          </a:stretch>
-        </p:blipFill>
-        <p:spPr>
-          <a:xfrm>
-            <a:off x="6668951" y="2303117"/>
-            <a:ext cx="4810125" cy="3343910"/>
-          </a:xfrm>
-          <a:prstGeom prst="rect">
-            <a:avLst/>
-          </a:prstGeom>
-          <a:noFill/>
-          <a:ln w="9525">
-            <a:noFill/>
-          </a:ln>
-        </p:spPr>
-      </p:pic>
-      <p:sp>
-        <p:nvSpPr>
-          <p:cNvPr id="12" name="矩形 11">
-            <a:extLst>
-              <a:ext uri="{FF2B5EF4-FFF2-40B4-BE49-F238E27FC236}">
-                <a16:creationId xmlns:a16="http://schemas.microsoft.com/office/drawing/2014/main" id="{F1A9021F-2CA6-4DFD-9B2C-01430F6D691A}"/>
-              </a:ext>
-            </a:extLst>
-          </p:cNvPr>
-          <p:cNvSpPr/>
-          <p:nvPr/>
-        </p:nvSpPr>
-        <p:spPr>
-          <a:xfrm>
-            <a:off x="6304632" y="5728091"/>
-            <a:ext cx="6096000" cy="646331"/>
-          </a:xfrm>
-          <a:prstGeom prst="rect">
-            <a:avLst/>
-          </a:prstGeom>
-        </p:spPr>
-        <p:txBody>
-          <a:bodyPr>
-            <a:spAutoFit/>
-          </a:bodyPr>
-          <a:lstStyle/>
-          <a:p>
-            <a:r>
-              <a:rPr lang="zh-CN" altLang="zh-CN" kern="100" dirty="0">
-                <a:ea typeface="微软雅黑" panose="020B0503020204020204" pitchFamily="34" charset="-122"/>
-                <a:cs typeface="Times New Roman" panose="02020603050405020304" pitchFamily="18" charset="0"/>
-              </a:rPr>
-              <a:t>点击安装之后，数据库会自动安装，安装完成之后会在桌面右下角产生</a:t>
-            </a:r>
-            <a:r>
-              <a:rPr lang="zh-CN" altLang="en-US" kern="100" dirty="0">
-                <a:ea typeface="微软雅黑" panose="020B0503020204020204" pitchFamily="34" charset="-122"/>
-                <a:cs typeface="Times New Roman" panose="02020603050405020304" pitchFamily="18" charset="0"/>
-              </a:rPr>
-              <a:t>一个立方体</a:t>
-            </a:r>
-            <a:r>
-              <a:rPr lang="zh-CN" altLang="zh-CN" kern="100" dirty="0">
-                <a:ea typeface="微软雅黑" panose="020B0503020204020204" pitchFamily="34" charset="-122"/>
-                <a:cs typeface="Times New Roman" panose="02020603050405020304" pitchFamily="18" charset="0"/>
-              </a:rPr>
-              <a:t>。</a:t>
-            </a:r>
-            <a:endParaRPr lang="zh-CN" altLang="en-US" kern="100" dirty="0">
-              <a:ea typeface="微软雅黑" panose="020B0503020204020204" pitchFamily="34" charset="-122"/>
-              <a:cs typeface="Times New Roman" panose="02020603050405020304" pitchFamily="18" charset="0"/>
-            </a:endParaRPr>
-          </a:p>
-        </p:txBody>
-      </p:sp>
-    </p:spTree>
-    <p:extLst>
-      <p:ext uri="{BB962C8B-B14F-4D97-AF65-F5344CB8AC3E}">
-        <p14:creationId xmlns:p14="http://schemas.microsoft.com/office/powerpoint/2010/main" val="249615221"/>
-      </p:ext>
-    </p:extLst>
-  </p:cSld>
-  <p:clrMapOvr>
-    <a:masterClrMapping/>
-  </p:clrMapOvr>
-</p:sld>
-</file>
-
-<file path=ppt/slides/slide13.xml><?xml version="1.0" encoding="utf-8"?>
-<p:sld xmlns:a="http://schemas.openxmlformats.org/drawingml/2006/main" xmlns:r="http://schemas.openxmlformats.org/officeDocument/2006/relationships" xmlns:p="http://schemas.openxmlformats.org/presentationml/2006/main">
-  <p:cSld>
-    <p:spTree>
-      <p:nvGrpSpPr>
-        <p:cNvPr id="1" name=""/>
-        <p:cNvGrpSpPr/>
-        <p:nvPr/>
-      </p:nvGrpSpPr>
-      <p:grpSpPr>
-        <a:xfrm>
-          <a:off x="0" y="0"/>
-          <a:ext cx="0" cy="0"/>
-          <a:chOff x="0" y="0"/>
-          <a:chExt cx="0" cy="0"/>
-        </a:xfrm>
-      </p:grpSpPr>
-      <p:sp>
-        <p:nvSpPr>
-          <p:cNvPr id="2" name="灯片编号占位符 1"/>
-          <p:cNvSpPr>
-            <a:spLocks noGrp="1"/>
-          </p:cNvSpPr>
-          <p:nvPr>
-            <p:ph type="sldNum" sz="quarter" idx="4"/>
-          </p:nvPr>
-        </p:nvSpPr>
-        <p:spPr/>
-        <p:txBody>
-          <a:bodyPr/>
-          <a:lstStyle/>
-          <a:p>
-            <a:fld id="{9DEDB23E-2FB9-47E7-B867-886262ECB867}" type="slidenum">
-              <a:rPr lang="en-US" smtClean="0"/>
-              <a:pPr/>
-              <a:t>13</a:t>
-            </a:fld>
-            <a:endParaRPr lang="en-US" dirty="0"/>
-          </a:p>
-        </p:txBody>
-      </p:sp>
-      <p:sp>
-        <p:nvSpPr>
-          <p:cNvPr id="5" name="文本框 4"/>
-          <p:cNvSpPr txBox="1"/>
-          <p:nvPr/>
-        </p:nvSpPr>
-        <p:spPr>
-          <a:xfrm>
-            <a:off x="474523" y="365740"/>
-            <a:ext cx="3644721" cy="461665"/>
-          </a:xfrm>
-          <a:prstGeom prst="rect">
-            <a:avLst/>
-          </a:prstGeom>
-          <a:noFill/>
-        </p:spPr>
-        <p:txBody>
-          <a:bodyPr wrap="square" rtlCol="0">
-            <a:spAutoFit/>
-          </a:bodyPr>
-          <a:lstStyle/>
-          <a:p>
-            <a:r>
-              <a:rPr lang="en-US" altLang="zh-CN" sz="2400" b="1" dirty="0">
-                <a:solidFill>
-                  <a:srgbClr val="1C4885"/>
-                </a:solidFill>
-                <a:latin typeface="微软雅黑" panose="020B0503020204020204" pitchFamily="34" charset="-122"/>
-                <a:ea typeface="微软雅黑" panose="020B0503020204020204" pitchFamily="34" charset="-122"/>
-              </a:rPr>
-              <a:t>3. </a:t>
             </a:r>
             <a:r>
               <a:rPr lang="en-US" altLang="zh-CN" sz="2400" b="1" dirty="0" err="1">
@@ -4143,7 +2937,7 @@
 </p:sld>
 </file>
 
-<file path=ppt/slides/slide14.xml><?xml version="1.0" encoding="utf-8"?>
+<file path=ppt/slides/slide11.xml><?xml version="1.0" encoding="utf-8"?>
 <p:sld xmlns:a="http://schemas.openxmlformats.org/drawingml/2006/main" xmlns:r="http://schemas.openxmlformats.org/officeDocument/2006/relationships" xmlns:p="http://schemas.openxmlformats.org/presentationml/2006/main">
   <p:cSld>
     <p:spTree>
@@ -4302,8 +3096,8 @@
         </p:nvSpPr>
         <p:spPr>
           <a:xfrm>
-            <a:off x="569913" y="311150"/>
-            <a:ext cx="6581775" cy="596900"/>
+            <a:off x="569913" y="397234"/>
+            <a:ext cx="6581775" cy="424732"/>
           </a:xfrm>
           <a:prstGeom prst="rect">
             <a:avLst/>
@@ -4321,10 +3115,18 @@
                 <a:solidFill>
                   <a:srgbClr val="1C4885"/>
                 </a:solidFill>
+              </a:rPr>
+              <a:t>2</a:t>
+            </a:r>
+            <a:r>
+              <a:rPr lang="en-US" altLang="zh-CN" sz="2400" b="1" dirty="0">
+                <a:solidFill>
+                  <a:srgbClr val="1C4885"/>
+                </a:solidFill>
                 <a:latin typeface="微软雅黑" panose="020B0503020204020204" pitchFamily="34" charset="-122"/>
                 <a:ea typeface="微软雅黑" panose="020B0503020204020204" pitchFamily="34" charset="-122"/>
               </a:rPr>
-              <a:t>3. </a:t>
+              <a:t>. </a:t>
             </a:r>
             <a:r>
               <a:rPr lang="en-US" altLang="zh-CN" sz="2400" b="1" dirty="0" err="1">
@@ -4378,7 +3180,7 @@
           <a:p>
             <a:r>
               <a:rPr lang="en-US" altLang="zh-CN" sz="2400" dirty="0"/>
-              <a:t>3.1</a:t>
+              <a:t>2.1</a:t>
             </a:r>
             <a:r>
               <a:rPr lang="zh-CN" altLang="en-US" sz="2400" dirty="0"/>
@@ -4455,7 +3257,7 @@
 </p:sld>
 </file>
 
-<file path=ppt/slides/slide15.xml><?xml version="1.0" encoding="utf-8"?>
+<file path=ppt/slides/slide12.xml><?xml version="1.0" encoding="utf-8"?>
 <p:sld xmlns:a="http://schemas.openxmlformats.org/drawingml/2006/main" xmlns:r="http://schemas.openxmlformats.org/officeDocument/2006/relationships" xmlns:p="http://schemas.openxmlformats.org/presentationml/2006/main">
   <p:cSld>
     <p:spTree>
@@ -4615,8 +3417,8 @@
         </p:nvSpPr>
         <p:spPr>
           <a:xfrm>
-            <a:off x="569913" y="311150"/>
-            <a:ext cx="6581775" cy="596900"/>
+            <a:off x="569913" y="397234"/>
+            <a:ext cx="6581775" cy="424732"/>
           </a:xfrm>
           <a:prstGeom prst="rect">
             <a:avLst/>
@@ -4634,10 +3436,18 @@
                 <a:solidFill>
                   <a:srgbClr val="1C4885"/>
                 </a:solidFill>
+              </a:rPr>
+              <a:t>2</a:t>
+            </a:r>
+            <a:r>
+              <a:rPr lang="en-US" altLang="zh-CN" sz="2400" b="1" dirty="0">
+                <a:solidFill>
+                  <a:srgbClr val="1C4885"/>
+                </a:solidFill>
                 <a:latin typeface="微软雅黑" panose="020B0503020204020204" pitchFamily="34" charset="-122"/>
                 <a:ea typeface="微软雅黑" panose="020B0503020204020204" pitchFamily="34" charset="-122"/>
               </a:rPr>
-              <a:t>3. </a:t>
+              <a:t>. </a:t>
             </a:r>
             <a:r>
               <a:rPr lang="en-US" altLang="zh-CN" sz="2400" b="1" dirty="0" err="1">
@@ -4691,7 +3501,7 @@
           <a:p>
             <a:r>
               <a:rPr lang="en-US" altLang="zh-CN" sz="2400" dirty="0"/>
-              <a:t>3.2</a:t>
+              <a:t>2.2</a:t>
             </a:r>
             <a:r>
               <a:rPr lang="zh-CN" altLang="en-US" sz="2400" dirty="0"/>
@@ -4731,6 +3541,561 @@
         </p:spPr>
       </p:pic>
     </p:spTree>
+  </p:cSld>
+  <p:clrMapOvr>
+    <a:masterClrMapping/>
+  </p:clrMapOvr>
+</p:sld>
+</file>
+
+<file path=ppt/slides/slide13.xml><?xml version="1.0" encoding="utf-8"?>
+<p:sld xmlns:a="http://schemas.openxmlformats.org/drawingml/2006/main" xmlns:r="http://schemas.openxmlformats.org/officeDocument/2006/relationships" xmlns:p="http://schemas.openxmlformats.org/presentationml/2006/main">
+  <p:cSld>
+    <p:spTree>
+      <p:nvGrpSpPr>
+        <p:cNvPr id="1" name=""/>
+        <p:cNvGrpSpPr/>
+        <p:nvPr/>
+      </p:nvGrpSpPr>
+      <p:grpSpPr>
+        <a:xfrm>
+          <a:off x="0" y="0"/>
+          <a:ext cx="0" cy="0"/>
+          <a:chOff x="0" y="0"/>
+          <a:chExt cx="0" cy="0"/>
+        </a:xfrm>
+      </p:grpSpPr>
+      <p:sp>
+        <p:nvSpPr>
+          <p:cNvPr id="5" name="标题 4">
+            <a:extLst>
+              <a:ext uri="{FF2B5EF4-FFF2-40B4-BE49-F238E27FC236}">
+                <a16:creationId xmlns:a16="http://schemas.microsoft.com/office/drawing/2014/main" id="{E9767282-F663-4E07-B4F0-C96545915A62}"/>
+              </a:ext>
+            </a:extLst>
+          </p:cNvPr>
+          <p:cNvSpPr txBox="1">
+            <a:spLocks noGrp="1"/>
+          </p:cNvSpPr>
+          <p:nvPr>
+            <p:ph type="title"/>
+          </p:nvPr>
+        </p:nvSpPr>
+        <p:spPr>
+          <a:xfrm>
+            <a:off x="569913" y="397234"/>
+            <a:ext cx="6581775" cy="424732"/>
+          </a:xfrm>
+          <a:prstGeom prst="rect">
+            <a:avLst/>
+          </a:prstGeom>
+          <a:noFill/>
+        </p:spPr>
+        <p:txBody>
+          <a:bodyPr wrap="square" rtlCol="0">
+            <a:spAutoFit/>
+          </a:bodyPr>
+          <a:lstStyle/>
+          <a:p>
+            <a:r>
+              <a:rPr lang="en-US" altLang="zh-CN" sz="2400" b="1" dirty="0">
+                <a:solidFill>
+                  <a:srgbClr val="1C4885"/>
+                </a:solidFill>
+              </a:rPr>
+              <a:t>2</a:t>
+            </a:r>
+            <a:r>
+              <a:rPr lang="en-US" altLang="zh-CN" sz="2400" b="1" dirty="0">
+                <a:solidFill>
+                  <a:srgbClr val="1C4885"/>
+                </a:solidFill>
+                <a:latin typeface="微软雅黑" panose="020B0503020204020204" pitchFamily="34" charset="-122"/>
+                <a:ea typeface="微软雅黑" panose="020B0503020204020204" pitchFamily="34" charset="-122"/>
+              </a:rPr>
+              <a:t>. </a:t>
+            </a:r>
+            <a:r>
+              <a:rPr lang="en-US" altLang="zh-CN" sz="2400" b="1" dirty="0" err="1">
+                <a:solidFill>
+                  <a:srgbClr val="1C4885"/>
+                </a:solidFill>
+                <a:latin typeface="微软雅黑" panose="020B0503020204020204" pitchFamily="34" charset="-122"/>
+                <a:ea typeface="微软雅黑" panose="020B0503020204020204" pitchFamily="34" charset="-122"/>
+              </a:rPr>
+              <a:t>Caché</a:t>
+            </a:r>
+            <a:r>
+              <a:rPr lang="zh-CN" altLang="en-US" sz="2400" b="1" dirty="0">
+                <a:solidFill>
+                  <a:srgbClr val="1C4885"/>
+                </a:solidFill>
+                <a:latin typeface="微软雅黑" panose="020B0503020204020204" pitchFamily="34" charset="-122"/>
+                <a:ea typeface="微软雅黑" panose="020B0503020204020204" pitchFamily="34" charset="-122"/>
+              </a:rPr>
+              <a:t>的介绍</a:t>
+            </a:r>
+          </a:p>
+        </p:txBody>
+      </p:sp>
+      <p:sp>
+        <p:nvSpPr>
+          <p:cNvPr id="6" name="矩形 5">
+            <a:extLst>
+              <a:ext uri="{FF2B5EF4-FFF2-40B4-BE49-F238E27FC236}">
+                <a16:creationId xmlns:a16="http://schemas.microsoft.com/office/drawing/2014/main" id="{F83C31AF-D4DA-4EE4-9C43-D53946B6907B}"/>
+              </a:ext>
+            </a:extLst>
+          </p:cNvPr>
+          <p:cNvSpPr/>
+          <p:nvPr/>
+        </p:nvSpPr>
+        <p:spPr>
+          <a:xfrm>
+            <a:off x="688798" y="1001135"/>
+            <a:ext cx="7412607" cy="461665"/>
+          </a:xfrm>
+          <a:prstGeom prst="rect">
+            <a:avLst/>
+          </a:prstGeom>
+        </p:spPr>
+        <p:txBody>
+          <a:bodyPr wrap="none">
+            <a:spAutoFit/>
+          </a:bodyPr>
+          <a:lstStyle/>
+          <a:p>
+            <a:r>
+              <a:rPr lang="en-US" altLang="zh-CN" sz="2400" dirty="0"/>
+              <a:t>2.3</a:t>
+            </a:r>
+            <a:r>
+              <a:rPr lang="zh-CN" altLang="en-US" sz="2400" dirty="0"/>
+              <a:t>、 </a:t>
+            </a:r>
+            <a:r>
+              <a:rPr lang="zh-CN" altLang="en-US" sz="2400" i="1" dirty="0">
+                <a:latin typeface="宋体" panose="02010600030101010101" pitchFamily="2" charset="-122"/>
+              </a:rPr>
+              <a:t>Manage</a:t>
+            </a:r>
+            <a:r>
+              <a:rPr lang="en-US" altLang="zh-CN" sz="2400" i="1" dirty="0" err="1">
+                <a:latin typeface="宋体" panose="02010600030101010101" pitchFamily="2" charset="-122"/>
+              </a:rPr>
+              <a:t>ment</a:t>
+            </a:r>
+            <a:r>
+              <a:rPr lang="en-US" altLang="zh-CN" sz="2400" i="1" dirty="0">
+                <a:latin typeface="宋体" panose="02010600030101010101" pitchFamily="2" charset="-122"/>
+              </a:rPr>
+              <a:t> Portal  </a:t>
+            </a:r>
+            <a:r>
+              <a:rPr lang="zh-CN" altLang="en-US" sz="2400" dirty="0">
+                <a:latin typeface="宋体" panose="02010600030101010101" pitchFamily="2" charset="-122"/>
+              </a:rPr>
+              <a:t>配置管理器 进行基本配置</a:t>
+            </a:r>
+            <a:endParaRPr lang="zh-CN" altLang="en-US" sz="2400" dirty="0"/>
+          </a:p>
+        </p:txBody>
+      </p:sp>
+      <p:pic>
+        <p:nvPicPr>
+          <p:cNvPr id="8" name="图片 7">
+            <a:extLst>
+              <a:ext uri="{FF2B5EF4-FFF2-40B4-BE49-F238E27FC236}">
+                <a16:creationId xmlns:a16="http://schemas.microsoft.com/office/drawing/2014/main" id="{D1FB88CD-7C20-4775-A1BE-0D7A4590D814}"/>
+              </a:ext>
+            </a:extLst>
+          </p:cNvPr>
+          <p:cNvPicPr>
+            <a:picLocks noChangeAspect="1"/>
+          </p:cNvPicPr>
+          <p:nvPr/>
+        </p:nvPicPr>
+        <p:blipFill>
+          <a:blip r:embed="rId2"/>
+          <a:stretch>
+            <a:fillRect/>
+          </a:stretch>
+        </p:blipFill>
+        <p:spPr>
+          <a:xfrm>
+            <a:off x="688798" y="1675154"/>
+            <a:ext cx="10707758" cy="4513611"/>
+          </a:xfrm>
+          <a:prstGeom prst="rect">
+            <a:avLst/>
+          </a:prstGeom>
+        </p:spPr>
+      </p:pic>
+    </p:spTree>
+    <p:extLst>
+      <p:ext uri="{BB962C8B-B14F-4D97-AF65-F5344CB8AC3E}">
+        <p14:creationId xmlns:p14="http://schemas.microsoft.com/office/powerpoint/2010/main" val="3358003302"/>
+      </p:ext>
+    </p:extLst>
+  </p:cSld>
+  <p:clrMapOvr>
+    <a:masterClrMapping/>
+  </p:clrMapOvr>
+</p:sld>
+</file>
+
+<file path=ppt/slides/slide14.xml><?xml version="1.0" encoding="utf-8"?>
+<p:sld xmlns:a="http://schemas.openxmlformats.org/drawingml/2006/main" xmlns:r="http://schemas.openxmlformats.org/officeDocument/2006/relationships" xmlns:p="http://schemas.openxmlformats.org/presentationml/2006/main">
+  <p:cSld>
+    <p:spTree>
+      <p:nvGrpSpPr>
+        <p:cNvPr id="1" name=""/>
+        <p:cNvGrpSpPr/>
+        <p:nvPr/>
+      </p:nvGrpSpPr>
+      <p:grpSpPr>
+        <a:xfrm>
+          <a:off x="0" y="0"/>
+          <a:ext cx="0" cy="0"/>
+          <a:chOff x="0" y="0"/>
+          <a:chExt cx="0" cy="0"/>
+        </a:xfrm>
+      </p:grpSpPr>
+      <p:sp>
+        <p:nvSpPr>
+          <p:cNvPr id="5" name="标题 4">
+            <a:extLst>
+              <a:ext uri="{FF2B5EF4-FFF2-40B4-BE49-F238E27FC236}">
+                <a16:creationId xmlns:a16="http://schemas.microsoft.com/office/drawing/2014/main" id="{E9767282-F663-4E07-B4F0-C96545915A62}"/>
+              </a:ext>
+            </a:extLst>
+          </p:cNvPr>
+          <p:cNvSpPr txBox="1">
+            <a:spLocks noGrp="1"/>
+          </p:cNvSpPr>
+          <p:nvPr>
+            <p:ph type="title"/>
+          </p:nvPr>
+        </p:nvSpPr>
+        <p:spPr>
+          <a:xfrm>
+            <a:off x="569913" y="397234"/>
+            <a:ext cx="6581775" cy="424732"/>
+          </a:xfrm>
+          <a:prstGeom prst="rect">
+            <a:avLst/>
+          </a:prstGeom>
+          <a:noFill/>
+        </p:spPr>
+        <p:txBody>
+          <a:bodyPr wrap="square" rtlCol="0">
+            <a:spAutoFit/>
+          </a:bodyPr>
+          <a:lstStyle/>
+          <a:p>
+            <a:r>
+              <a:rPr lang="en-US" altLang="zh-CN" sz="2400" b="1" dirty="0">
+                <a:solidFill>
+                  <a:srgbClr val="1C4885"/>
+                </a:solidFill>
+              </a:rPr>
+              <a:t>2</a:t>
+            </a:r>
+            <a:r>
+              <a:rPr lang="en-US" altLang="zh-CN" sz="2400" b="1" dirty="0">
+                <a:solidFill>
+                  <a:srgbClr val="1C4885"/>
+                </a:solidFill>
+                <a:latin typeface="微软雅黑" panose="020B0503020204020204" pitchFamily="34" charset="-122"/>
+                <a:ea typeface="微软雅黑" panose="020B0503020204020204" pitchFamily="34" charset="-122"/>
+              </a:rPr>
+              <a:t>. </a:t>
+            </a:r>
+            <a:r>
+              <a:rPr lang="en-US" altLang="zh-CN" sz="2400" b="1" dirty="0" err="1">
+                <a:solidFill>
+                  <a:srgbClr val="1C4885"/>
+                </a:solidFill>
+                <a:latin typeface="微软雅黑" panose="020B0503020204020204" pitchFamily="34" charset="-122"/>
+                <a:ea typeface="微软雅黑" panose="020B0503020204020204" pitchFamily="34" charset="-122"/>
+              </a:rPr>
+              <a:t>Caché</a:t>
+            </a:r>
+            <a:r>
+              <a:rPr lang="zh-CN" altLang="en-US" sz="2400" b="1" dirty="0">
+                <a:solidFill>
+                  <a:srgbClr val="1C4885"/>
+                </a:solidFill>
+                <a:latin typeface="微软雅黑" panose="020B0503020204020204" pitchFamily="34" charset="-122"/>
+                <a:ea typeface="微软雅黑" panose="020B0503020204020204" pitchFamily="34" charset="-122"/>
+              </a:rPr>
+              <a:t>的介绍</a:t>
+            </a:r>
+          </a:p>
+        </p:txBody>
+      </p:sp>
+      <p:sp>
+        <p:nvSpPr>
+          <p:cNvPr id="6" name="矩形 5">
+            <a:extLst>
+              <a:ext uri="{FF2B5EF4-FFF2-40B4-BE49-F238E27FC236}">
+                <a16:creationId xmlns:a16="http://schemas.microsoft.com/office/drawing/2014/main" id="{F83C31AF-D4DA-4EE4-9C43-D53946B6907B}"/>
+              </a:ext>
+            </a:extLst>
+          </p:cNvPr>
+          <p:cNvSpPr/>
+          <p:nvPr/>
+        </p:nvSpPr>
+        <p:spPr>
+          <a:xfrm>
+            <a:off x="688798" y="1001135"/>
+            <a:ext cx="5565947" cy="461665"/>
+          </a:xfrm>
+          <a:prstGeom prst="rect">
+            <a:avLst/>
+          </a:prstGeom>
+        </p:spPr>
+        <p:txBody>
+          <a:bodyPr wrap="none">
+            <a:spAutoFit/>
+          </a:bodyPr>
+          <a:lstStyle/>
+          <a:p>
+            <a:r>
+              <a:rPr lang="en-US" altLang="zh-CN" sz="2400" dirty="0"/>
+              <a:t>2.4</a:t>
+            </a:r>
+            <a:r>
+              <a:rPr lang="zh-CN" altLang="en-US" sz="2400" dirty="0"/>
+              <a:t>、 </a:t>
+            </a:r>
+            <a:r>
+              <a:rPr lang="zh-CN" altLang="en-US" sz="2400" dirty="0">
+                <a:latin typeface="宋体" panose="02010600030101010101" pitchFamily="2" charset="-122"/>
+              </a:rPr>
+              <a:t>Documentation 阅读全部文档信息</a:t>
+            </a:r>
+            <a:endParaRPr lang="zh-CN" altLang="en-US" sz="2400" dirty="0"/>
+          </a:p>
+        </p:txBody>
+      </p:sp>
+      <p:pic>
+        <p:nvPicPr>
+          <p:cNvPr id="2" name="图片 1">
+            <a:extLst>
+              <a:ext uri="{FF2B5EF4-FFF2-40B4-BE49-F238E27FC236}">
+                <a16:creationId xmlns:a16="http://schemas.microsoft.com/office/drawing/2014/main" id="{5D33C090-4EE9-4310-BF09-0E818FF8F29F}"/>
+              </a:ext>
+            </a:extLst>
+          </p:cNvPr>
+          <p:cNvPicPr>
+            <a:picLocks noChangeAspect="1"/>
+          </p:cNvPicPr>
+          <p:nvPr/>
+        </p:nvPicPr>
+        <p:blipFill>
+          <a:blip r:embed="rId2"/>
+          <a:stretch>
+            <a:fillRect/>
+          </a:stretch>
+        </p:blipFill>
+        <p:spPr>
+          <a:xfrm>
+            <a:off x="688798" y="1462800"/>
+            <a:ext cx="10866713" cy="4719128"/>
+          </a:xfrm>
+          <a:prstGeom prst="rect">
+            <a:avLst/>
+          </a:prstGeom>
+        </p:spPr>
+      </p:pic>
+    </p:spTree>
+    <p:extLst>
+      <p:ext uri="{BB962C8B-B14F-4D97-AF65-F5344CB8AC3E}">
+        <p14:creationId xmlns:p14="http://schemas.microsoft.com/office/powerpoint/2010/main" val="4133123252"/>
+      </p:ext>
+    </p:extLst>
+  </p:cSld>
+  <p:clrMapOvr>
+    <a:masterClrMapping/>
+  </p:clrMapOvr>
+</p:sld>
+</file>
+
+<file path=ppt/slides/slide15.xml><?xml version="1.0" encoding="utf-8"?>
+<p:sld xmlns:a="http://schemas.openxmlformats.org/drawingml/2006/main" xmlns:r="http://schemas.openxmlformats.org/officeDocument/2006/relationships" xmlns:p="http://schemas.openxmlformats.org/presentationml/2006/main">
+  <p:cSld>
+    <p:spTree>
+      <p:nvGrpSpPr>
+        <p:cNvPr id="1" name=""/>
+        <p:cNvGrpSpPr/>
+        <p:nvPr/>
+      </p:nvGrpSpPr>
+      <p:grpSpPr>
+        <a:xfrm>
+          <a:off x="0" y="0"/>
+          <a:ext cx="0" cy="0"/>
+          <a:chOff x="0" y="0"/>
+          <a:chExt cx="0" cy="0"/>
+        </a:xfrm>
+      </p:grpSpPr>
+      <p:sp>
+        <p:nvSpPr>
+          <p:cNvPr id="5" name="标题 4">
+            <a:extLst>
+              <a:ext uri="{FF2B5EF4-FFF2-40B4-BE49-F238E27FC236}">
+                <a16:creationId xmlns:a16="http://schemas.microsoft.com/office/drawing/2014/main" id="{E9767282-F663-4E07-B4F0-C96545915A62}"/>
+              </a:ext>
+            </a:extLst>
+          </p:cNvPr>
+          <p:cNvSpPr txBox="1">
+            <a:spLocks noGrp="1"/>
+          </p:cNvSpPr>
+          <p:nvPr>
+            <p:ph type="title"/>
+          </p:nvPr>
+        </p:nvSpPr>
+        <p:spPr>
+          <a:xfrm>
+            <a:off x="543409" y="450348"/>
+            <a:ext cx="6581775" cy="424732"/>
+          </a:xfrm>
+          <a:prstGeom prst="rect">
+            <a:avLst/>
+          </a:prstGeom>
+          <a:noFill/>
+        </p:spPr>
+        <p:txBody>
+          <a:bodyPr wrap="square" rtlCol="0">
+            <a:spAutoFit/>
+          </a:bodyPr>
+          <a:lstStyle/>
+          <a:p>
+            <a:r>
+              <a:rPr lang="en-US" altLang="zh-CN" sz="2400" b="1" dirty="0">
+                <a:solidFill>
+                  <a:srgbClr val="1C4885"/>
+                </a:solidFill>
+              </a:rPr>
+              <a:t>2. </a:t>
+            </a:r>
+            <a:r>
+              <a:rPr lang="en-US" altLang="zh-CN" sz="2400" b="1" dirty="0" err="1">
+                <a:solidFill>
+                  <a:srgbClr val="1C4885"/>
+                </a:solidFill>
+              </a:rPr>
+              <a:t>Caché</a:t>
+            </a:r>
+            <a:r>
+              <a:rPr lang="zh-CN" altLang="en-US" sz="2400" b="1" dirty="0">
+                <a:solidFill>
+                  <a:srgbClr val="1C4885"/>
+                </a:solidFill>
+              </a:rPr>
+              <a:t>的介绍</a:t>
+            </a:r>
+            <a:endParaRPr lang="zh-CN" altLang="en-US" sz="2400" b="1" dirty="0">
+              <a:solidFill>
+                <a:srgbClr val="1C4885"/>
+              </a:solidFill>
+              <a:latin typeface="微软雅黑" panose="020B0503020204020204" pitchFamily="34" charset="-122"/>
+              <a:ea typeface="微软雅黑" panose="020B0503020204020204" pitchFamily="34" charset="-122"/>
+            </a:endParaRPr>
+          </a:p>
+        </p:txBody>
+      </p:sp>
+      <p:sp>
+        <p:nvSpPr>
+          <p:cNvPr id="6" name="矩形 5">
+            <a:extLst>
+              <a:ext uri="{FF2B5EF4-FFF2-40B4-BE49-F238E27FC236}">
+                <a16:creationId xmlns:a16="http://schemas.microsoft.com/office/drawing/2014/main" id="{F83C31AF-D4DA-4EE4-9C43-D53946B6907B}"/>
+              </a:ext>
+            </a:extLst>
+          </p:cNvPr>
+          <p:cNvSpPr/>
+          <p:nvPr/>
+        </p:nvSpPr>
+        <p:spPr>
+          <a:xfrm>
+            <a:off x="688798" y="1001135"/>
+            <a:ext cx="6797054" cy="461665"/>
+          </a:xfrm>
+          <a:prstGeom prst="rect">
+            <a:avLst/>
+          </a:prstGeom>
+        </p:spPr>
+        <p:txBody>
+          <a:bodyPr wrap="none">
+            <a:spAutoFit/>
+          </a:bodyPr>
+          <a:lstStyle/>
+          <a:p>
+            <a:r>
+              <a:rPr lang="en-US" altLang="zh-CN" sz="2400" dirty="0"/>
+              <a:t>2.5</a:t>
+            </a:r>
+            <a:r>
+              <a:rPr lang="zh-CN" altLang="en-US" sz="2400" dirty="0"/>
+              <a:t>、 </a:t>
+            </a:r>
+            <a:r>
+              <a:rPr lang="zh-CN" altLang="en-US" sz="2400" dirty="0">
+                <a:latin typeface="宋体" panose="02010600030101010101" pitchFamily="2" charset="-122"/>
+              </a:rPr>
+              <a:t>Preferred Server  编辑Cach</a:t>
+            </a:r>
+            <a:r>
+              <a:rPr lang="zh-CN" altLang="en-US" sz="2400" dirty="0"/>
+              <a:t>é</a:t>
+            </a:r>
+            <a:r>
+              <a:rPr lang="zh-CN" altLang="en-US" sz="2400" dirty="0">
+                <a:latin typeface="宋体" panose="02010600030101010101" pitchFamily="2" charset="-122"/>
+              </a:rPr>
+              <a:t> 服务器列表</a:t>
+            </a:r>
+            <a:endParaRPr lang="zh-CN" altLang="en-US" sz="2400" dirty="0"/>
+          </a:p>
+        </p:txBody>
+      </p:sp>
+      <p:pic>
+        <p:nvPicPr>
+          <p:cNvPr id="3" name="图片 2">
+            <a:extLst>
+              <a:ext uri="{FF2B5EF4-FFF2-40B4-BE49-F238E27FC236}">
+                <a16:creationId xmlns:a16="http://schemas.microsoft.com/office/drawing/2014/main" id="{6D411E9D-2E0D-4854-80E5-C9EA63299960}"/>
+              </a:ext>
+            </a:extLst>
+          </p:cNvPr>
+          <p:cNvPicPr>
+            <a:picLocks noChangeAspect="1"/>
+          </p:cNvPicPr>
+          <p:nvPr/>
+        </p:nvPicPr>
+        <p:blipFill>
+          <a:blip r:embed="rId2"/>
+          <a:stretch>
+            <a:fillRect/>
+          </a:stretch>
+        </p:blipFill>
+        <p:spPr>
+          <a:xfrm>
+            <a:off x="894522" y="1714911"/>
+            <a:ext cx="10668000" cy="3762375"/>
+          </a:xfrm>
+          <a:prstGeom prst="rect">
+            <a:avLst/>
+          </a:prstGeom>
+        </p:spPr>
+      </p:pic>
+    </p:spTree>
+    <p:extLst>
+      <p:ext uri="{BB962C8B-B14F-4D97-AF65-F5344CB8AC3E}">
+        <p14:creationId xmlns:p14="http://schemas.microsoft.com/office/powerpoint/2010/main" val="351891452"/>
+      </p:ext>
+    </p:extLst>
   </p:cSld>
   <p:clrMapOvr>
     <a:masterClrMapping/>
@@ -4773,8 +4138,8 @@
         </p:nvSpPr>
         <p:spPr>
           <a:xfrm>
-            <a:off x="569913" y="311150"/>
-            <a:ext cx="6581775" cy="596900"/>
+            <a:off x="569913" y="397234"/>
+            <a:ext cx="6581775" cy="424732"/>
           </a:xfrm>
           <a:prstGeom prst="rect">
             <a:avLst/>
@@ -4782,7 +4147,7 @@
           <a:noFill/>
         </p:spPr>
         <p:txBody>
-          <a:bodyPr wrap="square" rtlCol="0">
+          <a:bodyPr vert="horz" wrap="square" lIns="91440" tIns="45720" rIns="91440" bIns="45720" rtlCol="0" anchor="ctr">
             <a:spAutoFit/>
           </a:bodyPr>
           <a:lstStyle/>
@@ -4792,131 +4157,351 @@
                 <a:solidFill>
                   <a:srgbClr val="1C4885"/>
                 </a:solidFill>
-                <a:latin typeface="微软雅黑" panose="020B0503020204020204" pitchFamily="34" charset="-122"/>
-                <a:ea typeface="微软雅黑" panose="020B0503020204020204" pitchFamily="34" charset="-122"/>
-              </a:rPr>
-              <a:t>3. </a:t>
-            </a:r>
-            <a:r>
-              <a:rPr lang="en-US" altLang="zh-CN" sz="2400" b="1" dirty="0" err="1">
+              </a:rPr>
+              <a:t>3.Global</a:t>
+            </a:r>
+            <a:r>
+              <a:rPr lang="zh-CN" altLang="en-US" sz="2400" b="1" dirty="0">
                 <a:solidFill>
                   <a:srgbClr val="1C4885"/>
                 </a:solidFill>
-                <a:latin typeface="微软雅黑" panose="020B0503020204020204" pitchFamily="34" charset="-122"/>
-                <a:ea typeface="微软雅黑" panose="020B0503020204020204" pitchFamily="34" charset="-122"/>
-              </a:rPr>
-              <a:t>Caché</a:t>
-            </a:r>
-            <a:r>
-              <a:rPr lang="zh-CN" altLang="en-US" sz="2400" b="1" dirty="0">
-                <a:solidFill>
-                  <a:srgbClr val="1C4885"/>
-                </a:solidFill>
-                <a:latin typeface="微软雅黑" panose="020B0503020204020204" pitchFamily="34" charset="-122"/>
-                <a:ea typeface="微软雅黑" panose="020B0503020204020204" pitchFamily="34" charset="-122"/>
-              </a:rPr>
-              <a:t>的介绍</a:t>
+              </a:rPr>
+              <a:t>的多维存储</a:t>
             </a:r>
           </a:p>
         </p:txBody>
       </p:sp>
       <p:sp>
         <p:nvSpPr>
-          <p:cNvPr id="6" name="矩形 5">
+          <p:cNvPr id="7" name="内容占位符 2">
             <a:extLst>
               <a:ext uri="{FF2B5EF4-FFF2-40B4-BE49-F238E27FC236}">
-                <a16:creationId xmlns:a16="http://schemas.microsoft.com/office/drawing/2014/main" id="{F83C31AF-D4DA-4EE4-9C43-D53946B6907B}"/>
+                <a16:creationId xmlns:a16="http://schemas.microsoft.com/office/drawing/2014/main" id="{B289CCFC-843B-4309-8DC5-56030D4B58A8}"/>
               </a:ext>
             </a:extLst>
           </p:cNvPr>
-          <p:cNvSpPr/>
+          <p:cNvSpPr txBox="1">
+            <a:spLocks/>
+          </p:cNvSpPr>
           <p:nvPr/>
         </p:nvSpPr>
         <p:spPr>
           <a:xfrm>
-            <a:off x="688798" y="1001135"/>
-            <a:ext cx="7412607" cy="461665"/>
+            <a:off x="722243" y="973137"/>
+            <a:ext cx="8229600" cy="4911725"/>
           </a:xfrm>
           <a:prstGeom prst="rect">
             <a:avLst/>
           </a:prstGeom>
         </p:spPr>
         <p:txBody>
-          <a:bodyPr wrap="none">
-            <a:spAutoFit/>
+          <a:bodyPr vert="horz" lIns="91440" tIns="45720" rIns="91440" bIns="45720" rtlCol="0">
+            <a:normAutofit/>
           </a:bodyPr>
-          <a:lstStyle/>
-          <a:p>
-            <a:r>
-              <a:rPr lang="en-US" altLang="zh-CN" sz="2400" dirty="0"/>
-              <a:t>3.3</a:t>
-            </a:r>
+          <a:lstStyle>
+            <a:lvl1pPr marL="228600" indent="-228600" algn="l" defTabSz="914400" rtl="0" eaLnBrk="1" latinLnBrk="0" hangingPunct="1">
+              <a:lnSpc>
+                <a:spcPct val="90000"/>
+              </a:lnSpc>
+              <a:spcBef>
+                <a:spcPts val="1000"/>
+              </a:spcBef>
+              <a:buFont typeface="Arial" panose="020B0604020202020204" pitchFamily="34" charset="0"/>
+              <a:buChar char="•"/>
+              <a:defRPr sz="2800" kern="1200">
+                <a:solidFill>
+                  <a:schemeClr val="tx1"/>
+                </a:solidFill>
+                <a:latin typeface="+mn-lt"/>
+                <a:ea typeface="+mn-ea"/>
+                <a:cs typeface="+mn-cs"/>
+              </a:defRPr>
+            </a:lvl1pPr>
+            <a:lvl2pPr marL="685800" indent="-228600" algn="l" defTabSz="914400" rtl="0" eaLnBrk="1" latinLnBrk="0" hangingPunct="1">
+              <a:lnSpc>
+                <a:spcPct val="90000"/>
+              </a:lnSpc>
+              <a:spcBef>
+                <a:spcPts val="500"/>
+              </a:spcBef>
+              <a:buFont typeface="Arial" panose="020B0604020202020204" pitchFamily="34" charset="0"/>
+              <a:buChar char="•"/>
+              <a:defRPr sz="2400" kern="1200">
+                <a:solidFill>
+                  <a:schemeClr val="tx1"/>
+                </a:solidFill>
+                <a:latin typeface="+mn-lt"/>
+                <a:ea typeface="+mn-ea"/>
+                <a:cs typeface="+mn-cs"/>
+              </a:defRPr>
+            </a:lvl2pPr>
+            <a:lvl3pPr marL="1143000" indent="-228600" algn="l" defTabSz="914400" rtl="0" eaLnBrk="1" latinLnBrk="0" hangingPunct="1">
+              <a:lnSpc>
+                <a:spcPct val="90000"/>
+              </a:lnSpc>
+              <a:spcBef>
+                <a:spcPts val="500"/>
+              </a:spcBef>
+              <a:buFont typeface="Arial" panose="020B0604020202020204" pitchFamily="34" charset="0"/>
+              <a:buChar char="•"/>
+              <a:defRPr sz="2000" kern="1200">
+                <a:solidFill>
+                  <a:schemeClr val="tx1"/>
+                </a:solidFill>
+                <a:latin typeface="+mn-lt"/>
+                <a:ea typeface="+mn-ea"/>
+                <a:cs typeface="+mn-cs"/>
+              </a:defRPr>
+            </a:lvl3pPr>
+            <a:lvl4pPr marL="1600200" indent="-228600" algn="l" defTabSz="914400" rtl="0" eaLnBrk="1" latinLnBrk="0" hangingPunct="1">
+              <a:lnSpc>
+                <a:spcPct val="90000"/>
+              </a:lnSpc>
+              <a:spcBef>
+                <a:spcPts val="500"/>
+              </a:spcBef>
+              <a:buFont typeface="Arial" panose="020B0604020202020204" pitchFamily="34" charset="0"/>
+              <a:buChar char="•"/>
+              <a:defRPr sz="1800" kern="1200">
+                <a:solidFill>
+                  <a:schemeClr val="tx1"/>
+                </a:solidFill>
+                <a:latin typeface="+mn-lt"/>
+                <a:ea typeface="+mn-ea"/>
+                <a:cs typeface="+mn-cs"/>
+              </a:defRPr>
+            </a:lvl4pPr>
+            <a:lvl5pPr marL="2057400" indent="-228600" algn="l" defTabSz="914400" rtl="0" eaLnBrk="1" latinLnBrk="0" hangingPunct="1">
+              <a:lnSpc>
+                <a:spcPct val="90000"/>
+              </a:lnSpc>
+              <a:spcBef>
+                <a:spcPts val="500"/>
+              </a:spcBef>
+              <a:buFont typeface="Arial" panose="020B0604020202020204" pitchFamily="34" charset="0"/>
+              <a:buChar char="•"/>
+              <a:defRPr sz="1800" kern="1200">
+                <a:solidFill>
+                  <a:schemeClr val="tx1"/>
+                </a:solidFill>
+                <a:latin typeface="+mn-lt"/>
+                <a:ea typeface="+mn-ea"/>
+                <a:cs typeface="+mn-cs"/>
+              </a:defRPr>
+            </a:lvl5pPr>
+            <a:lvl6pPr marL="2514600" indent="-228600" algn="l" defTabSz="914400" rtl="0" eaLnBrk="1" latinLnBrk="0" hangingPunct="1">
+              <a:lnSpc>
+                <a:spcPct val="90000"/>
+              </a:lnSpc>
+              <a:spcBef>
+                <a:spcPts val="500"/>
+              </a:spcBef>
+              <a:buFont typeface="Arial" panose="020B0604020202020204" pitchFamily="34" charset="0"/>
+              <a:buChar char="•"/>
+              <a:defRPr sz="1800" kern="1200">
+                <a:solidFill>
+                  <a:schemeClr val="tx1"/>
+                </a:solidFill>
+                <a:latin typeface="+mn-lt"/>
+                <a:ea typeface="+mn-ea"/>
+                <a:cs typeface="+mn-cs"/>
+              </a:defRPr>
+            </a:lvl6pPr>
+            <a:lvl7pPr marL="2971800" indent="-228600" algn="l" defTabSz="914400" rtl="0" eaLnBrk="1" latinLnBrk="0" hangingPunct="1">
+              <a:lnSpc>
+                <a:spcPct val="90000"/>
+              </a:lnSpc>
+              <a:spcBef>
+                <a:spcPts val="500"/>
+              </a:spcBef>
+              <a:buFont typeface="Arial" panose="020B0604020202020204" pitchFamily="34" charset="0"/>
+              <a:buChar char="•"/>
+              <a:defRPr sz="1800" kern="1200">
+                <a:solidFill>
+                  <a:schemeClr val="tx1"/>
+                </a:solidFill>
+                <a:latin typeface="+mn-lt"/>
+                <a:ea typeface="+mn-ea"/>
+                <a:cs typeface="+mn-cs"/>
+              </a:defRPr>
+            </a:lvl7pPr>
+            <a:lvl8pPr marL="3429000" indent="-228600" algn="l" defTabSz="914400" rtl="0" eaLnBrk="1" latinLnBrk="0" hangingPunct="1">
+              <a:lnSpc>
+                <a:spcPct val="90000"/>
+              </a:lnSpc>
+              <a:spcBef>
+                <a:spcPts val="500"/>
+              </a:spcBef>
+              <a:buFont typeface="Arial" panose="020B0604020202020204" pitchFamily="34" charset="0"/>
+              <a:buChar char="•"/>
+              <a:defRPr sz="1800" kern="1200">
+                <a:solidFill>
+                  <a:schemeClr val="tx1"/>
+                </a:solidFill>
+                <a:latin typeface="+mn-lt"/>
+                <a:ea typeface="+mn-ea"/>
+                <a:cs typeface="+mn-cs"/>
+              </a:defRPr>
+            </a:lvl8pPr>
+            <a:lvl9pPr marL="3886200" indent="-228600" algn="l" defTabSz="914400" rtl="0" eaLnBrk="1" latinLnBrk="0" hangingPunct="1">
+              <a:lnSpc>
+                <a:spcPct val="90000"/>
+              </a:lnSpc>
+              <a:spcBef>
+                <a:spcPts val="500"/>
+              </a:spcBef>
+              <a:buFont typeface="Arial" panose="020B0604020202020204" pitchFamily="34" charset="0"/>
+              <a:buChar char="•"/>
+              <a:defRPr sz="1800" kern="1200">
+                <a:solidFill>
+                  <a:schemeClr val="tx1"/>
+                </a:solidFill>
+                <a:latin typeface="+mn-lt"/>
+                <a:ea typeface="+mn-ea"/>
+                <a:cs typeface="+mn-cs"/>
+              </a:defRPr>
+            </a:lvl9pPr>
+          </a:lstStyle>
+          <a:p>
+            <a:pPr>
+              <a:buFontTx/>
+              <a:buNone/>
+            </a:pPr>
+            <a:r>
+              <a:rPr lang="en-US" altLang="zh-CN" sz="2400" b="1" dirty="0"/>
+              <a:t>3.1</a:t>
+            </a:r>
+            <a:r>
+              <a:rPr lang="zh-CN" altLang="en-US" sz="2400" b="1" dirty="0"/>
+              <a:t>、多维存储结构介绍</a:t>
+            </a:r>
+            <a:endParaRPr lang="zh-CN" altLang="en-US" sz="2400" dirty="0"/>
+          </a:p>
+          <a:p>
+            <a:pPr>
+              <a:buFontTx/>
+              <a:buNone/>
+            </a:pPr>
             <a:r>
               <a:rPr lang="zh-CN" altLang="en-US" sz="2400" dirty="0"/>
-              <a:t>、 </a:t>
-            </a:r>
-            <a:r>
-              <a:rPr lang="zh-CN" altLang="en-US" sz="2400" i="1" dirty="0">
-                <a:latin typeface="宋体" panose="02010600030101010101" pitchFamily="2" charset="-122"/>
-              </a:rPr>
-              <a:t>Manage</a:t>
-            </a:r>
-            <a:r>
-              <a:rPr lang="en-US" altLang="zh-CN" sz="2400" i="1" dirty="0" err="1">
-                <a:latin typeface="宋体" panose="02010600030101010101" pitchFamily="2" charset="-122"/>
-              </a:rPr>
-              <a:t>ment</a:t>
-            </a:r>
-            <a:r>
-              <a:rPr lang="en-US" altLang="zh-CN" sz="2400" i="1" dirty="0">
-                <a:latin typeface="宋体" panose="02010600030101010101" pitchFamily="2" charset="-122"/>
-              </a:rPr>
-              <a:t> Portal  </a:t>
-            </a:r>
-            <a:r>
-              <a:rPr lang="zh-CN" altLang="en-US" sz="2400" dirty="0">
-                <a:latin typeface="宋体" panose="02010600030101010101" pitchFamily="2" charset="-122"/>
-              </a:rPr>
-              <a:t>配置管理器 进行基本配置</a:t>
-            </a:r>
+              <a:t>   </a:t>
+            </a:r>
+            <a:r>
+              <a:rPr lang="zh-CN" altLang="en-US" sz="2200" dirty="0"/>
+              <a:t> </a:t>
+            </a:r>
+            <a:r>
+              <a:rPr lang="en-US" altLang="zh-CN" sz="2200" dirty="0"/>
+              <a:t> </a:t>
+            </a:r>
+            <a:r>
+              <a:rPr lang="en-US" altLang="zh-CN" sz="2200" dirty="0" err="1"/>
+              <a:t>Caché</a:t>
+            </a:r>
+            <a:r>
+              <a:rPr lang="en-US" altLang="zh-CN" sz="2200" dirty="0"/>
+              <a:t> </a:t>
+            </a:r>
+            <a:r>
+              <a:rPr lang="zh-CN" altLang="en-US" sz="2200" dirty="0"/>
+              <a:t>以多维数组存储数据，所有数据都是保存</a:t>
+            </a:r>
+            <a:r>
+              <a:rPr lang="en-US" altLang="zh-CN" sz="2200" dirty="0"/>
+              <a:t>Global</a:t>
+            </a:r>
+            <a:r>
+              <a:rPr lang="zh-CN" altLang="en-US" sz="2200" dirty="0"/>
+              <a:t>中</a:t>
+            </a:r>
+            <a:r>
+              <a:rPr lang="zh-CN" altLang="en-US" sz="2400" dirty="0"/>
+              <a:t>。</a:t>
+            </a:r>
+          </a:p>
+          <a:p>
+            <a:pPr>
+              <a:buFontTx/>
+              <a:buNone/>
+            </a:pPr>
             <a:endParaRPr lang="zh-CN" altLang="en-US" sz="2400" dirty="0"/>
+          </a:p>
+          <a:p>
+            <a:pPr>
+              <a:buFontTx/>
+              <a:buNone/>
+            </a:pPr>
+            <a:r>
+              <a:rPr lang="zh-CN" altLang="en-US" dirty="0"/>
+              <a:t>   </a:t>
+            </a:r>
           </a:p>
         </p:txBody>
       </p:sp>
       <p:pic>
         <p:nvPicPr>
-          <p:cNvPr id="8" name="图片 7">
+          <p:cNvPr id="8" name="Picture 3" descr="01Cache数据存储体系">
             <a:extLst>
               <a:ext uri="{FF2B5EF4-FFF2-40B4-BE49-F238E27FC236}">
-                <a16:creationId xmlns:a16="http://schemas.microsoft.com/office/drawing/2014/main" id="{D1FB88CD-7C20-4775-A1BE-0D7A4590D814}"/>
+                <a16:creationId xmlns:a16="http://schemas.microsoft.com/office/drawing/2014/main" id="{C7C1DFF6-3B78-4718-BF1A-C9CCBB9C2B05}"/>
               </a:ext>
             </a:extLst>
           </p:cNvPr>
           <p:cNvPicPr>
-            <a:picLocks noChangeAspect="1"/>
+            <a:picLocks noChangeAspect="1" noChangeArrowheads="1"/>
           </p:cNvPicPr>
           <p:nvPr/>
         </p:nvPicPr>
         <p:blipFill>
-          <a:blip r:embed="rId2"/>
+          <a:blip r:embed="rId2">
+            <a:extLst>
+              <a:ext uri="{28A0092B-C50C-407E-A947-70E740481C1C}">
+                <a14:useLocalDpi xmlns:a14="http://schemas.microsoft.com/office/drawing/2010/main" val="0"/>
+              </a:ext>
+            </a:extLst>
+          </a:blip>
+          <a:srcRect/>
           <a:stretch>
             <a:fillRect/>
           </a:stretch>
         </p:blipFill>
-        <p:spPr>
-          <a:xfrm>
-            <a:off x="688798" y="1675154"/>
-            <a:ext cx="10707758" cy="4513611"/>
+        <p:spPr bwMode="auto">
+          <a:xfrm>
+            <a:off x="941527" y="1815204"/>
+            <a:ext cx="8712200" cy="4425950"/>
           </a:xfrm>
           <a:prstGeom prst="rect">
             <a:avLst/>
           </a:prstGeom>
+          <a:noFill/>
+          <a:ln>
+            <a:noFill/>
+          </a:ln>
+          <a:extLst>
+            <a:ext uri="{909E8E84-426E-40DD-AFC4-6F175D3DCCD1}">
+              <a14:hiddenFill xmlns:a14="http://schemas.microsoft.com/office/drawing/2010/main">
+                <a:solidFill>
+                  <a:srgbClr val="FFFFFF"/>
+                </a:solidFill>
+              </a14:hiddenFill>
+            </a:ext>
+            <a:ext uri="{91240B29-F687-4F45-9708-019B960494DF}">
+              <a14:hiddenLine xmlns:a14="http://schemas.microsoft.com/office/drawing/2010/main" w="9525">
+                <a:solidFill>
+                  <a:srgbClr val="000000"/>
+                </a:solidFill>
+                <a:miter lim="800000"/>
+                <a:headEnd/>
+                <a:tailEnd/>
+              </a14:hiddenLine>
+            </a:ext>
+          </a:extLst>
         </p:spPr>
       </p:pic>
     </p:spTree>
     <p:extLst>
       <p:ext uri="{BB962C8B-B14F-4D97-AF65-F5344CB8AC3E}">
-        <p14:creationId xmlns:p14="http://schemas.microsoft.com/office/powerpoint/2010/main" val="3358003302"/>
+        <p14:creationId xmlns:p14="http://schemas.microsoft.com/office/powerpoint/2010/main" val="1606723855"/>
       </p:ext>
     </p:extLst>
   </p:cSld>
@@ -4961,8 +4546,8 @@
         </p:nvSpPr>
         <p:spPr>
           <a:xfrm>
-            <a:off x="569913" y="311150"/>
-            <a:ext cx="6581775" cy="596900"/>
+            <a:off x="569913" y="397234"/>
+            <a:ext cx="6581775" cy="424732"/>
           </a:xfrm>
           <a:prstGeom prst="rect">
             <a:avLst/>
@@ -4970,7 +4555,7 @@
           <a:noFill/>
         </p:spPr>
         <p:txBody>
-          <a:bodyPr wrap="square" rtlCol="0">
+          <a:bodyPr vert="horz" wrap="square" lIns="91440" tIns="45720" rIns="91440" bIns="45720" rtlCol="0" anchor="ctr">
             <a:spAutoFit/>
           </a:bodyPr>
           <a:lstStyle/>
@@ -4980,76 +4565,260 @@
                 <a:solidFill>
                   <a:srgbClr val="1C4885"/>
                 </a:solidFill>
-                <a:latin typeface="微软雅黑" panose="020B0503020204020204" pitchFamily="34" charset="-122"/>
-                <a:ea typeface="微软雅黑" panose="020B0503020204020204" pitchFamily="34" charset="-122"/>
-              </a:rPr>
-              <a:t>3. </a:t>
-            </a:r>
-            <a:r>
-              <a:rPr lang="en-US" altLang="zh-CN" sz="2400" b="1" dirty="0" err="1">
+              </a:rPr>
+              <a:t>3.Global</a:t>
+            </a:r>
+            <a:r>
+              <a:rPr lang="zh-CN" altLang="en-US" sz="2400" b="1" dirty="0">
                 <a:solidFill>
                   <a:srgbClr val="1C4885"/>
                 </a:solidFill>
-                <a:latin typeface="微软雅黑" panose="020B0503020204020204" pitchFamily="34" charset="-122"/>
-                <a:ea typeface="微软雅黑" panose="020B0503020204020204" pitchFamily="34" charset="-122"/>
-              </a:rPr>
-              <a:t>Caché</a:t>
-            </a:r>
-            <a:r>
-              <a:rPr lang="zh-CN" altLang="en-US" sz="2400" b="1" dirty="0">
-                <a:solidFill>
-                  <a:srgbClr val="1C4885"/>
-                </a:solidFill>
-                <a:latin typeface="微软雅黑" panose="020B0503020204020204" pitchFamily="34" charset="-122"/>
-                <a:ea typeface="微软雅黑" panose="020B0503020204020204" pitchFamily="34" charset="-122"/>
-              </a:rPr>
-              <a:t>的介绍</a:t>
+              </a:rPr>
+              <a:t>的多维存储</a:t>
             </a:r>
           </a:p>
         </p:txBody>
       </p:sp>
       <p:sp>
         <p:nvSpPr>
-          <p:cNvPr id="6" name="矩形 5">
+          <p:cNvPr id="7" name="内容占位符 2">
             <a:extLst>
               <a:ext uri="{FF2B5EF4-FFF2-40B4-BE49-F238E27FC236}">
-                <a16:creationId xmlns:a16="http://schemas.microsoft.com/office/drawing/2014/main" id="{F83C31AF-D4DA-4EE4-9C43-D53946B6907B}"/>
+                <a16:creationId xmlns:a16="http://schemas.microsoft.com/office/drawing/2014/main" id="{B289CCFC-843B-4309-8DC5-56030D4B58A8}"/>
               </a:ext>
             </a:extLst>
           </p:cNvPr>
-          <p:cNvSpPr/>
+          <p:cNvSpPr txBox="1">
+            <a:spLocks/>
+          </p:cNvSpPr>
           <p:nvPr/>
         </p:nvSpPr>
         <p:spPr>
           <a:xfrm>
-            <a:off x="688798" y="1001135"/>
-            <a:ext cx="5565947" cy="461665"/>
+            <a:off x="722243" y="973137"/>
+            <a:ext cx="8229600" cy="4911725"/>
           </a:xfrm>
           <a:prstGeom prst="rect">
             <a:avLst/>
           </a:prstGeom>
         </p:spPr>
         <p:txBody>
-          <a:bodyPr wrap="none">
-            <a:spAutoFit/>
+          <a:bodyPr vert="horz" lIns="91440" tIns="45720" rIns="91440" bIns="45720" rtlCol="0">
+            <a:normAutofit/>
           </a:bodyPr>
-          <a:lstStyle/>
-          <a:p>
+          <a:lstStyle>
+            <a:lvl1pPr marL="228600" indent="-228600" algn="l" defTabSz="914400" rtl="0" eaLnBrk="1" latinLnBrk="0" hangingPunct="1">
+              <a:lnSpc>
+                <a:spcPct val="90000"/>
+              </a:lnSpc>
+              <a:spcBef>
+                <a:spcPts val="1000"/>
+              </a:spcBef>
+              <a:buFont typeface="Arial" panose="020B0604020202020204" pitchFamily="34" charset="0"/>
+              <a:buChar char="•"/>
+              <a:defRPr sz="2800" kern="1200">
+                <a:solidFill>
+                  <a:schemeClr val="tx1"/>
+                </a:solidFill>
+                <a:latin typeface="+mn-lt"/>
+                <a:ea typeface="+mn-ea"/>
+                <a:cs typeface="+mn-cs"/>
+              </a:defRPr>
+            </a:lvl1pPr>
+            <a:lvl2pPr marL="685800" indent="-228600" algn="l" defTabSz="914400" rtl="0" eaLnBrk="1" latinLnBrk="0" hangingPunct="1">
+              <a:lnSpc>
+                <a:spcPct val="90000"/>
+              </a:lnSpc>
+              <a:spcBef>
+                <a:spcPts val="500"/>
+              </a:spcBef>
+              <a:buFont typeface="Arial" panose="020B0604020202020204" pitchFamily="34" charset="0"/>
+              <a:buChar char="•"/>
+              <a:defRPr sz="2400" kern="1200">
+                <a:solidFill>
+                  <a:schemeClr val="tx1"/>
+                </a:solidFill>
+                <a:latin typeface="+mn-lt"/>
+                <a:ea typeface="+mn-ea"/>
+                <a:cs typeface="+mn-cs"/>
+              </a:defRPr>
+            </a:lvl2pPr>
+            <a:lvl3pPr marL="1143000" indent="-228600" algn="l" defTabSz="914400" rtl="0" eaLnBrk="1" latinLnBrk="0" hangingPunct="1">
+              <a:lnSpc>
+                <a:spcPct val="90000"/>
+              </a:lnSpc>
+              <a:spcBef>
+                <a:spcPts val="500"/>
+              </a:spcBef>
+              <a:buFont typeface="Arial" panose="020B0604020202020204" pitchFamily="34" charset="0"/>
+              <a:buChar char="•"/>
+              <a:defRPr sz="2000" kern="1200">
+                <a:solidFill>
+                  <a:schemeClr val="tx1"/>
+                </a:solidFill>
+                <a:latin typeface="+mn-lt"/>
+                <a:ea typeface="+mn-ea"/>
+                <a:cs typeface="+mn-cs"/>
+              </a:defRPr>
+            </a:lvl3pPr>
+            <a:lvl4pPr marL="1600200" indent="-228600" algn="l" defTabSz="914400" rtl="0" eaLnBrk="1" latinLnBrk="0" hangingPunct="1">
+              <a:lnSpc>
+                <a:spcPct val="90000"/>
+              </a:lnSpc>
+              <a:spcBef>
+                <a:spcPts val="500"/>
+              </a:spcBef>
+              <a:buFont typeface="Arial" panose="020B0604020202020204" pitchFamily="34" charset="0"/>
+              <a:buChar char="•"/>
+              <a:defRPr sz="1800" kern="1200">
+                <a:solidFill>
+                  <a:schemeClr val="tx1"/>
+                </a:solidFill>
+                <a:latin typeface="+mn-lt"/>
+                <a:ea typeface="+mn-ea"/>
+                <a:cs typeface="+mn-cs"/>
+              </a:defRPr>
+            </a:lvl4pPr>
+            <a:lvl5pPr marL="2057400" indent="-228600" algn="l" defTabSz="914400" rtl="0" eaLnBrk="1" latinLnBrk="0" hangingPunct="1">
+              <a:lnSpc>
+                <a:spcPct val="90000"/>
+              </a:lnSpc>
+              <a:spcBef>
+                <a:spcPts val="500"/>
+              </a:spcBef>
+              <a:buFont typeface="Arial" panose="020B0604020202020204" pitchFamily="34" charset="0"/>
+              <a:buChar char="•"/>
+              <a:defRPr sz="1800" kern="1200">
+                <a:solidFill>
+                  <a:schemeClr val="tx1"/>
+                </a:solidFill>
+                <a:latin typeface="+mn-lt"/>
+                <a:ea typeface="+mn-ea"/>
+                <a:cs typeface="+mn-cs"/>
+              </a:defRPr>
+            </a:lvl5pPr>
+            <a:lvl6pPr marL="2514600" indent="-228600" algn="l" defTabSz="914400" rtl="0" eaLnBrk="1" latinLnBrk="0" hangingPunct="1">
+              <a:lnSpc>
+                <a:spcPct val="90000"/>
+              </a:lnSpc>
+              <a:spcBef>
+                <a:spcPts val="500"/>
+              </a:spcBef>
+              <a:buFont typeface="Arial" panose="020B0604020202020204" pitchFamily="34" charset="0"/>
+              <a:buChar char="•"/>
+              <a:defRPr sz="1800" kern="1200">
+                <a:solidFill>
+                  <a:schemeClr val="tx1"/>
+                </a:solidFill>
+                <a:latin typeface="+mn-lt"/>
+                <a:ea typeface="+mn-ea"/>
+                <a:cs typeface="+mn-cs"/>
+              </a:defRPr>
+            </a:lvl6pPr>
+            <a:lvl7pPr marL="2971800" indent="-228600" algn="l" defTabSz="914400" rtl="0" eaLnBrk="1" latinLnBrk="0" hangingPunct="1">
+              <a:lnSpc>
+                <a:spcPct val="90000"/>
+              </a:lnSpc>
+              <a:spcBef>
+                <a:spcPts val="500"/>
+              </a:spcBef>
+              <a:buFont typeface="Arial" panose="020B0604020202020204" pitchFamily="34" charset="0"/>
+              <a:buChar char="•"/>
+              <a:defRPr sz="1800" kern="1200">
+                <a:solidFill>
+                  <a:schemeClr val="tx1"/>
+                </a:solidFill>
+                <a:latin typeface="+mn-lt"/>
+                <a:ea typeface="+mn-ea"/>
+                <a:cs typeface="+mn-cs"/>
+              </a:defRPr>
+            </a:lvl7pPr>
+            <a:lvl8pPr marL="3429000" indent="-228600" algn="l" defTabSz="914400" rtl="0" eaLnBrk="1" latinLnBrk="0" hangingPunct="1">
+              <a:lnSpc>
+                <a:spcPct val="90000"/>
+              </a:lnSpc>
+              <a:spcBef>
+                <a:spcPts val="500"/>
+              </a:spcBef>
+              <a:buFont typeface="Arial" panose="020B0604020202020204" pitchFamily="34" charset="0"/>
+              <a:buChar char="•"/>
+              <a:defRPr sz="1800" kern="1200">
+                <a:solidFill>
+                  <a:schemeClr val="tx1"/>
+                </a:solidFill>
+                <a:latin typeface="+mn-lt"/>
+                <a:ea typeface="+mn-ea"/>
+                <a:cs typeface="+mn-cs"/>
+              </a:defRPr>
+            </a:lvl8pPr>
+            <a:lvl9pPr marL="3886200" indent="-228600" algn="l" defTabSz="914400" rtl="0" eaLnBrk="1" latinLnBrk="0" hangingPunct="1">
+              <a:lnSpc>
+                <a:spcPct val="90000"/>
+              </a:lnSpc>
+              <a:spcBef>
+                <a:spcPts val="500"/>
+              </a:spcBef>
+              <a:buFont typeface="Arial" panose="020B0604020202020204" pitchFamily="34" charset="0"/>
+              <a:buChar char="•"/>
+              <a:defRPr sz="1800" kern="1200">
+                <a:solidFill>
+                  <a:schemeClr val="tx1"/>
+                </a:solidFill>
+                <a:latin typeface="+mn-lt"/>
+                <a:ea typeface="+mn-ea"/>
+                <a:cs typeface="+mn-cs"/>
+              </a:defRPr>
+            </a:lvl9pPr>
+          </a:lstStyle>
+          <a:p>
+            <a:pPr>
+              <a:buFontTx/>
+              <a:buNone/>
+            </a:pPr>
+            <a:r>
+              <a:rPr lang="en-US" altLang="zh-CN" sz="2400" b="1" dirty="0"/>
+              <a:t>3.1</a:t>
+            </a:r>
+            <a:r>
+              <a:rPr lang="zh-CN" altLang="en-US" sz="2400" b="1" dirty="0"/>
+              <a:t>、多维存储结构介绍</a:t>
+            </a:r>
+            <a:endParaRPr lang="zh-CN" altLang="en-US" sz="2400" dirty="0"/>
+          </a:p>
+          <a:p>
+            <a:pPr>
+              <a:buFontTx/>
+              <a:buNone/>
+            </a:pPr>
+            <a:r>
+              <a:rPr lang="zh-CN" altLang="en-US" sz="2400" dirty="0"/>
+              <a:t>示例</a:t>
+            </a:r>
             <a:r>
               <a:rPr lang="en-US" altLang="zh-CN" sz="2400" dirty="0"/>
-              <a:t>3.4</a:t>
+              <a:t>1</a:t>
             </a:r>
             <a:r>
               <a:rPr lang="zh-CN" altLang="en-US" sz="2400" dirty="0"/>
-              <a:t>、 </a:t>
-            </a:r>
-            <a:r>
-              <a:rPr lang="zh-CN" altLang="en-US" sz="2400" dirty="0">
-                <a:latin typeface="宋体" panose="02010600030101010101" pitchFamily="2" charset="-122"/>
-              </a:rPr>
-              <a:t>Documentation 阅读全部文档信息</a:t>
-            </a:r>
+              <a:t>、对象方式</a:t>
+            </a:r>
+          </a:p>
+          <a:p>
+            <a:pPr>
+              <a:buFontTx/>
+              <a:buNone/>
+            </a:pPr>
             <a:endParaRPr lang="zh-CN" altLang="en-US" sz="2400" dirty="0"/>
+          </a:p>
+          <a:p>
+            <a:pPr>
+              <a:buFontTx/>
+              <a:buNone/>
+            </a:pPr>
+            <a:r>
+              <a:rPr lang="zh-CN" altLang="en-US" dirty="0"/>
+              <a:t>   </a:t>
+            </a:r>
           </a:p>
         </p:txBody>
       </p:sp>
@@ -5058,7 +4827,7 @@
           <p:cNvPr id="2" name="图片 1">
             <a:extLst>
               <a:ext uri="{FF2B5EF4-FFF2-40B4-BE49-F238E27FC236}">
-                <a16:creationId xmlns:a16="http://schemas.microsoft.com/office/drawing/2014/main" id="{5D33C090-4EE9-4310-BF09-0E818FF8F29F}"/>
+                <a16:creationId xmlns:a16="http://schemas.microsoft.com/office/drawing/2014/main" id="{2ED2463C-B8AC-4663-93D8-17DD99518048}"/>
               </a:ext>
             </a:extLst>
           </p:cNvPr>
@@ -5075,18 +4844,116 @@
         </p:blipFill>
         <p:spPr>
           <a:xfrm>
-            <a:off x="688798" y="1462800"/>
-            <a:ext cx="10866713" cy="4719128"/>
+            <a:off x="722243" y="2138983"/>
+            <a:ext cx="5124450" cy="3295650"/>
           </a:xfrm>
           <a:prstGeom prst="rect">
             <a:avLst/>
           </a:prstGeom>
         </p:spPr>
       </p:pic>
+      <p:sp>
+        <p:nvSpPr>
+          <p:cNvPr id="4" name="矩形 3">
+            <a:extLst>
+              <a:ext uri="{FF2B5EF4-FFF2-40B4-BE49-F238E27FC236}">
+                <a16:creationId xmlns:a16="http://schemas.microsoft.com/office/drawing/2014/main" id="{86879BCD-B13A-42F2-ABFA-8FFB7C73E22E}"/>
+              </a:ext>
+            </a:extLst>
+          </p:cNvPr>
+          <p:cNvSpPr/>
+          <p:nvPr/>
+        </p:nvSpPr>
+        <p:spPr>
+          <a:xfrm>
+            <a:off x="7308887" y="1389029"/>
+            <a:ext cx="2356735" cy="461665"/>
+          </a:xfrm>
+          <a:prstGeom prst="rect">
+            <a:avLst/>
+          </a:prstGeom>
+        </p:spPr>
+        <p:txBody>
+          <a:bodyPr wrap="none">
+            <a:spAutoFit/>
+          </a:bodyPr>
+          <a:lstStyle/>
+          <a:p>
+            <a:r>
+              <a:rPr lang="zh-CN" altLang="en-US" sz="2400" dirty="0"/>
+              <a:t>示例2、SQL方式</a:t>
+            </a:r>
+          </a:p>
+        </p:txBody>
+      </p:sp>
+      <p:pic>
+        <p:nvPicPr>
+          <p:cNvPr id="6" name="图片 5">
+            <a:extLst>
+              <a:ext uri="{FF2B5EF4-FFF2-40B4-BE49-F238E27FC236}">
+                <a16:creationId xmlns:a16="http://schemas.microsoft.com/office/drawing/2014/main" id="{6704F808-2AD9-419C-AF84-2ED366E07D63}"/>
+              </a:ext>
+            </a:extLst>
+          </p:cNvPr>
+          <p:cNvPicPr>
+            <a:picLocks noChangeAspect="1"/>
+          </p:cNvPicPr>
+          <p:nvPr/>
+        </p:nvPicPr>
+        <p:blipFill>
+          <a:blip r:embed="rId3"/>
+          <a:stretch>
+            <a:fillRect/>
+          </a:stretch>
+        </p:blipFill>
+        <p:spPr>
+          <a:xfrm>
+            <a:off x="6345309" y="2076449"/>
+            <a:ext cx="5238750" cy="2705100"/>
+          </a:xfrm>
+          <a:prstGeom prst="rect">
+            <a:avLst/>
+          </a:prstGeom>
+        </p:spPr>
+      </p:pic>
+      <p:sp>
+        <p:nvSpPr>
+          <p:cNvPr id="9" name="矩形 8">
+            <a:extLst>
+              <a:ext uri="{FF2B5EF4-FFF2-40B4-BE49-F238E27FC236}">
+                <a16:creationId xmlns:a16="http://schemas.microsoft.com/office/drawing/2014/main" id="{50BF30B4-7EAD-4C2C-8B2C-EF83C5340B21}"/>
+              </a:ext>
+            </a:extLst>
+          </p:cNvPr>
+          <p:cNvSpPr/>
+          <p:nvPr/>
+        </p:nvSpPr>
+        <p:spPr>
+          <a:xfrm>
+            <a:off x="569913" y="5740644"/>
+            <a:ext cx="11396800" cy="400110"/>
+          </a:xfrm>
+          <a:prstGeom prst="rect">
+            <a:avLst/>
+          </a:prstGeom>
+        </p:spPr>
+        <p:txBody>
+          <a:bodyPr wrap="square">
+            <a:spAutoFit/>
+          </a:bodyPr>
+          <a:lstStyle/>
+          <a:p>
+            <a:r>
+              <a:rPr lang="zh-CN" altLang="en-US" sz="2000" dirty="0"/>
+              <a:t>Global(Global variables)：Global是特殊的变量，以^开头，创建且存储在Cache数据库中 </a:t>
+            </a:r>
+          </a:p>
+        </p:txBody>
+      </p:sp>
     </p:spTree>
     <p:extLst>
       <p:ext uri="{BB962C8B-B14F-4D97-AF65-F5344CB8AC3E}">
-        <p14:creationId xmlns:p14="http://schemas.microsoft.com/office/powerpoint/2010/main" val="4133123252"/>
+        <p14:creationId xmlns:p14="http://schemas.microsoft.com/office/powerpoint/2010/main" val="1010027808"/>
       </p:ext>
     </p:extLst>
   </p:cSld>
@@ -5131,7 +4998,7 @@
         </p:nvSpPr>
         <p:spPr>
           <a:xfrm>
-            <a:off x="543409" y="450348"/>
+            <a:off x="569913" y="397234"/>
             <a:ext cx="6581775" cy="424732"/>
           </a:xfrm>
           <a:prstGeom prst="rect">
@@ -5140,7 +5007,7 @@
           <a:noFill/>
         </p:spPr>
         <p:txBody>
-          <a:bodyPr wrap="square" rtlCol="0">
+          <a:bodyPr vert="horz" wrap="square" lIns="91440" tIns="45720" rIns="91440" bIns="45720" rtlCol="0" anchor="ctr">
             <a:spAutoFit/>
           </a:bodyPr>
           <a:lstStyle/>
@@ -5151,40 +5018,462 @@
                   <a:srgbClr val="1C4885"/>
                 </a:solidFill>
               </a:rPr>
-              <a:t>3. </a:t>
-            </a:r>
-            <a:r>
-              <a:rPr lang="en-US" altLang="zh-CN" sz="2400" b="1" dirty="0" err="1">
+              <a:t>3. Global</a:t>
+            </a:r>
+            <a:r>
+              <a:rPr lang="zh-CN" altLang="en-US" sz="2400" b="1" dirty="0">
                 <a:solidFill>
                   <a:srgbClr val="1C4885"/>
                 </a:solidFill>
               </a:rPr>
-              <a:t>Caché</a:t>
-            </a:r>
-            <a:r>
-              <a:rPr lang="zh-CN" altLang="en-US" sz="2400" b="1" dirty="0">
-                <a:solidFill>
-                  <a:srgbClr val="1C4885"/>
-                </a:solidFill>
-              </a:rPr>
-              <a:t>的介绍</a:t>
-            </a:r>
-            <a:endParaRPr lang="zh-CN" altLang="en-US" sz="2400" b="1" dirty="0">
-              <a:solidFill>
-                <a:srgbClr val="1C4885"/>
-              </a:solidFill>
-              <a:latin typeface="微软雅黑" panose="020B0503020204020204" pitchFamily="34" charset="-122"/>
-              <a:ea typeface="微软雅黑" panose="020B0503020204020204" pitchFamily="34" charset="-122"/>
-            </a:endParaRPr>
+              <a:t>的多维存储</a:t>
+            </a:r>
           </a:p>
         </p:txBody>
       </p:sp>
       <p:sp>
         <p:nvSpPr>
-          <p:cNvPr id="6" name="矩形 5">
+          <p:cNvPr id="6" name="内容占位符 2">
             <a:extLst>
               <a:ext uri="{FF2B5EF4-FFF2-40B4-BE49-F238E27FC236}">
-                <a16:creationId xmlns:a16="http://schemas.microsoft.com/office/drawing/2014/main" id="{F83C31AF-D4DA-4EE4-9C43-D53946B6907B}"/>
+                <a16:creationId xmlns:a16="http://schemas.microsoft.com/office/drawing/2014/main" id="{08522F1E-14E5-4FD8-9AF7-A113BD934F58}"/>
+              </a:ext>
+            </a:extLst>
+          </p:cNvPr>
+          <p:cNvSpPr txBox="1">
+            <a:spLocks/>
+          </p:cNvSpPr>
+          <p:nvPr/>
+        </p:nvSpPr>
+        <p:spPr>
+          <a:xfrm>
+            <a:off x="828261" y="1568380"/>
+            <a:ext cx="11005930" cy="5554663"/>
+          </a:xfrm>
+          <a:prstGeom prst="rect">
+            <a:avLst/>
+          </a:prstGeom>
+        </p:spPr>
+        <p:txBody>
+          <a:bodyPr vert="horz" lIns="91440" tIns="45720" rIns="91440" bIns="45720" rtlCol="0">
+            <a:normAutofit/>
+          </a:bodyPr>
+          <a:lstStyle>
+            <a:lvl1pPr marL="228600" indent="-228600" algn="l" defTabSz="914400" rtl="0" eaLnBrk="1" latinLnBrk="0" hangingPunct="1">
+              <a:lnSpc>
+                <a:spcPct val="90000"/>
+              </a:lnSpc>
+              <a:spcBef>
+                <a:spcPts val="1000"/>
+              </a:spcBef>
+              <a:buFont typeface="Arial" panose="020B0604020202020204" pitchFamily="34" charset="0"/>
+              <a:buChar char="•"/>
+              <a:defRPr sz="2800" kern="1200">
+                <a:solidFill>
+                  <a:schemeClr val="tx1"/>
+                </a:solidFill>
+                <a:latin typeface="+mn-lt"/>
+                <a:ea typeface="+mn-ea"/>
+                <a:cs typeface="+mn-cs"/>
+              </a:defRPr>
+            </a:lvl1pPr>
+            <a:lvl2pPr marL="685800" indent="-228600" algn="l" defTabSz="914400" rtl="0" eaLnBrk="1" latinLnBrk="0" hangingPunct="1">
+              <a:lnSpc>
+                <a:spcPct val="90000"/>
+              </a:lnSpc>
+              <a:spcBef>
+                <a:spcPts val="500"/>
+              </a:spcBef>
+              <a:buFont typeface="Arial" panose="020B0604020202020204" pitchFamily="34" charset="0"/>
+              <a:buChar char="•"/>
+              <a:defRPr sz="2400" kern="1200">
+                <a:solidFill>
+                  <a:schemeClr val="tx1"/>
+                </a:solidFill>
+                <a:latin typeface="+mn-lt"/>
+                <a:ea typeface="+mn-ea"/>
+                <a:cs typeface="+mn-cs"/>
+              </a:defRPr>
+            </a:lvl2pPr>
+            <a:lvl3pPr marL="1143000" indent="-228600" algn="l" defTabSz="914400" rtl="0" eaLnBrk="1" latinLnBrk="0" hangingPunct="1">
+              <a:lnSpc>
+                <a:spcPct val="90000"/>
+              </a:lnSpc>
+              <a:spcBef>
+                <a:spcPts val="500"/>
+              </a:spcBef>
+              <a:buFont typeface="Arial" panose="020B0604020202020204" pitchFamily="34" charset="0"/>
+              <a:buChar char="•"/>
+              <a:defRPr sz="2000" kern="1200">
+                <a:solidFill>
+                  <a:schemeClr val="tx1"/>
+                </a:solidFill>
+                <a:latin typeface="+mn-lt"/>
+                <a:ea typeface="+mn-ea"/>
+                <a:cs typeface="+mn-cs"/>
+              </a:defRPr>
+            </a:lvl3pPr>
+            <a:lvl4pPr marL="1600200" indent="-228600" algn="l" defTabSz="914400" rtl="0" eaLnBrk="1" latinLnBrk="0" hangingPunct="1">
+              <a:lnSpc>
+                <a:spcPct val="90000"/>
+              </a:lnSpc>
+              <a:spcBef>
+                <a:spcPts val="500"/>
+              </a:spcBef>
+              <a:buFont typeface="Arial" panose="020B0604020202020204" pitchFamily="34" charset="0"/>
+              <a:buChar char="•"/>
+              <a:defRPr sz="1800" kern="1200">
+                <a:solidFill>
+                  <a:schemeClr val="tx1"/>
+                </a:solidFill>
+                <a:latin typeface="+mn-lt"/>
+                <a:ea typeface="+mn-ea"/>
+                <a:cs typeface="+mn-cs"/>
+              </a:defRPr>
+            </a:lvl4pPr>
+            <a:lvl5pPr marL="2057400" indent="-228600" algn="l" defTabSz="914400" rtl="0" eaLnBrk="1" latinLnBrk="0" hangingPunct="1">
+              <a:lnSpc>
+                <a:spcPct val="90000"/>
+              </a:lnSpc>
+              <a:spcBef>
+                <a:spcPts val="500"/>
+              </a:spcBef>
+              <a:buFont typeface="Arial" panose="020B0604020202020204" pitchFamily="34" charset="0"/>
+              <a:buChar char="•"/>
+              <a:defRPr sz="1800" kern="1200">
+                <a:solidFill>
+                  <a:schemeClr val="tx1"/>
+                </a:solidFill>
+                <a:latin typeface="+mn-lt"/>
+                <a:ea typeface="+mn-ea"/>
+                <a:cs typeface="+mn-cs"/>
+              </a:defRPr>
+            </a:lvl5pPr>
+            <a:lvl6pPr marL="2514600" indent="-228600" algn="l" defTabSz="914400" rtl="0" eaLnBrk="1" latinLnBrk="0" hangingPunct="1">
+              <a:lnSpc>
+                <a:spcPct val="90000"/>
+              </a:lnSpc>
+              <a:spcBef>
+                <a:spcPts val="500"/>
+              </a:spcBef>
+              <a:buFont typeface="Arial" panose="020B0604020202020204" pitchFamily="34" charset="0"/>
+              <a:buChar char="•"/>
+              <a:defRPr sz="1800" kern="1200">
+                <a:solidFill>
+                  <a:schemeClr val="tx1"/>
+                </a:solidFill>
+                <a:latin typeface="+mn-lt"/>
+                <a:ea typeface="+mn-ea"/>
+                <a:cs typeface="+mn-cs"/>
+              </a:defRPr>
+            </a:lvl6pPr>
+            <a:lvl7pPr marL="2971800" indent="-228600" algn="l" defTabSz="914400" rtl="0" eaLnBrk="1" latinLnBrk="0" hangingPunct="1">
+              <a:lnSpc>
+                <a:spcPct val="90000"/>
+              </a:lnSpc>
+              <a:spcBef>
+                <a:spcPts val="500"/>
+              </a:spcBef>
+              <a:buFont typeface="Arial" panose="020B0604020202020204" pitchFamily="34" charset="0"/>
+              <a:buChar char="•"/>
+              <a:defRPr sz="1800" kern="1200">
+                <a:solidFill>
+                  <a:schemeClr val="tx1"/>
+                </a:solidFill>
+                <a:latin typeface="+mn-lt"/>
+                <a:ea typeface="+mn-ea"/>
+                <a:cs typeface="+mn-cs"/>
+              </a:defRPr>
+            </a:lvl7pPr>
+            <a:lvl8pPr marL="3429000" indent="-228600" algn="l" defTabSz="914400" rtl="0" eaLnBrk="1" latinLnBrk="0" hangingPunct="1">
+              <a:lnSpc>
+                <a:spcPct val="90000"/>
+              </a:lnSpc>
+              <a:spcBef>
+                <a:spcPts val="500"/>
+              </a:spcBef>
+              <a:buFont typeface="Arial" panose="020B0604020202020204" pitchFamily="34" charset="0"/>
+              <a:buChar char="•"/>
+              <a:defRPr sz="1800" kern="1200">
+                <a:solidFill>
+                  <a:schemeClr val="tx1"/>
+                </a:solidFill>
+                <a:latin typeface="+mn-lt"/>
+                <a:ea typeface="+mn-ea"/>
+                <a:cs typeface="+mn-cs"/>
+              </a:defRPr>
+            </a:lvl8pPr>
+            <a:lvl9pPr marL="3886200" indent="-228600" algn="l" defTabSz="914400" rtl="0" eaLnBrk="1" latinLnBrk="0" hangingPunct="1">
+              <a:lnSpc>
+                <a:spcPct val="90000"/>
+              </a:lnSpc>
+              <a:spcBef>
+                <a:spcPts val="500"/>
+              </a:spcBef>
+              <a:buFont typeface="Arial" panose="020B0604020202020204" pitchFamily="34" charset="0"/>
+              <a:buChar char="•"/>
+              <a:defRPr sz="1800" kern="1200">
+                <a:solidFill>
+                  <a:schemeClr val="tx1"/>
+                </a:solidFill>
+                <a:latin typeface="+mn-lt"/>
+                <a:ea typeface="+mn-ea"/>
+                <a:cs typeface="+mn-cs"/>
+              </a:defRPr>
+            </a:lvl9pPr>
+          </a:lstStyle>
+          <a:p>
+            <a:pPr marL="0" indent="0">
+              <a:buNone/>
+            </a:pPr>
+            <a:r>
+              <a:rPr lang="en-US" altLang="zh-CN" sz="2200" dirty="0"/>
+              <a:t>Global</a:t>
+            </a:r>
+            <a:r>
+              <a:rPr lang="zh-CN" altLang="en-US" sz="2200" dirty="0"/>
+              <a:t>以如下形式表示：</a:t>
+            </a:r>
+            <a:r>
+              <a:rPr lang="en-US" altLang="zh-CN" sz="2200" dirty="0"/>
+              <a:t>^</a:t>
+            </a:r>
+            <a:r>
+              <a:rPr lang="zh-CN" altLang="en-US" sz="2200" dirty="0"/>
+              <a:t>名称</a:t>
+            </a:r>
+            <a:r>
+              <a:rPr lang="en-US" altLang="zh-CN" sz="2200" dirty="0"/>
+              <a:t>(</a:t>
+            </a:r>
+            <a:r>
+              <a:rPr lang="zh-CN" altLang="en-US" sz="2200" dirty="0"/>
+              <a:t>下标</a:t>
+            </a:r>
+            <a:r>
+              <a:rPr lang="en-US" altLang="zh-CN" sz="2200" dirty="0"/>
+              <a:t>1,</a:t>
+            </a:r>
+            <a:r>
+              <a:rPr lang="zh-CN" altLang="en-US" sz="2200" dirty="0"/>
+              <a:t>下标</a:t>
+            </a:r>
+            <a:r>
+              <a:rPr lang="en-US" altLang="zh-CN" sz="2200" dirty="0"/>
+              <a:t>2,</a:t>
+            </a:r>
+            <a:r>
+              <a:rPr lang="zh-CN" altLang="en-US" sz="2200" dirty="0"/>
+              <a:t>下标</a:t>
+            </a:r>
+            <a:r>
+              <a:rPr lang="en-US" altLang="zh-CN" sz="2200" dirty="0"/>
+              <a:t>3…)=</a:t>
+            </a:r>
+            <a:r>
+              <a:rPr lang="zh-CN" altLang="en-US" sz="2200" dirty="0"/>
+              <a:t>值</a:t>
+            </a:r>
+          </a:p>
+          <a:p>
+            <a:pPr marL="0" indent="0">
+              <a:buNone/>
+            </a:pPr>
+            <a:r>
+              <a:rPr lang="zh-CN" altLang="en-US" sz="2200" dirty="0"/>
+              <a:t>如</a:t>
+            </a:r>
+            <a:r>
+              <a:rPr lang="en-US" altLang="zh-CN" sz="2200" dirty="0"/>
+              <a:t> ^</a:t>
+            </a:r>
+            <a:r>
+              <a:rPr lang="en-US" altLang="zh-CN" sz="2200" dirty="0" err="1"/>
+              <a:t>AirPlane</a:t>
+            </a:r>
+            <a:r>
+              <a:rPr lang="en-US" altLang="zh-CN" sz="2200" dirty="0"/>
+              <a:t>(“</a:t>
+            </a:r>
+            <a:r>
+              <a:rPr lang="en-US" altLang="zh-CN" sz="2200" dirty="0" err="1"/>
+              <a:t>Manufacturer”,“Address”,“Country</a:t>
+            </a:r>
+            <a:r>
+              <a:rPr lang="en-US" altLang="zh-CN" sz="2200" dirty="0"/>
+              <a:t>”)=“US” </a:t>
+            </a:r>
+          </a:p>
+          <a:p>
+            <a:pPr marL="0" indent="0">
+              <a:buNone/>
+            </a:pPr>
+            <a:r>
+              <a:rPr lang="zh-CN" altLang="en-US" sz="2200" dirty="0"/>
+              <a:t>我们可以自己定制</a:t>
+            </a:r>
+            <a:r>
+              <a:rPr lang="en-US" altLang="zh-CN" sz="2200" dirty="0"/>
+              <a:t>Global</a:t>
+            </a:r>
+            <a:r>
+              <a:rPr lang="zh-CN" altLang="en-US" sz="2200" dirty="0"/>
+              <a:t>，包括添加、删除、修改、遍历其节点。</a:t>
+            </a:r>
+          </a:p>
+          <a:p>
+            <a:pPr marL="0" indent="0">
+              <a:buNone/>
+            </a:pPr>
+            <a:r>
+              <a:rPr lang="zh-CN" altLang="en-US" sz="2200" dirty="0"/>
+              <a:t>多维数组以树状的形式保存，他的每一个节点直接与磁盘和内存中的数据块相对应，因此可以达到极快的访问速度。在此基础上，我们将多维数组映射成对象或者关系型的格式，分别由面向对象的接口或基于</a:t>
+            </a:r>
+            <a:r>
+              <a:rPr lang="en-US" altLang="zh-CN" sz="2200" dirty="0"/>
+              <a:t>SQL</a:t>
+            </a:r>
+            <a:r>
+              <a:rPr lang="zh-CN" altLang="en-US" sz="2200" dirty="0"/>
+              <a:t>的接口进行访问。</a:t>
+            </a:r>
+          </a:p>
+          <a:p>
+            <a:pPr>
+              <a:buFontTx/>
+              <a:buNone/>
+            </a:pPr>
+            <a:r>
+              <a:rPr lang="zh-CN" altLang="en-US" sz="2000" b="1" dirty="0"/>
+              <a:t>多维数组以树状的形式保存</a:t>
+            </a:r>
+            <a:r>
+              <a:rPr lang="en-US" altLang="zh-CN" sz="2000" dirty="0"/>
+              <a:t>,</a:t>
+            </a:r>
+            <a:r>
+              <a:rPr lang="zh-CN" altLang="en-US" sz="2000" dirty="0"/>
+              <a:t>如下例：</a:t>
+            </a:r>
+          </a:p>
+          <a:p>
+            <a:pPr marL="0" indent="0">
+              <a:buNone/>
+            </a:pPr>
+            <a:r>
+              <a:rPr lang="en-US" altLang="zh-CN" sz="2200" dirty="0"/>
+              <a:t>Global</a:t>
+            </a:r>
+            <a:r>
+              <a:rPr lang="zh-CN" altLang="en-US" sz="2200" dirty="0"/>
+              <a:t>以如下形式表示：</a:t>
+            </a:r>
+            <a:r>
+              <a:rPr lang="en-US" altLang="zh-CN" sz="2200" dirty="0"/>
+              <a:t>^</a:t>
+            </a:r>
+            <a:r>
+              <a:rPr lang="zh-CN" altLang="en-US" sz="2200" dirty="0"/>
+              <a:t>名称</a:t>
+            </a:r>
+            <a:r>
+              <a:rPr lang="en-US" altLang="zh-CN" sz="2200" dirty="0"/>
+              <a:t>(</a:t>
+            </a:r>
+            <a:r>
+              <a:rPr lang="zh-CN" altLang="en-US" sz="2200" dirty="0"/>
+              <a:t>下标</a:t>
+            </a:r>
+            <a:r>
+              <a:rPr lang="en-US" altLang="zh-CN" sz="2200" dirty="0"/>
+              <a:t>1,</a:t>
+            </a:r>
+            <a:r>
+              <a:rPr lang="zh-CN" altLang="en-US" sz="2200" dirty="0"/>
+              <a:t>下标</a:t>
+            </a:r>
+            <a:r>
+              <a:rPr lang="en-US" altLang="zh-CN" sz="2200" dirty="0"/>
+              <a:t>2,</a:t>
+            </a:r>
+            <a:r>
+              <a:rPr lang="zh-CN" altLang="en-US" sz="2200" dirty="0"/>
+              <a:t>下标</a:t>
+            </a:r>
+            <a:r>
+              <a:rPr lang="en-US" altLang="zh-CN" sz="2200" dirty="0"/>
+              <a:t>3…)=</a:t>
+            </a:r>
+            <a:r>
+              <a:rPr lang="zh-CN" altLang="en-US" sz="2200" dirty="0"/>
+              <a:t>值</a:t>
+            </a:r>
+          </a:p>
+          <a:p>
+            <a:pPr>
+              <a:buFontTx/>
+              <a:buNone/>
+            </a:pPr>
+            <a:r>
+              <a:rPr lang="zh-CN" altLang="en-US" sz="2200" dirty="0"/>
+              <a:t>       </a:t>
+            </a:r>
+            <a:r>
+              <a:rPr lang="en-US" altLang="zh-CN" sz="2200" dirty="0"/>
+              <a:t>SET ^Y(3,6,7)="third"</a:t>
+            </a:r>
+          </a:p>
+          <a:p>
+            <a:pPr>
+              <a:buFontTx/>
+              <a:buNone/>
+            </a:pPr>
+            <a:r>
+              <a:rPr lang="en-US" altLang="zh-CN" sz="2200" dirty="0"/>
+              <a:t>       SET ^Y(3,6,8)="fourth"</a:t>
+            </a:r>
+          </a:p>
+          <a:p>
+            <a:pPr>
+              <a:buFontTx/>
+              <a:buNone/>
+            </a:pPr>
+            <a:r>
+              <a:rPr lang="en-US" altLang="zh-CN" sz="2200" dirty="0"/>
+              <a:t>       SET ^Y(3,6,7,8,4)="fifth"</a:t>
+            </a:r>
+          </a:p>
+          <a:p>
+            <a:pPr>
+              <a:buFontTx/>
+              <a:buNone/>
+            </a:pPr>
+            <a:r>
+              <a:rPr lang="en-US" altLang="zh-CN" sz="2200" dirty="0"/>
+              <a:t>	  SET ^Y(3,6,7,8,9)="sixth"</a:t>
+            </a:r>
+          </a:p>
+          <a:p>
+            <a:pPr>
+              <a:buFontTx/>
+              <a:buNone/>
+            </a:pPr>
+            <a:r>
+              <a:rPr lang="en-US" altLang="zh-CN" sz="2200" dirty="0"/>
+              <a:t> </a:t>
+            </a:r>
+          </a:p>
+          <a:p>
+            <a:endParaRPr lang="en-US" altLang="zh-CN" sz="2400" dirty="0"/>
+          </a:p>
+        </p:txBody>
+      </p:sp>
+      <p:sp>
+        <p:nvSpPr>
+          <p:cNvPr id="2" name="矩形 1">
+            <a:extLst>
+              <a:ext uri="{FF2B5EF4-FFF2-40B4-BE49-F238E27FC236}">
+                <a16:creationId xmlns:a16="http://schemas.microsoft.com/office/drawing/2014/main" id="{D8C26D48-793F-4A4A-B07F-D5225324F6FB}"/>
               </a:ext>
             </a:extLst>
           </p:cNvPr>
@@ -5193,81 +5482,248 @@
         </p:nvSpPr>
         <p:spPr>
           <a:xfrm>
-            <a:off x="688798" y="1001135"/>
-            <a:ext cx="6797054" cy="461665"/>
+            <a:off x="756478" y="982807"/>
+            <a:ext cx="6208644" cy="424732"/>
           </a:xfrm>
           <a:prstGeom prst="rect">
             <a:avLst/>
           </a:prstGeom>
         </p:spPr>
         <p:txBody>
-          <a:bodyPr wrap="none">
+          <a:bodyPr wrap="square">
             <a:spAutoFit/>
           </a:bodyPr>
           <a:lstStyle/>
           <a:p>
-            <a:r>
-              <a:rPr lang="en-US" altLang="zh-CN" sz="2400" dirty="0"/>
-              <a:t>3.5</a:t>
-            </a:r>
-            <a:r>
-              <a:rPr lang="zh-CN" altLang="en-US" sz="2400" dirty="0"/>
-              <a:t>、 </a:t>
-            </a:r>
-            <a:r>
-              <a:rPr lang="zh-CN" altLang="en-US" sz="2400" dirty="0">
-                <a:latin typeface="宋体" panose="02010600030101010101" pitchFamily="2" charset="-122"/>
-              </a:rPr>
-              <a:t>Preferred Server  编辑Cach</a:t>
-            </a:r>
-            <a:r>
-              <a:rPr lang="zh-CN" altLang="en-US" sz="2400" dirty="0"/>
-              <a:t>é</a:t>
-            </a:r>
-            <a:r>
-              <a:rPr lang="zh-CN" altLang="en-US" sz="2400" dirty="0">
-                <a:latin typeface="宋体" panose="02010600030101010101" pitchFamily="2" charset="-122"/>
-              </a:rPr>
-              <a:t> 服务器列表</a:t>
-            </a:r>
-            <a:endParaRPr lang="zh-CN" altLang="en-US" sz="2400" dirty="0"/>
+            <a:pPr marL="228600" indent="-228600">
+              <a:lnSpc>
+                <a:spcPct val="90000"/>
+              </a:lnSpc>
+              <a:spcBef>
+                <a:spcPts val="1000"/>
+              </a:spcBef>
+            </a:pPr>
+            <a:r>
+              <a:rPr lang="en-US" altLang="zh-CN" sz="2400" b="1" dirty="0"/>
+              <a:t>3.2</a:t>
+            </a:r>
+            <a:r>
+              <a:rPr lang="zh-CN" altLang="en-US" sz="2400" b="1" dirty="0"/>
+              <a:t>、多维存储形式介绍</a:t>
+            </a:r>
+          </a:p>
+        </p:txBody>
+      </p:sp>
+    </p:spTree>
+    <p:extLst>
+      <p:ext uri="{BB962C8B-B14F-4D97-AF65-F5344CB8AC3E}">
+        <p14:creationId xmlns:p14="http://schemas.microsoft.com/office/powerpoint/2010/main" val="1401124733"/>
+      </p:ext>
+    </p:extLst>
+  </p:cSld>
+  <p:clrMapOvr>
+    <a:masterClrMapping/>
+  </p:clrMapOvr>
+</p:sld>
+</file>
+
+<file path=ppt/slides/slide19.xml><?xml version="1.0" encoding="utf-8"?>
+<p:sld xmlns:a="http://schemas.openxmlformats.org/drawingml/2006/main" xmlns:r="http://schemas.openxmlformats.org/officeDocument/2006/relationships" xmlns:p="http://schemas.openxmlformats.org/presentationml/2006/main">
+  <p:cSld>
+    <p:spTree>
+      <p:nvGrpSpPr>
+        <p:cNvPr id="1" name=""/>
+        <p:cNvGrpSpPr/>
+        <p:nvPr/>
+      </p:nvGrpSpPr>
+      <p:grpSpPr>
+        <a:xfrm>
+          <a:off x="0" y="0"/>
+          <a:ext cx="0" cy="0"/>
+          <a:chOff x="0" y="0"/>
+          <a:chExt cx="0" cy="0"/>
+        </a:xfrm>
+      </p:grpSpPr>
+      <p:sp>
+        <p:nvSpPr>
+          <p:cNvPr id="5" name="标题 4">
+            <a:extLst>
+              <a:ext uri="{FF2B5EF4-FFF2-40B4-BE49-F238E27FC236}">
+                <a16:creationId xmlns:a16="http://schemas.microsoft.com/office/drawing/2014/main" id="{E9767282-F663-4E07-B4F0-C96545915A62}"/>
+              </a:ext>
+            </a:extLst>
+          </p:cNvPr>
+          <p:cNvSpPr txBox="1">
+            <a:spLocks noGrp="1"/>
+          </p:cNvSpPr>
+          <p:nvPr>
+            <p:ph type="title"/>
+          </p:nvPr>
+        </p:nvSpPr>
+        <p:spPr>
+          <a:xfrm>
+            <a:off x="569913" y="397234"/>
+            <a:ext cx="6581775" cy="424732"/>
+          </a:xfrm>
+          <a:prstGeom prst="rect">
+            <a:avLst/>
+          </a:prstGeom>
+          <a:noFill/>
+        </p:spPr>
+        <p:txBody>
+          <a:bodyPr vert="horz" wrap="square" lIns="91440" tIns="45720" rIns="91440" bIns="45720" rtlCol="0" anchor="ctr">
+            <a:spAutoFit/>
+          </a:bodyPr>
+          <a:lstStyle/>
+          <a:p>
+            <a:r>
+              <a:rPr lang="en-US" altLang="zh-CN" sz="2400" b="1" dirty="0">
+                <a:solidFill>
+                  <a:srgbClr val="1C4885"/>
+                </a:solidFill>
+              </a:rPr>
+              <a:t>3. Global</a:t>
+            </a:r>
+            <a:r>
+              <a:rPr lang="zh-CN" altLang="en-US" sz="2400" b="1" dirty="0">
+                <a:solidFill>
+                  <a:srgbClr val="1C4885"/>
+                </a:solidFill>
+              </a:rPr>
+              <a:t>的多维存储</a:t>
+            </a:r>
+          </a:p>
+        </p:txBody>
+      </p:sp>
+      <p:sp>
+        <p:nvSpPr>
+          <p:cNvPr id="2" name="矩形 1">
+            <a:extLst>
+              <a:ext uri="{FF2B5EF4-FFF2-40B4-BE49-F238E27FC236}">
+                <a16:creationId xmlns:a16="http://schemas.microsoft.com/office/drawing/2014/main" id="{D8C26D48-793F-4A4A-B07F-D5225324F6FB}"/>
+              </a:ext>
+            </a:extLst>
+          </p:cNvPr>
+          <p:cNvSpPr/>
+          <p:nvPr/>
+        </p:nvSpPr>
+        <p:spPr>
+          <a:xfrm>
+            <a:off x="756478" y="982807"/>
+            <a:ext cx="6208644" cy="885371"/>
+          </a:xfrm>
+          <a:prstGeom prst="rect">
+            <a:avLst/>
+          </a:prstGeom>
+        </p:spPr>
+        <p:txBody>
+          <a:bodyPr wrap="square">
+            <a:spAutoFit/>
+          </a:bodyPr>
+          <a:lstStyle/>
+          <a:p>
+            <a:pPr marL="228600" indent="-228600">
+              <a:lnSpc>
+                <a:spcPct val="90000"/>
+              </a:lnSpc>
+              <a:spcBef>
+                <a:spcPts val="1000"/>
+              </a:spcBef>
+            </a:pPr>
+            <a:r>
+              <a:rPr lang="en-US" altLang="zh-CN" sz="2400" b="1" dirty="0"/>
+              <a:t>3.3</a:t>
+            </a:r>
+            <a:r>
+              <a:rPr lang="zh-CN" altLang="en-US" sz="2400" b="1" dirty="0"/>
+              <a:t>、</a:t>
+            </a:r>
+            <a:r>
+              <a:rPr lang="en-US" altLang="zh-CN" sz="2400" b="1" dirty="0"/>
+              <a:t>Global</a:t>
+            </a:r>
+            <a:r>
+              <a:rPr lang="zh-CN" altLang="en-US" sz="2400" b="1" dirty="0"/>
+              <a:t>的树状结构如下：</a:t>
+            </a:r>
+          </a:p>
+          <a:p>
+            <a:pPr marL="228600" indent="-228600">
+              <a:lnSpc>
+                <a:spcPct val="90000"/>
+              </a:lnSpc>
+              <a:spcBef>
+                <a:spcPts val="1000"/>
+              </a:spcBef>
+            </a:pPr>
+            <a:endParaRPr lang="zh-CN" altLang="en-US" sz="2400" b="1" dirty="0"/>
           </a:p>
         </p:txBody>
       </p:sp>
       <p:pic>
         <p:nvPicPr>
-          <p:cNvPr id="3" name="图片 2">
+          <p:cNvPr id="7" name="Picture 3">
             <a:extLst>
               <a:ext uri="{FF2B5EF4-FFF2-40B4-BE49-F238E27FC236}">
-                <a16:creationId xmlns:a16="http://schemas.microsoft.com/office/drawing/2014/main" id="{6D411E9D-2E0D-4854-80E5-C9EA63299960}"/>
+                <a16:creationId xmlns:a16="http://schemas.microsoft.com/office/drawing/2014/main" id="{29293D22-B83B-40BE-8ED2-CFA7B8A1EEDD}"/>
               </a:ext>
             </a:extLst>
           </p:cNvPr>
           <p:cNvPicPr>
-            <a:picLocks noChangeAspect="1"/>
+            <a:picLocks noChangeAspect="1" noChangeArrowheads="1"/>
           </p:cNvPicPr>
           <p:nvPr/>
         </p:nvPicPr>
         <p:blipFill>
-          <a:blip r:embed="rId2"/>
+          <a:blip r:embed="rId2">
+            <a:extLst>
+              <a:ext uri="{28A0092B-C50C-407E-A947-70E740481C1C}">
+                <a14:useLocalDpi xmlns:a14="http://schemas.microsoft.com/office/drawing/2010/main" val="0"/>
+              </a:ext>
+            </a:extLst>
+          </a:blip>
+          <a:srcRect/>
           <a:stretch>
             <a:fillRect/>
           </a:stretch>
         </p:blipFill>
-        <p:spPr>
-          <a:xfrm>
-            <a:off x="894522" y="1714911"/>
-            <a:ext cx="10668000" cy="3762375"/>
+        <p:spPr bwMode="auto">
+          <a:xfrm>
+            <a:off x="4960663" y="1249218"/>
+            <a:ext cx="4911725" cy="4625975"/>
           </a:xfrm>
           <a:prstGeom prst="rect">
             <a:avLst/>
           </a:prstGeom>
+          <a:noFill/>
+          <a:ln>
+            <a:noFill/>
+          </a:ln>
+          <a:extLst>
+            <a:ext uri="{909E8E84-426E-40DD-AFC4-6F175D3DCCD1}">
+              <a14:hiddenFill xmlns:a14="http://schemas.microsoft.com/office/drawing/2010/main">
+                <a:solidFill>
+                  <a:srgbClr val="FFFFFF"/>
+                </a:solidFill>
+              </a14:hiddenFill>
+            </a:ext>
+            <a:ext uri="{91240B29-F687-4F45-9708-019B960494DF}">
+              <a14:hiddenLine xmlns:a14="http://schemas.microsoft.com/office/drawing/2010/main" w="9525">
+                <a:solidFill>
+                  <a:srgbClr val="000000"/>
+                </a:solidFill>
+                <a:miter lim="800000"/>
+                <a:headEnd/>
+                <a:tailEnd/>
+              </a14:hiddenLine>
+            </a:ext>
+          </a:extLst>
         </p:spPr>
       </p:pic>
     </p:spTree>
     <p:extLst>
       <p:ext uri="{BB962C8B-B14F-4D97-AF65-F5344CB8AC3E}">
-        <p14:creationId xmlns:p14="http://schemas.microsoft.com/office/powerpoint/2010/main" val="351891452"/>
+        <p14:creationId xmlns:p14="http://schemas.microsoft.com/office/powerpoint/2010/main" val="62697760"/>
       </p:ext>
     </p:extLst>
   </p:cSld>
@@ -7091,7 +7547,7 @@
         </p:nvSpPr>
         <p:spPr bwMode="auto">
           <a:xfrm>
-            <a:off x="4454318" y="1420625"/>
+            <a:off x="4498433" y="3182726"/>
             <a:ext cx="2886640" cy="400110"/>
           </a:xfrm>
           <a:prstGeom prst="rect">
@@ -7248,16 +7704,6 @@
           </a:lstStyle>
           <a:p>
             <a:r>
-              <a:rPr lang="zh-CN" altLang="en-US" sz="2000" b="1" dirty="0">
-                <a:solidFill>
-                  <a:srgbClr val="1C4885"/>
-                </a:solidFill>
-                <a:latin typeface="微软雅黑" panose="020B0503020204020204" pitchFamily="34" charset="-122"/>
-                <a:ea typeface="微软雅黑" panose="020B0503020204020204" pitchFamily="34" charset="-122"/>
-              </a:rPr>
-              <a:t> </a:t>
-            </a:r>
-            <a:r>
               <a:rPr lang="en-US" altLang="zh-CN" sz="2000" b="1" dirty="0">
                 <a:solidFill>
                   <a:srgbClr val="1C4885"/>
@@ -7461,81 +7907,83 @@
       </p:sp>
       <p:sp>
         <p:nvSpPr>
-          <p:cNvPr id="5" name="矩形 4"/>
+          <p:cNvPr id="4" name="矩形 3">
+            <a:extLst>
+              <a:ext uri="{FF2B5EF4-FFF2-40B4-BE49-F238E27FC236}">
+                <a16:creationId xmlns:a16="http://schemas.microsoft.com/office/drawing/2014/main" id="{ACC4F995-7B4D-4D6B-AF14-1E08B22D7FB7}"/>
+              </a:ext>
+            </a:extLst>
+          </p:cNvPr>
           <p:cNvSpPr/>
           <p:nvPr/>
         </p:nvSpPr>
         <p:spPr>
           <a:xfrm>
-            <a:off x="4454319" y="2341841"/>
-            <a:ext cx="2886639" cy="400110"/>
+            <a:off x="4507709" y="2298118"/>
+            <a:ext cx="1568058" cy="369332"/>
           </a:xfrm>
           <a:prstGeom prst="rect">
             <a:avLst/>
           </a:prstGeom>
         </p:spPr>
         <p:txBody>
-          <a:bodyPr wrap="square">
+          <a:bodyPr wrap="none">
             <a:spAutoFit/>
           </a:bodyPr>
           <a:lstStyle/>
           <a:p>
             <a:r>
-              <a:rPr lang="en-US" altLang="zh-CN" sz="2000" b="1" dirty="0">
+              <a:rPr lang="en-US" altLang="zh-CN" b="1" dirty="0" err="1">
                 <a:solidFill>
                   <a:srgbClr val="1C4885"/>
                 </a:solidFill>
                 <a:latin typeface="微软雅黑" panose="020B0503020204020204" pitchFamily="34" charset="-122"/>
                 <a:ea typeface="微软雅黑" panose="020B0503020204020204" pitchFamily="34" charset="-122"/>
               </a:rPr>
-              <a:t> </a:t>
-            </a:r>
-            <a:r>
-              <a:rPr lang="en-US" altLang="zh-CN" sz="2000" b="1" dirty="0" err="1">
+              <a:t>Caché</a:t>
+            </a:r>
+            <a:r>
+              <a:rPr lang="zh-CN" altLang="en-US" b="1" dirty="0">
                 <a:solidFill>
                   <a:srgbClr val="1C4885"/>
                 </a:solidFill>
                 <a:latin typeface="微软雅黑" panose="020B0503020204020204" pitchFamily="34" charset="-122"/>
                 <a:ea typeface="微软雅黑" panose="020B0503020204020204" pitchFamily="34" charset="-122"/>
               </a:rPr>
-              <a:t>Caché</a:t>
-            </a:r>
-            <a:r>
-              <a:rPr lang="zh-CN" altLang="en-US" sz="2000" b="1" dirty="0">
-                <a:solidFill>
-                  <a:srgbClr val="1C4885"/>
-                </a:solidFill>
-                <a:latin typeface="微软雅黑" panose="020B0503020204020204" pitchFamily="34" charset="-122"/>
-                <a:ea typeface="微软雅黑" panose="020B0503020204020204" pitchFamily="34" charset="-122"/>
-              </a:rPr>
-              <a:t>的安装</a:t>
+              <a:t>的介绍</a:t>
             </a:r>
           </a:p>
         </p:txBody>
       </p:sp>
       <p:sp>
         <p:nvSpPr>
-          <p:cNvPr id="34" name="矩形 33"/>
+          <p:cNvPr id="7" name="矩形 6">
+            <a:extLst>
+              <a:ext uri="{FF2B5EF4-FFF2-40B4-BE49-F238E27FC236}">
+                <a16:creationId xmlns:a16="http://schemas.microsoft.com/office/drawing/2014/main" id="{A658F5A8-A701-447D-8DD4-D2783A7DB73C}"/>
+              </a:ext>
+            </a:extLst>
+          </p:cNvPr>
           <p:cNvSpPr/>
           <p:nvPr/>
         </p:nvSpPr>
         <p:spPr>
           <a:xfrm>
-            <a:off x="4507709" y="3179757"/>
-            <a:ext cx="2576111" cy="400110"/>
+            <a:off x="4498433" y="1401903"/>
+            <a:ext cx="1568058" cy="369332"/>
           </a:xfrm>
           <a:prstGeom prst="rect">
             <a:avLst/>
           </a:prstGeom>
         </p:spPr>
         <p:txBody>
-          <a:bodyPr wrap="square">
+          <a:bodyPr wrap="none">
             <a:spAutoFit/>
           </a:bodyPr>
           <a:lstStyle/>
           <a:p>
             <a:r>
-              <a:rPr lang="en-US" altLang="zh-CN" sz="2000" b="1" dirty="0" err="1">
+              <a:rPr lang="en-US" altLang="zh-CN" b="1" dirty="0" err="1">
                 <a:solidFill>
                   <a:srgbClr val="1C4885"/>
                 </a:solidFill>
@@ -7545,15 +7993,16 @@
               <a:t>Caché</a:t>
             </a:r>
             <a:r>
-              <a:rPr lang="zh-CN" altLang="en-US" sz="2000" b="1" dirty="0">
+              <a:rPr lang="zh-CN" altLang="en-US" b="1" dirty="0">
                 <a:solidFill>
                   <a:srgbClr val="1C4885"/>
                 </a:solidFill>
                 <a:latin typeface="微软雅黑" panose="020B0503020204020204" pitchFamily="34" charset="-122"/>
                 <a:ea typeface="微软雅黑" panose="020B0503020204020204" pitchFamily="34" charset="-122"/>
               </a:rPr>
-              <a:t>的介绍</a:t>
-            </a:r>
+              <a:t>的安装</a:t>
+            </a:r>
+            <a:endParaRPr lang="zh-CN" altLang="en-US" dirty="0"/>
           </a:p>
         </p:txBody>
       </p:sp>
@@ -7570,7 +8019,7 @@
 </p:sld>
 </file>
 
-<file path=ppt/slides/slide3.xml><?xml version="1.0" encoding="utf-8"?>
+<file path=ppt/slides/slide20.xml><?xml version="1.0" encoding="utf-8"?>
 <p:sld xmlns:a="http://schemas.openxmlformats.org/drawingml/2006/main" xmlns:r="http://schemas.openxmlformats.org/officeDocument/2006/relationships" xmlns:p="http://schemas.openxmlformats.org/presentationml/2006/main">
   <p:cSld>
     <p:spTree>
@@ -7625,7 +8074,7 @@
                   <a:srgbClr val="1C4885"/>
                 </a:solidFill>
               </a:rPr>
-              <a:t>1.Global</a:t>
+              <a:t>3. Global</a:t>
             </a:r>
             <a:r>
               <a:rPr lang="zh-CN" altLang="en-US" sz="2400" b="1" dirty="0">
@@ -7640,335 +8089,761 @@
       </p:sp>
       <p:sp>
         <p:nvSpPr>
-          <p:cNvPr id="7" name="内容占位符 2">
+          <p:cNvPr id="2" name="矩形 1">
             <a:extLst>
               <a:ext uri="{FF2B5EF4-FFF2-40B4-BE49-F238E27FC236}">
-                <a16:creationId xmlns:a16="http://schemas.microsoft.com/office/drawing/2014/main" id="{B289CCFC-843B-4309-8DC5-56030D4B58A8}"/>
+                <a16:creationId xmlns:a16="http://schemas.microsoft.com/office/drawing/2014/main" id="{D8C26D48-793F-4A4A-B07F-D5225324F6FB}"/>
               </a:ext>
             </a:extLst>
           </p:cNvPr>
-          <p:cNvSpPr txBox="1">
-            <a:spLocks/>
-          </p:cNvSpPr>
+          <p:cNvSpPr/>
           <p:nvPr/>
         </p:nvSpPr>
         <p:spPr>
           <a:xfrm>
-            <a:off x="722243" y="973137"/>
-            <a:ext cx="8229600" cy="4911725"/>
+            <a:off x="756478" y="982807"/>
+            <a:ext cx="6208644" cy="424732"/>
           </a:xfrm>
           <a:prstGeom prst="rect">
             <a:avLst/>
           </a:prstGeom>
         </p:spPr>
         <p:txBody>
-          <a:bodyPr vert="horz" lIns="91440" tIns="45720" rIns="91440" bIns="45720" rtlCol="0">
-            <a:normAutofit/>
+          <a:bodyPr wrap="square">
+            <a:spAutoFit/>
           </a:bodyPr>
-          <a:lstStyle>
-            <a:lvl1pPr marL="228600" indent="-228600" algn="l" defTabSz="914400" rtl="0" eaLnBrk="1" latinLnBrk="0" hangingPunct="1">
+          <a:lstStyle/>
+          <a:p>
+            <a:pPr marL="228600" indent="-228600">
               <a:lnSpc>
                 <a:spcPct val="90000"/>
               </a:lnSpc>
               <a:spcBef>
                 <a:spcPts val="1000"/>
               </a:spcBef>
-              <a:buFont typeface="Arial" panose="020B0604020202020204" pitchFamily="34" charset="0"/>
-              <a:buChar char="•"/>
-              <a:defRPr sz="2800" kern="1200">
-                <a:solidFill>
-                  <a:schemeClr val="tx1"/>
-                </a:solidFill>
-                <a:latin typeface="+mn-lt"/>
-                <a:ea typeface="+mn-ea"/>
-                <a:cs typeface="+mn-cs"/>
-              </a:defRPr>
-            </a:lvl1pPr>
-            <a:lvl2pPr marL="685800" indent="-228600" algn="l" defTabSz="914400" rtl="0" eaLnBrk="1" latinLnBrk="0" hangingPunct="1">
-              <a:lnSpc>
-                <a:spcPct val="90000"/>
-              </a:lnSpc>
-              <a:spcBef>
-                <a:spcPts val="500"/>
-              </a:spcBef>
-              <a:buFont typeface="Arial" panose="020B0604020202020204" pitchFamily="34" charset="0"/>
-              <a:buChar char="•"/>
-              <a:defRPr sz="2400" kern="1200">
-                <a:solidFill>
-                  <a:schemeClr val="tx1"/>
-                </a:solidFill>
-                <a:latin typeface="+mn-lt"/>
-                <a:ea typeface="+mn-ea"/>
-                <a:cs typeface="+mn-cs"/>
-              </a:defRPr>
-            </a:lvl2pPr>
-            <a:lvl3pPr marL="1143000" indent="-228600" algn="l" defTabSz="914400" rtl="0" eaLnBrk="1" latinLnBrk="0" hangingPunct="1">
-              <a:lnSpc>
-                <a:spcPct val="90000"/>
-              </a:lnSpc>
-              <a:spcBef>
-                <a:spcPts val="500"/>
-              </a:spcBef>
-              <a:buFont typeface="Arial" panose="020B0604020202020204" pitchFamily="34" charset="0"/>
-              <a:buChar char="•"/>
-              <a:defRPr sz="2000" kern="1200">
-                <a:solidFill>
-                  <a:schemeClr val="tx1"/>
-                </a:solidFill>
-                <a:latin typeface="+mn-lt"/>
-                <a:ea typeface="+mn-ea"/>
-                <a:cs typeface="+mn-cs"/>
-              </a:defRPr>
-            </a:lvl3pPr>
-            <a:lvl4pPr marL="1600200" indent="-228600" algn="l" defTabSz="914400" rtl="0" eaLnBrk="1" latinLnBrk="0" hangingPunct="1">
-              <a:lnSpc>
-                <a:spcPct val="90000"/>
-              </a:lnSpc>
-              <a:spcBef>
-                <a:spcPts val="500"/>
-              </a:spcBef>
-              <a:buFont typeface="Arial" panose="020B0604020202020204" pitchFamily="34" charset="0"/>
-              <a:buChar char="•"/>
-              <a:defRPr sz="1800" kern="1200">
-                <a:solidFill>
-                  <a:schemeClr val="tx1"/>
-                </a:solidFill>
-                <a:latin typeface="+mn-lt"/>
-                <a:ea typeface="+mn-ea"/>
-                <a:cs typeface="+mn-cs"/>
-              </a:defRPr>
-            </a:lvl4pPr>
-            <a:lvl5pPr marL="2057400" indent="-228600" algn="l" defTabSz="914400" rtl="0" eaLnBrk="1" latinLnBrk="0" hangingPunct="1">
-              <a:lnSpc>
-                <a:spcPct val="90000"/>
-              </a:lnSpc>
-              <a:spcBef>
-                <a:spcPts val="500"/>
-              </a:spcBef>
-              <a:buFont typeface="Arial" panose="020B0604020202020204" pitchFamily="34" charset="0"/>
-              <a:buChar char="•"/>
-              <a:defRPr sz="1800" kern="1200">
-                <a:solidFill>
-                  <a:schemeClr val="tx1"/>
-                </a:solidFill>
-                <a:latin typeface="+mn-lt"/>
-                <a:ea typeface="+mn-ea"/>
-                <a:cs typeface="+mn-cs"/>
-              </a:defRPr>
-            </a:lvl5pPr>
-            <a:lvl6pPr marL="2514600" indent="-228600" algn="l" defTabSz="914400" rtl="0" eaLnBrk="1" latinLnBrk="0" hangingPunct="1">
-              <a:lnSpc>
-                <a:spcPct val="90000"/>
-              </a:lnSpc>
-              <a:spcBef>
-                <a:spcPts val="500"/>
-              </a:spcBef>
-              <a:buFont typeface="Arial" panose="020B0604020202020204" pitchFamily="34" charset="0"/>
-              <a:buChar char="•"/>
-              <a:defRPr sz="1800" kern="1200">
-                <a:solidFill>
-                  <a:schemeClr val="tx1"/>
-                </a:solidFill>
-                <a:latin typeface="+mn-lt"/>
-                <a:ea typeface="+mn-ea"/>
-                <a:cs typeface="+mn-cs"/>
-              </a:defRPr>
-            </a:lvl6pPr>
-            <a:lvl7pPr marL="2971800" indent="-228600" algn="l" defTabSz="914400" rtl="0" eaLnBrk="1" latinLnBrk="0" hangingPunct="1">
-              <a:lnSpc>
-                <a:spcPct val="90000"/>
-              </a:lnSpc>
-              <a:spcBef>
-                <a:spcPts val="500"/>
-              </a:spcBef>
-              <a:buFont typeface="Arial" panose="020B0604020202020204" pitchFamily="34" charset="0"/>
-              <a:buChar char="•"/>
-              <a:defRPr sz="1800" kern="1200">
-                <a:solidFill>
-                  <a:schemeClr val="tx1"/>
-                </a:solidFill>
-                <a:latin typeface="+mn-lt"/>
-                <a:ea typeface="+mn-ea"/>
-                <a:cs typeface="+mn-cs"/>
-              </a:defRPr>
-            </a:lvl7pPr>
-            <a:lvl8pPr marL="3429000" indent="-228600" algn="l" defTabSz="914400" rtl="0" eaLnBrk="1" latinLnBrk="0" hangingPunct="1">
-              <a:lnSpc>
-                <a:spcPct val="90000"/>
-              </a:lnSpc>
-              <a:spcBef>
-                <a:spcPts val="500"/>
-              </a:spcBef>
-              <a:buFont typeface="Arial" panose="020B0604020202020204" pitchFamily="34" charset="0"/>
-              <a:buChar char="•"/>
-              <a:defRPr sz="1800" kern="1200">
-                <a:solidFill>
-                  <a:schemeClr val="tx1"/>
-                </a:solidFill>
-                <a:latin typeface="+mn-lt"/>
-                <a:ea typeface="+mn-ea"/>
-                <a:cs typeface="+mn-cs"/>
-              </a:defRPr>
-            </a:lvl8pPr>
-            <a:lvl9pPr marL="3886200" indent="-228600" algn="l" defTabSz="914400" rtl="0" eaLnBrk="1" latinLnBrk="0" hangingPunct="1">
-              <a:lnSpc>
-                <a:spcPct val="90000"/>
-              </a:lnSpc>
-              <a:spcBef>
-                <a:spcPts val="500"/>
-              </a:spcBef>
-              <a:buFont typeface="Arial" panose="020B0604020202020204" pitchFamily="34" charset="0"/>
-              <a:buChar char="•"/>
-              <a:defRPr sz="1800" kern="1200">
-                <a:solidFill>
-                  <a:schemeClr val="tx1"/>
-                </a:solidFill>
-                <a:latin typeface="+mn-lt"/>
-                <a:ea typeface="+mn-ea"/>
-                <a:cs typeface="+mn-cs"/>
-              </a:defRPr>
-            </a:lvl9pPr>
-          </a:lstStyle>
-          <a:p>
-            <a:pPr>
-              <a:buFontTx/>
-              <a:buNone/>
             </a:pPr>
             <a:r>
               <a:rPr lang="en-US" altLang="zh-CN" sz="2400" b="1" dirty="0"/>
-              <a:t>1.1</a:t>
+              <a:t>3.4</a:t>
             </a:r>
             <a:r>
               <a:rPr lang="zh-CN" altLang="en-US" sz="2400" b="1" dirty="0"/>
-              <a:t>、多维存储结构介绍</a:t>
-            </a:r>
-            <a:endParaRPr lang="zh-CN" altLang="en-US" sz="2400" dirty="0"/>
-          </a:p>
-          <a:p>
-            <a:pPr>
-              <a:buFontTx/>
-              <a:buNone/>
-            </a:pPr>
-            <a:r>
-              <a:rPr lang="zh-CN" altLang="en-US" sz="2400" dirty="0"/>
-              <a:t>   </a:t>
-            </a:r>
-            <a:r>
-              <a:rPr lang="zh-CN" altLang="en-US" sz="2200" dirty="0"/>
-              <a:t> </a:t>
-            </a:r>
-            <a:r>
-              <a:rPr lang="en-US" altLang="zh-CN" sz="2200" dirty="0"/>
-              <a:t> </a:t>
-            </a:r>
-            <a:r>
-              <a:rPr lang="en-US" altLang="zh-CN" sz="2200" dirty="0" err="1"/>
-              <a:t>Caché</a:t>
-            </a:r>
-            <a:r>
-              <a:rPr lang="en-US" altLang="zh-CN" sz="2200" dirty="0"/>
-              <a:t> </a:t>
-            </a:r>
-            <a:r>
-              <a:rPr lang="zh-CN" altLang="en-US" sz="2200" dirty="0"/>
-              <a:t>以多维数组存储数据，所有数据都是保存</a:t>
-            </a:r>
-            <a:r>
-              <a:rPr lang="en-US" altLang="zh-CN" sz="2200" dirty="0"/>
+              <a:t>、查看</a:t>
+            </a:r>
+            <a:r>
+              <a:rPr lang="en-US" altLang="zh-CN" sz="2400" b="1" dirty="0"/>
               <a:t>Global</a:t>
             </a:r>
             <a:r>
-              <a:rPr lang="zh-CN" altLang="en-US" sz="2200" dirty="0"/>
-              <a:t>中</a:t>
-            </a:r>
-            <a:r>
-              <a:rPr lang="zh-CN" altLang="en-US" sz="2400" dirty="0"/>
-              <a:t>。</a:t>
-            </a:r>
-          </a:p>
-          <a:p>
-            <a:pPr>
-              <a:buFontTx/>
-              <a:buNone/>
-            </a:pPr>
-            <a:endParaRPr lang="zh-CN" altLang="en-US" sz="2400" dirty="0"/>
-          </a:p>
-          <a:p>
-            <a:pPr>
-              <a:buFontTx/>
-              <a:buNone/>
-            </a:pPr>
-            <a:r>
-              <a:rPr lang="zh-CN" altLang="en-US" dirty="0"/>
-              <a:t>   </a:t>
+              <a:rPr lang="zh-CN" altLang="en-US" sz="2400" b="1" dirty="0"/>
+              <a:t>的数据</a:t>
+            </a:r>
+            <a:r>
+              <a:rPr lang="en-US" altLang="zh-CN" sz="2400" b="1" dirty="0"/>
+              <a:t>——</a:t>
+            </a:r>
+            <a:r>
+              <a:rPr lang="zh-CN" altLang="en-US" sz="2400" b="1" dirty="0"/>
+              <a:t>两种方式</a:t>
             </a:r>
           </a:p>
         </p:txBody>
       </p:sp>
       <p:pic>
         <p:nvPicPr>
-          <p:cNvPr id="8" name="Picture 3" descr="01Cache数据存储体系">
+          <p:cNvPr id="3" name="图片 2">
             <a:extLst>
               <a:ext uri="{FF2B5EF4-FFF2-40B4-BE49-F238E27FC236}">
-                <a16:creationId xmlns:a16="http://schemas.microsoft.com/office/drawing/2014/main" id="{C7C1DFF6-3B78-4718-BF1A-C9CCBB9C2B05}"/>
+                <a16:creationId xmlns:a16="http://schemas.microsoft.com/office/drawing/2014/main" id="{FE6D95B1-B773-4786-ACDD-A67EC07A3CBF}"/>
               </a:ext>
             </a:extLst>
           </p:cNvPr>
           <p:cNvPicPr>
-            <a:picLocks noChangeAspect="1" noChangeArrowheads="1"/>
+            <a:picLocks noChangeAspect="1"/>
           </p:cNvPicPr>
           <p:nvPr/>
         </p:nvPicPr>
         <p:blipFill>
-          <a:blip r:embed="rId2">
-            <a:extLst>
-              <a:ext uri="{28A0092B-C50C-407E-A947-70E740481C1C}">
-                <a14:useLocalDpi xmlns:a14="http://schemas.microsoft.com/office/drawing/2010/main" val="0"/>
-              </a:ext>
-            </a:extLst>
-          </a:blip>
-          <a:srcRect/>
+          <a:blip r:embed="rId2"/>
           <a:stretch>
             <a:fillRect/>
           </a:stretch>
         </p:blipFill>
-        <p:spPr bwMode="auto">
-          <a:xfrm>
-            <a:off x="968031" y="1881464"/>
-            <a:ext cx="8712200" cy="4425950"/>
+        <p:spPr>
+          <a:xfrm>
+            <a:off x="756478" y="1568381"/>
+            <a:ext cx="10600635" cy="4660142"/>
+          </a:xfrm>
+          <a:prstGeom prst="rect">
+            <a:avLst/>
+          </a:prstGeom>
+        </p:spPr>
+      </p:pic>
+    </p:spTree>
+    <p:extLst>
+      <p:ext uri="{BB962C8B-B14F-4D97-AF65-F5344CB8AC3E}">
+        <p14:creationId xmlns:p14="http://schemas.microsoft.com/office/powerpoint/2010/main" val="3404958040"/>
+      </p:ext>
+    </p:extLst>
+  </p:cSld>
+  <p:clrMapOvr>
+    <a:masterClrMapping/>
+  </p:clrMapOvr>
+</p:sld>
+</file>
+
+<file path=ppt/slides/slide21.xml><?xml version="1.0" encoding="utf-8"?>
+<p:sld xmlns:a="http://schemas.openxmlformats.org/drawingml/2006/main" xmlns:r="http://schemas.openxmlformats.org/officeDocument/2006/relationships" xmlns:p="http://schemas.openxmlformats.org/presentationml/2006/main">
+  <p:cSld>
+    <p:spTree>
+      <p:nvGrpSpPr>
+        <p:cNvPr id="1" name=""/>
+        <p:cNvGrpSpPr/>
+        <p:nvPr/>
+      </p:nvGrpSpPr>
+      <p:grpSpPr>
+        <a:xfrm>
+          <a:off x="0" y="0"/>
+          <a:ext cx="0" cy="0"/>
+          <a:chOff x="0" y="0"/>
+          <a:chExt cx="0" cy="0"/>
+        </a:xfrm>
+      </p:grpSpPr>
+      <p:sp>
+        <p:nvSpPr>
+          <p:cNvPr id="9" name="矩形 8">
+            <a:extLst>
+              <a:ext uri="{FF2B5EF4-FFF2-40B4-BE49-F238E27FC236}">
+                <a16:creationId xmlns:a16="http://schemas.microsoft.com/office/drawing/2014/main" id="{2ABB4AE1-25FB-41A9-8ADF-D102A057FC98}"/>
+              </a:ext>
+            </a:extLst>
+          </p:cNvPr>
+          <p:cNvSpPr/>
+          <p:nvPr/>
+        </p:nvSpPr>
+        <p:spPr>
+          <a:xfrm>
+            <a:off x="4960112" y="2967335"/>
+            <a:ext cx="2271777" cy="923330"/>
           </a:xfrm>
           <a:prstGeom prst="rect">
             <a:avLst/>
           </a:prstGeom>
           <a:noFill/>
-          <a:ln>
+        </p:spPr>
+        <p:txBody>
+          <a:bodyPr wrap="none" lIns="91440" tIns="45720" rIns="91440" bIns="45720">
+            <a:spAutoFit/>
+          </a:bodyPr>
+          <a:lstStyle/>
+          <a:p>
+            <a:pPr algn="ctr"/>
+            <a:r>
+              <a:rPr lang="zh-CN" altLang="en-US" sz="5400" b="1" cap="none" spc="0" dirty="0">
+                <a:ln w="9525">
+                  <a:solidFill>
+                    <a:schemeClr val="bg1"/>
+                  </a:solidFill>
+                  <a:prstDash val="solid"/>
+                </a:ln>
+                <a:solidFill>
+                  <a:schemeClr val="accent5"/>
+                </a:solidFill>
+                <a:effectLst>
+                  <a:outerShdw blurRad="12700" dist="38100" dir="2700000" algn="tl" rotWithShape="0">
+                    <a:schemeClr val="accent5">
+                      <a:lumMod val="60000"/>
+                      <a:lumOff val="40000"/>
+                    </a:schemeClr>
+                  </a:outerShdw>
+                </a:effectLst>
+              </a:rPr>
+              <a:t>谢谢！</a:t>
+            </a:r>
+          </a:p>
+        </p:txBody>
+      </p:sp>
+    </p:spTree>
+    <p:extLst>
+      <p:ext uri="{BB962C8B-B14F-4D97-AF65-F5344CB8AC3E}">
+        <p14:creationId xmlns:p14="http://schemas.microsoft.com/office/powerpoint/2010/main" val="69767299"/>
+      </p:ext>
+    </p:extLst>
+  </p:cSld>
+  <p:clrMapOvr>
+    <a:masterClrMapping/>
+  </p:clrMapOvr>
+</p:sld>
+</file>
+
+<file path=ppt/slides/slide3.xml><?xml version="1.0" encoding="utf-8"?>
+<p:sld xmlns:a="http://schemas.openxmlformats.org/drawingml/2006/main" xmlns:r="http://schemas.openxmlformats.org/officeDocument/2006/relationships" xmlns:p="http://schemas.openxmlformats.org/presentationml/2006/main">
+  <p:cSld>
+    <p:spTree>
+      <p:nvGrpSpPr>
+        <p:cNvPr id="1" name=""/>
+        <p:cNvGrpSpPr/>
+        <p:nvPr/>
+      </p:nvGrpSpPr>
+      <p:grpSpPr>
+        <a:xfrm>
+          <a:off x="0" y="0"/>
+          <a:ext cx="0" cy="0"/>
+          <a:chOff x="0" y="0"/>
+          <a:chExt cx="0" cy="0"/>
+        </a:xfrm>
+      </p:grpSpPr>
+      <p:sp>
+        <p:nvSpPr>
+          <p:cNvPr id="2" name="灯片编号占位符 1"/>
+          <p:cNvSpPr>
+            <a:spLocks noGrp="1"/>
+          </p:cNvSpPr>
+          <p:nvPr>
+            <p:ph type="sldNum" sz="quarter" idx="4"/>
+          </p:nvPr>
+        </p:nvSpPr>
+        <p:spPr/>
+        <p:txBody>
+          <a:bodyPr/>
+          <a:lstStyle/>
+          <a:p>
+            <a:fld id="{9DEDB23E-2FB9-47E7-B867-886262ECB867}" type="slidenum">
+              <a:rPr lang="en-US" smtClean="0"/>
+              <a:pPr/>
+              <a:t>3</a:t>
+            </a:fld>
+            <a:endParaRPr lang="en-US" dirty="0"/>
+          </a:p>
+        </p:txBody>
+      </p:sp>
+      <p:sp>
+        <p:nvSpPr>
+          <p:cNvPr id="5" name="文本框 4"/>
+          <p:cNvSpPr txBox="1"/>
+          <p:nvPr/>
+        </p:nvSpPr>
+        <p:spPr>
+          <a:xfrm>
+            <a:off x="515154" y="373487"/>
+            <a:ext cx="3644721" cy="461665"/>
+          </a:xfrm>
+          <a:prstGeom prst="rect">
+            <a:avLst/>
+          </a:prstGeom>
+          <a:noFill/>
+        </p:spPr>
+        <p:txBody>
+          <a:bodyPr wrap="square" rtlCol="0">
+            <a:spAutoFit/>
+          </a:bodyPr>
+          <a:lstStyle/>
+          <a:p>
+            <a:r>
+              <a:rPr lang="en-US" altLang="zh-CN" sz="2400" b="1" dirty="0">
+                <a:solidFill>
+                  <a:srgbClr val="1C4885"/>
+                </a:solidFill>
+                <a:latin typeface="微软雅黑" panose="020B0503020204020204" pitchFamily="34" charset="-122"/>
+                <a:ea typeface="微软雅黑" panose="020B0503020204020204" pitchFamily="34" charset="-122"/>
+              </a:rPr>
+              <a:t>1. </a:t>
+            </a:r>
+            <a:r>
+              <a:rPr lang="en-US" altLang="zh-CN" sz="2400" b="1" dirty="0" err="1">
+                <a:solidFill>
+                  <a:srgbClr val="1C4885"/>
+                </a:solidFill>
+                <a:latin typeface="微软雅黑" panose="020B0503020204020204" pitchFamily="34" charset="-122"/>
+                <a:ea typeface="微软雅黑" panose="020B0503020204020204" pitchFamily="34" charset="-122"/>
+              </a:rPr>
+              <a:t>Caché</a:t>
+            </a:r>
+            <a:r>
+              <a:rPr lang="zh-CN" altLang="en-US" sz="2400" b="1" dirty="0">
+                <a:solidFill>
+                  <a:srgbClr val="1C4885"/>
+                </a:solidFill>
+                <a:latin typeface="微软雅黑" panose="020B0503020204020204" pitchFamily="34" charset="-122"/>
+                <a:ea typeface="微软雅黑" panose="020B0503020204020204" pitchFamily="34" charset="-122"/>
+              </a:rPr>
+              <a:t>的安装</a:t>
+            </a:r>
+          </a:p>
+        </p:txBody>
+      </p:sp>
+      <p:sp>
+        <p:nvSpPr>
+          <p:cNvPr id="4" name="矩形 3">
+            <a:extLst>
+              <a:ext uri="{FF2B5EF4-FFF2-40B4-BE49-F238E27FC236}">
+                <a16:creationId xmlns:a16="http://schemas.microsoft.com/office/drawing/2014/main" id="{C3023E10-0584-4B5A-9A8C-2B33D28BDFE7}"/>
+              </a:ext>
+            </a:extLst>
+          </p:cNvPr>
+          <p:cNvSpPr/>
+          <p:nvPr/>
+        </p:nvSpPr>
+        <p:spPr>
+          <a:xfrm>
+            <a:off x="470712" y="1042318"/>
+            <a:ext cx="1762021" cy="644022"/>
+          </a:xfrm>
+          <a:prstGeom prst="rect">
+            <a:avLst/>
+          </a:prstGeom>
+        </p:spPr>
+        <p:txBody>
+          <a:bodyPr wrap="none">
+            <a:spAutoFit/>
+          </a:bodyPr>
+          <a:lstStyle/>
+          <a:p>
+            <a:pPr marL="342900" lvl="0" indent="-342900" algn="just">
+              <a:lnSpc>
+                <a:spcPct val="173000"/>
+              </a:lnSpc>
+              <a:spcBef>
+                <a:spcPts val="1300"/>
+              </a:spcBef>
+              <a:spcAft>
+                <a:spcPts val="1300"/>
+              </a:spcAft>
+              <a:buFont typeface="Cambria" panose="02040503050406030204" pitchFamily="18" charset="0"/>
+              <a:buAutoNum type="arabicPeriod"/>
+            </a:pPr>
+            <a:r>
+              <a:rPr lang="zh-CN" altLang="zh-CN" sz="2400" b="1" kern="100" dirty="0">
+                <a:latin typeface="Cambria" panose="02040503050406030204" pitchFamily="18" charset="0"/>
+                <a:ea typeface="华文中宋" panose="02010600040101010101" pitchFamily="2" charset="-122"/>
+              </a:rPr>
+              <a:t>先决条件</a:t>
+            </a:r>
+            <a:endParaRPr lang="zh-CN" altLang="zh-CN" sz="2400" b="1" kern="100" dirty="0">
+              <a:latin typeface="Cambria" panose="02040503050406030204" pitchFamily="18" charset="0"/>
+            </a:endParaRPr>
+          </a:p>
+        </p:txBody>
+      </p:sp>
+      <p:sp>
+        <p:nvSpPr>
+          <p:cNvPr id="6" name="矩形 5">
+            <a:extLst>
+              <a:ext uri="{FF2B5EF4-FFF2-40B4-BE49-F238E27FC236}">
+                <a16:creationId xmlns:a16="http://schemas.microsoft.com/office/drawing/2014/main" id="{14275712-9B9B-41B3-AEF4-1062F10572B2}"/>
+              </a:ext>
+            </a:extLst>
+          </p:cNvPr>
+          <p:cNvSpPr/>
+          <p:nvPr/>
+        </p:nvSpPr>
+        <p:spPr>
+          <a:xfrm>
+            <a:off x="808381" y="1686340"/>
+            <a:ext cx="10204175" cy="646331"/>
+          </a:xfrm>
+          <a:prstGeom prst="rect">
+            <a:avLst/>
+          </a:prstGeom>
+        </p:spPr>
+        <p:txBody>
+          <a:bodyPr wrap="square">
+            <a:spAutoFit/>
+          </a:bodyPr>
+          <a:lstStyle/>
+          <a:p>
+            <a:r>
+              <a:rPr lang="zh-CN" altLang="en-US" b="1" kern="100" dirty="0">
+                <a:ea typeface="微软雅黑" panose="020B0503020204020204" pitchFamily="34" charset="-122"/>
+                <a:cs typeface="Times New Roman" panose="02020603050405020304" pitchFamily="18" charset="0"/>
+              </a:rPr>
+              <a:t>如果之前安装过</a:t>
+            </a:r>
+            <a:r>
+              <a:rPr lang="en-US" altLang="zh-CN" b="1" kern="100" dirty="0" err="1">
+                <a:ea typeface="微软雅黑" panose="020B0503020204020204" pitchFamily="34" charset="-122"/>
+                <a:cs typeface="Times New Roman" panose="02020603050405020304" pitchFamily="18" charset="0"/>
+              </a:rPr>
+              <a:t>Cach</a:t>
+            </a:r>
+            <a:r>
+              <a:rPr lang="zh-CN" altLang="zh-CN" b="1" kern="100" dirty="0">
+                <a:ea typeface="微软雅黑" panose="020B0503020204020204" pitchFamily="34" charset="-122"/>
+                <a:cs typeface="Times New Roman" panose="02020603050405020304" pitchFamily="18" charset="0"/>
+              </a:rPr>
+              <a:t>é</a:t>
+            </a:r>
+            <a:r>
+              <a:rPr lang="zh-CN" altLang="en-US" b="1" kern="100" dirty="0">
+                <a:ea typeface="微软雅黑" panose="020B0503020204020204" pitchFamily="34" charset="-122"/>
+                <a:cs typeface="Times New Roman" panose="02020603050405020304" pitchFamily="18" charset="0"/>
+              </a:rPr>
+              <a:t>，</a:t>
+            </a:r>
+            <a:r>
+              <a:rPr lang="zh-CN" altLang="zh-CN" b="1" kern="100" dirty="0">
+                <a:ea typeface="微软雅黑" panose="020B0503020204020204" pitchFamily="34" charset="-122"/>
+                <a:cs typeface="Times New Roman" panose="02020603050405020304" pitchFamily="18" charset="0"/>
+              </a:rPr>
+              <a:t>在安装</a:t>
+            </a:r>
+            <a:r>
+              <a:rPr lang="en-US" altLang="zh-CN" b="1" kern="100" dirty="0" err="1">
+                <a:ea typeface="微软雅黑" panose="020B0503020204020204" pitchFamily="34" charset="-122"/>
+                <a:cs typeface="Times New Roman" panose="02020603050405020304" pitchFamily="18" charset="0"/>
+              </a:rPr>
+              <a:t>Cach</a:t>
+            </a:r>
+            <a:r>
+              <a:rPr lang="zh-CN" altLang="zh-CN" b="1" kern="100" dirty="0">
+                <a:ea typeface="微软雅黑" panose="020B0503020204020204" pitchFamily="34" charset="-122"/>
+                <a:cs typeface="Times New Roman" panose="02020603050405020304" pitchFamily="18" charset="0"/>
+              </a:rPr>
+              <a:t>é</a:t>
+            </a:r>
+            <a:r>
+              <a:rPr lang="en-US" altLang="zh-CN" b="1" kern="100" dirty="0">
+                <a:latin typeface="微软雅黑" panose="020B0503020204020204" pitchFamily="34" charset="-122"/>
+                <a:cs typeface="Times New Roman" panose="02020603050405020304" pitchFamily="18" charset="0"/>
+              </a:rPr>
+              <a:t>2016</a:t>
+            </a:r>
+            <a:r>
+              <a:rPr lang="zh-CN" altLang="zh-CN" b="1" kern="100" dirty="0">
+                <a:ea typeface="微软雅黑" panose="020B0503020204020204" pitchFamily="34" charset="-122"/>
+                <a:cs typeface="Times New Roman" panose="02020603050405020304" pitchFamily="18" charset="0"/>
+              </a:rPr>
+              <a:t>前必须彻底卸载低版本（非</a:t>
+            </a:r>
+            <a:r>
+              <a:rPr lang="en-US" altLang="zh-CN" b="1" kern="100" dirty="0">
+                <a:latin typeface="微软雅黑" panose="020B0503020204020204" pitchFamily="34" charset="-122"/>
+                <a:cs typeface="Times New Roman" panose="02020603050405020304" pitchFamily="18" charset="0"/>
+              </a:rPr>
+              <a:t>2016</a:t>
+            </a:r>
+            <a:r>
+              <a:rPr lang="zh-CN" altLang="zh-CN" b="1" kern="100" dirty="0">
+                <a:ea typeface="微软雅黑" panose="020B0503020204020204" pitchFamily="34" charset="-122"/>
+                <a:cs typeface="Times New Roman" panose="02020603050405020304" pitchFamily="18" charset="0"/>
+              </a:rPr>
+              <a:t>版）的数据库管理软件</a:t>
+            </a:r>
+            <a:r>
+              <a:rPr lang="zh-CN" altLang="en-US" b="1" kern="100" dirty="0">
+                <a:ea typeface="微软雅黑" panose="020B0503020204020204" pitchFamily="34" charset="-122"/>
+                <a:cs typeface="Times New Roman" panose="02020603050405020304" pitchFamily="18" charset="0"/>
+              </a:rPr>
+              <a:t>，</a:t>
+            </a:r>
+            <a:r>
+              <a:rPr lang="zh-CN" altLang="zh-CN" b="1" kern="100" dirty="0">
+                <a:ea typeface="微软雅黑" panose="020B0503020204020204" pitchFamily="34" charset="-122"/>
+                <a:cs typeface="Times New Roman" panose="02020603050405020304" pitchFamily="18" charset="0"/>
+              </a:rPr>
+              <a:t>卸载完成之后删除安装目录（如</a:t>
+            </a:r>
+            <a:r>
+              <a:rPr lang="en-US" altLang="zh-CN" b="1" kern="100" dirty="0">
+                <a:ea typeface="微软雅黑" panose="020B0503020204020204" pitchFamily="34" charset="-122"/>
+                <a:cs typeface="Times New Roman" panose="02020603050405020304" pitchFamily="18" charset="0"/>
+              </a:rPr>
+              <a:t>C:\intersystems</a:t>
+            </a:r>
+            <a:r>
+              <a:rPr lang="zh-CN" altLang="zh-CN" b="1" kern="100" dirty="0">
+                <a:ea typeface="微软雅黑" panose="020B0503020204020204" pitchFamily="34" charset="-122"/>
+                <a:cs typeface="Times New Roman" panose="02020603050405020304" pitchFamily="18" charset="0"/>
+              </a:rPr>
+              <a:t>）和</a:t>
+            </a:r>
+            <a:r>
+              <a:rPr lang="en-US" altLang="zh-CN" b="1" kern="100" dirty="0" err="1">
+                <a:ea typeface="微软雅黑" panose="020B0503020204020204" pitchFamily="34" charset="-122"/>
+                <a:cs typeface="Times New Roman" panose="02020603050405020304" pitchFamily="18" charset="0"/>
+              </a:rPr>
+              <a:t>csp</a:t>
+            </a:r>
+            <a:r>
+              <a:rPr lang="en-US" altLang="zh-CN" b="1" kern="100" dirty="0">
+                <a:ea typeface="微软雅黑" panose="020B0503020204020204" pitchFamily="34" charset="-122"/>
+                <a:cs typeface="Times New Roman" panose="02020603050405020304" pitchFamily="18" charset="0"/>
+              </a:rPr>
+              <a:t> gateway</a:t>
+            </a:r>
+            <a:r>
+              <a:rPr lang="zh-CN" altLang="zh-CN" b="1" kern="100" dirty="0">
+                <a:ea typeface="微软雅黑" panose="020B0503020204020204" pitchFamily="34" charset="-122"/>
+                <a:cs typeface="Times New Roman" panose="02020603050405020304" pitchFamily="18" charset="0"/>
+              </a:rPr>
+              <a:t>（文件在</a:t>
+            </a:r>
+            <a:r>
+              <a:rPr lang="en-US" altLang="zh-CN" b="1" kern="100" dirty="0">
+                <a:ea typeface="微软雅黑" panose="020B0503020204020204" pitchFamily="34" charset="-122"/>
+                <a:cs typeface="Times New Roman" panose="02020603050405020304" pitchFamily="18" charset="0"/>
+              </a:rPr>
+              <a:t>C:\inetpub\CSPGateway</a:t>
+            </a:r>
+            <a:r>
+              <a:rPr lang="zh-CN" altLang="zh-CN" b="1" kern="100" dirty="0">
+                <a:ea typeface="微软雅黑" panose="020B0503020204020204" pitchFamily="34" charset="-122"/>
+                <a:cs typeface="Times New Roman" panose="02020603050405020304" pitchFamily="18" charset="0"/>
+              </a:rPr>
+              <a:t>）</a:t>
+            </a:r>
+            <a:endParaRPr lang="zh-CN" altLang="en-US" b="1" kern="100" dirty="0">
+              <a:ea typeface="微软雅黑" panose="020B0503020204020204" pitchFamily="34" charset="-122"/>
+              <a:cs typeface="Times New Roman" panose="02020603050405020304" pitchFamily="18" charset="0"/>
+            </a:endParaRPr>
+          </a:p>
+        </p:txBody>
+      </p:sp>
+      <p:sp>
+        <p:nvSpPr>
+          <p:cNvPr id="7" name="矩形 6">
+            <a:extLst>
+              <a:ext uri="{FF2B5EF4-FFF2-40B4-BE49-F238E27FC236}">
+                <a16:creationId xmlns:a16="http://schemas.microsoft.com/office/drawing/2014/main" id="{E8DF1B31-542E-4ADD-8AE2-F72330564783}"/>
+              </a:ext>
+            </a:extLst>
+          </p:cNvPr>
+          <p:cNvSpPr/>
+          <p:nvPr/>
+        </p:nvSpPr>
+        <p:spPr>
+          <a:xfrm>
+            <a:off x="470712" y="2239262"/>
+            <a:ext cx="3440365" cy="829586"/>
+          </a:xfrm>
+          <a:prstGeom prst="rect">
+            <a:avLst/>
+          </a:prstGeom>
+        </p:spPr>
+        <p:txBody>
+          <a:bodyPr wrap="none">
+            <a:spAutoFit/>
+          </a:bodyPr>
+          <a:lstStyle/>
+          <a:p>
+            <a:pPr lvl="0" algn="just">
+              <a:lnSpc>
+                <a:spcPct val="240000"/>
+              </a:lnSpc>
+              <a:spcBef>
+                <a:spcPts val="1700"/>
+              </a:spcBef>
+              <a:spcAft>
+                <a:spcPts val="1650"/>
+              </a:spcAft>
+            </a:pPr>
+            <a:r>
+              <a:rPr lang="en-US" altLang="zh-CN" sz="2400" b="1" kern="100" dirty="0">
+                <a:latin typeface="Cambria" panose="02040503050406030204" pitchFamily="18" charset="0"/>
+                <a:ea typeface="华文中宋" panose="02010600040101010101" pitchFamily="2" charset="-122"/>
+              </a:rPr>
+              <a:t> 2.</a:t>
+            </a:r>
+            <a:r>
+              <a:rPr lang="zh-CN" altLang="en-US" sz="2400" b="1" kern="100" dirty="0">
+                <a:latin typeface="Cambria" panose="02040503050406030204" pitchFamily="18" charset="0"/>
+                <a:ea typeface="华文中宋" panose="02010600040101010101" pitchFamily="2" charset="-122"/>
+              </a:rPr>
+              <a:t> </a:t>
+            </a:r>
+            <a:r>
+              <a:rPr lang="en-US" altLang="zh-CN" sz="2400" b="1" kern="100" dirty="0">
+                <a:latin typeface="Cambria" panose="02040503050406030204" pitchFamily="18" charset="0"/>
+                <a:ea typeface="华文中宋" panose="02010600040101010101" pitchFamily="2" charset="-122"/>
+              </a:rPr>
+              <a:t>IIS</a:t>
+            </a:r>
+            <a:r>
+              <a:rPr lang="zh-CN" altLang="zh-CN" sz="2400" b="1" kern="100" dirty="0">
+                <a:latin typeface="Cambria" panose="02040503050406030204" pitchFamily="18" charset="0"/>
+                <a:ea typeface="华文中宋" panose="02010600040101010101" pitchFamily="2" charset="-122"/>
+              </a:rPr>
+              <a:t>安装</a:t>
+            </a:r>
+            <a:r>
+              <a:rPr lang="en-US" altLang="zh-CN" sz="2400" b="1" kern="100" dirty="0">
+                <a:latin typeface="Cambria" panose="02040503050406030204" pitchFamily="18" charset="0"/>
+                <a:ea typeface="华文中宋" panose="02010600040101010101" pitchFamily="2" charset="-122"/>
+              </a:rPr>
+              <a:t>(Win 10</a:t>
+            </a:r>
+            <a:r>
+              <a:rPr lang="zh-CN" altLang="en-US" sz="2400" b="1" kern="100" dirty="0">
+                <a:latin typeface="Cambria" panose="02040503050406030204" pitchFamily="18" charset="0"/>
+                <a:ea typeface="华文中宋" panose="02010600040101010101" pitchFamily="2" charset="-122"/>
+              </a:rPr>
+              <a:t>为例</a:t>
+            </a:r>
+            <a:r>
+              <a:rPr lang="en-US" altLang="zh-CN" sz="2400" b="1" kern="100" dirty="0">
+                <a:latin typeface="Cambria" panose="02040503050406030204" pitchFamily="18" charset="0"/>
+                <a:ea typeface="华文中宋" panose="02010600040101010101" pitchFamily="2" charset="-122"/>
+              </a:rPr>
+              <a:t>)</a:t>
+            </a:r>
+            <a:endParaRPr lang="zh-CN" altLang="zh-CN" sz="2400" b="1" kern="100" dirty="0">
+              <a:latin typeface="Cambria" panose="02040503050406030204" pitchFamily="18" charset="0"/>
+              <a:ea typeface="华文中宋" panose="02010600040101010101" pitchFamily="2" charset="-122"/>
+            </a:endParaRPr>
+          </a:p>
+        </p:txBody>
+      </p:sp>
+      <p:sp>
+        <p:nvSpPr>
+          <p:cNvPr id="8" name="矩形 7">
+            <a:extLst>
+              <a:ext uri="{FF2B5EF4-FFF2-40B4-BE49-F238E27FC236}">
+                <a16:creationId xmlns:a16="http://schemas.microsoft.com/office/drawing/2014/main" id="{A7528026-0033-475F-B8E7-40CFA004731F}"/>
+              </a:ext>
+            </a:extLst>
+          </p:cNvPr>
+          <p:cNvSpPr/>
+          <p:nvPr/>
+        </p:nvSpPr>
+        <p:spPr>
+          <a:xfrm>
+            <a:off x="808381" y="3106944"/>
+            <a:ext cx="10349949" cy="369332"/>
+          </a:xfrm>
+          <a:prstGeom prst="rect">
+            <a:avLst/>
+          </a:prstGeom>
+        </p:spPr>
+        <p:txBody>
+          <a:bodyPr wrap="square">
+            <a:spAutoFit/>
+          </a:bodyPr>
+          <a:lstStyle/>
+          <a:p>
+            <a:pPr algn="just">
+              <a:spcAft>
+                <a:spcPts val="0"/>
+              </a:spcAft>
+            </a:pPr>
+            <a:r>
+              <a:rPr lang="en-US" altLang="zh-CN" kern="100" dirty="0">
+                <a:latin typeface="Times New Roman" panose="02020603050405020304" pitchFamily="18" charset="0"/>
+                <a:ea typeface="微软雅黑" panose="020B0503020204020204" pitchFamily="34" charset="-122"/>
+              </a:rPr>
+              <a:t>2.1</a:t>
+            </a:r>
+            <a:r>
+              <a:rPr lang="zh-CN" altLang="en-US" kern="100" dirty="0">
+                <a:latin typeface="Times New Roman" panose="02020603050405020304" pitchFamily="18" charset="0"/>
+                <a:ea typeface="微软雅黑" panose="020B0503020204020204" pitchFamily="34" charset="-122"/>
+              </a:rPr>
+              <a:t>、</a:t>
+            </a:r>
+            <a:r>
+              <a:rPr lang="zh-CN" altLang="zh-CN" kern="100" dirty="0">
+                <a:latin typeface="Times New Roman" panose="02020603050405020304" pitchFamily="18" charset="0"/>
+                <a:ea typeface="微软雅黑" panose="020B0503020204020204" pitchFamily="34" charset="-122"/>
+              </a:rPr>
+              <a:t>检查是否安装了</a:t>
+            </a:r>
+            <a:r>
+              <a:rPr lang="en-US" altLang="zh-CN" kern="100" dirty="0">
+                <a:latin typeface="Times New Roman" panose="02020603050405020304" pitchFamily="18" charset="0"/>
+                <a:ea typeface="微软雅黑" panose="020B0503020204020204" pitchFamily="34" charset="-122"/>
+              </a:rPr>
+              <a:t>IIS</a:t>
+            </a:r>
+            <a:r>
+              <a:rPr lang="zh-CN" altLang="zh-CN" kern="100" dirty="0">
+                <a:latin typeface="Times New Roman" panose="02020603050405020304" pitchFamily="18" charset="0"/>
+                <a:ea typeface="微软雅黑" panose="020B0503020204020204" pitchFamily="34" charset="-122"/>
+              </a:rPr>
+              <a:t>，可在</a:t>
+            </a:r>
+            <a:r>
+              <a:rPr lang="zh-CN" altLang="en-US" kern="100" dirty="0">
+                <a:latin typeface="Times New Roman" panose="02020603050405020304" pitchFamily="18" charset="0"/>
+                <a:ea typeface="微软雅黑" panose="020B0503020204020204" pitchFamily="34" charset="-122"/>
+              </a:rPr>
+              <a:t>”控制面板</a:t>
+            </a:r>
+            <a:r>
+              <a:rPr lang="en-US" altLang="zh-CN" kern="100" dirty="0">
+                <a:latin typeface="Times New Roman" panose="02020603050405020304" pitchFamily="18" charset="0"/>
+                <a:ea typeface="微软雅黑" panose="020B0503020204020204" pitchFamily="34" charset="-122"/>
+              </a:rPr>
+              <a:t>\</a:t>
+            </a:r>
+            <a:r>
+              <a:rPr lang="zh-CN" altLang="en-US" kern="100" dirty="0">
+                <a:latin typeface="Times New Roman" panose="02020603050405020304" pitchFamily="18" charset="0"/>
+                <a:ea typeface="微软雅黑" panose="020B0503020204020204" pitchFamily="34" charset="-122"/>
+              </a:rPr>
+              <a:t>系统和安全</a:t>
+            </a:r>
+            <a:r>
+              <a:rPr lang="en-US" altLang="zh-CN" kern="100" dirty="0">
+                <a:latin typeface="Times New Roman" panose="02020603050405020304" pitchFamily="18" charset="0"/>
+                <a:ea typeface="微软雅黑" panose="020B0503020204020204" pitchFamily="34" charset="-122"/>
+              </a:rPr>
+              <a:t>\</a:t>
+            </a:r>
+            <a:r>
+              <a:rPr lang="zh-CN" altLang="en-US" kern="100" dirty="0">
+                <a:latin typeface="Times New Roman" panose="02020603050405020304" pitchFamily="18" charset="0"/>
+                <a:ea typeface="微软雅黑" panose="020B0503020204020204" pitchFamily="34" charset="-122"/>
+              </a:rPr>
+              <a:t>管理工具“</a:t>
+            </a:r>
+            <a:r>
+              <a:rPr lang="zh-CN" altLang="zh-CN" kern="100" dirty="0">
+                <a:latin typeface="Times New Roman" panose="02020603050405020304" pitchFamily="18" charset="0"/>
+                <a:ea typeface="微软雅黑" panose="020B0503020204020204" pitchFamily="34" charset="-122"/>
+              </a:rPr>
+              <a:t>中查看，如下图所示</a:t>
+            </a:r>
+            <a:endParaRPr lang="zh-CN" altLang="zh-CN" kern="100" dirty="0">
+              <a:latin typeface="Times New Roman" panose="02020603050405020304" pitchFamily="18" charset="0"/>
+            </a:endParaRPr>
+          </a:p>
+        </p:txBody>
+      </p:sp>
+      <p:pic>
+        <p:nvPicPr>
+          <p:cNvPr id="9" name="图片 8" descr="IMG_256">
+            <a:extLst>
+              <a:ext uri="{FF2B5EF4-FFF2-40B4-BE49-F238E27FC236}">
+                <a16:creationId xmlns:a16="http://schemas.microsoft.com/office/drawing/2014/main" id="{8C77A519-27CD-45D9-BDF5-B43AE678AF74}"/>
+              </a:ext>
+            </a:extLst>
+          </p:cNvPr>
+          <p:cNvPicPr/>
+          <p:nvPr/>
+        </p:nvPicPr>
+        <p:blipFill>
+          <a:blip r:embed="rId2"/>
+          <a:stretch>
+            <a:fillRect/>
+          </a:stretch>
+        </p:blipFill>
+        <p:spPr>
+          <a:xfrm>
+            <a:off x="1536729" y="3540760"/>
+            <a:ext cx="5221880" cy="2502832"/>
+          </a:xfrm>
+          <a:prstGeom prst="rect">
+            <a:avLst/>
+          </a:prstGeom>
+          <a:noFill/>
+          <a:ln w="9525">
             <a:noFill/>
           </a:ln>
-          <a:extLst>
-            <a:ext uri="{909E8E84-426E-40DD-AFC4-6F175D3DCCD1}">
-              <a14:hiddenFill xmlns:a14="http://schemas.microsoft.com/office/drawing/2010/main">
-                <a:solidFill>
-                  <a:srgbClr val="FFFFFF"/>
-                </a:solidFill>
-              </a14:hiddenFill>
-            </a:ext>
-            <a:ext uri="{91240B29-F687-4F45-9708-019B960494DF}">
-              <a14:hiddenLine xmlns:a14="http://schemas.microsoft.com/office/drawing/2010/main" w="9525">
-                <a:solidFill>
-                  <a:srgbClr val="000000"/>
-                </a:solidFill>
-                <a:miter lim="800000"/>
-                <a:headEnd/>
-                <a:tailEnd/>
-              </a14:hiddenLine>
-            </a:ext>
-          </a:extLst>
         </p:spPr>
       </p:pic>
     </p:spTree>
     <p:extLst>
       <p:ext uri="{BB962C8B-B14F-4D97-AF65-F5344CB8AC3E}">
-        <p14:creationId xmlns:p14="http://schemas.microsoft.com/office/powerpoint/2010/main" val="1606723855"/>
+        <p14:creationId xmlns:p14="http://schemas.microsoft.com/office/powerpoint/2010/main" val="3917499256"/>
       </p:ext>
     </p:extLst>
   </p:cSld>
@@ -7997,24 +8872,38 @@
       </p:grpSpPr>
       <p:sp>
         <p:nvSpPr>
-          <p:cNvPr id="5" name="标题 4">
-            <a:extLst>
-              <a:ext uri="{FF2B5EF4-FFF2-40B4-BE49-F238E27FC236}">
-                <a16:creationId xmlns:a16="http://schemas.microsoft.com/office/drawing/2014/main" id="{E9767282-F663-4E07-B4F0-C96545915A62}"/>
-              </a:ext>
-            </a:extLst>
-          </p:cNvPr>
-          <p:cNvSpPr txBox="1">
+          <p:cNvPr id="2" name="灯片编号占位符 1"/>
+          <p:cNvSpPr>
             <a:spLocks noGrp="1"/>
           </p:cNvSpPr>
           <p:nvPr>
-            <p:ph type="title"/>
+            <p:ph type="sldNum" sz="quarter" idx="4"/>
           </p:nvPr>
         </p:nvSpPr>
+        <p:spPr/>
+        <p:txBody>
+          <a:bodyPr/>
+          <a:lstStyle/>
+          <a:p>
+            <a:fld id="{9DEDB23E-2FB9-47E7-B867-886262ECB867}" type="slidenum">
+              <a:rPr lang="en-US" smtClean="0"/>
+              <a:pPr/>
+              <a:t>4</a:t>
+            </a:fld>
+            <a:endParaRPr lang="en-US" dirty="0"/>
+          </a:p>
+        </p:txBody>
+      </p:sp>
+      <p:sp>
+        <p:nvSpPr>
+          <p:cNvPr id="5" name="文本框 4"/>
+          <p:cNvSpPr txBox="1"/>
+          <p:nvPr/>
+        </p:nvSpPr>
         <p:spPr>
           <a:xfrm>
-            <a:off x="569913" y="397234"/>
-            <a:ext cx="6581775" cy="424732"/>
+            <a:off x="515154" y="373487"/>
+            <a:ext cx="3644721" cy="461665"/>
           </a:xfrm>
           <a:prstGeom prst="rect">
             <a:avLst/>
@@ -8022,7 +8911,7 @@
           <a:noFill/>
         </p:spPr>
         <p:txBody>
-          <a:bodyPr vert="horz" wrap="square" lIns="91440" tIns="45720" rIns="91440" bIns="45720" rtlCol="0" anchor="ctr">
+          <a:bodyPr wrap="square" rtlCol="0">
             <a:spAutoFit/>
           </a:bodyPr>
           <a:lstStyle/>
@@ -8032,463 +8921,40 @@
                 <a:solidFill>
                   <a:srgbClr val="1C4885"/>
                 </a:solidFill>
-              </a:rPr>
-              <a:t>1. Global</a:t>
+                <a:latin typeface="微软雅黑" panose="020B0503020204020204" pitchFamily="34" charset="-122"/>
+                <a:ea typeface="微软雅黑" panose="020B0503020204020204" pitchFamily="34" charset="-122"/>
+              </a:rPr>
+              <a:t>1. </a:t>
+            </a:r>
+            <a:r>
+              <a:rPr lang="en-US" altLang="zh-CN" sz="2400" b="1" dirty="0" err="1">
+                <a:solidFill>
+                  <a:srgbClr val="1C4885"/>
+                </a:solidFill>
+                <a:latin typeface="微软雅黑" panose="020B0503020204020204" pitchFamily="34" charset="-122"/>
+                <a:ea typeface="微软雅黑" panose="020B0503020204020204" pitchFamily="34" charset="-122"/>
+              </a:rPr>
+              <a:t>Caché</a:t>
             </a:r>
             <a:r>
               <a:rPr lang="zh-CN" altLang="en-US" sz="2400" b="1" dirty="0">
                 <a:solidFill>
                   <a:srgbClr val="1C4885"/>
                 </a:solidFill>
-              </a:rPr>
-              <a:t>的多维存储</a:t>
+                <a:latin typeface="微软雅黑" panose="020B0503020204020204" pitchFamily="34" charset="-122"/>
+                <a:ea typeface="微软雅黑" panose="020B0503020204020204" pitchFamily="34" charset="-122"/>
+              </a:rPr>
+              <a:t>的安装</a:t>
             </a:r>
           </a:p>
         </p:txBody>
       </p:sp>
       <p:sp>
         <p:nvSpPr>
-          <p:cNvPr id="6" name="内容占位符 2">
+          <p:cNvPr id="7" name="矩形 6">
             <a:extLst>
               <a:ext uri="{FF2B5EF4-FFF2-40B4-BE49-F238E27FC236}">
-                <a16:creationId xmlns:a16="http://schemas.microsoft.com/office/drawing/2014/main" id="{08522F1E-14E5-4FD8-9AF7-A113BD934F58}"/>
-              </a:ext>
-            </a:extLst>
-          </p:cNvPr>
-          <p:cNvSpPr txBox="1">
-            <a:spLocks/>
-          </p:cNvSpPr>
-          <p:nvPr/>
-        </p:nvSpPr>
-        <p:spPr>
-          <a:xfrm>
-            <a:off x="828261" y="1568380"/>
-            <a:ext cx="11005930" cy="5554663"/>
-          </a:xfrm>
-          <a:prstGeom prst="rect">
-            <a:avLst/>
-          </a:prstGeom>
-        </p:spPr>
-        <p:txBody>
-          <a:bodyPr vert="horz" lIns="91440" tIns="45720" rIns="91440" bIns="45720" rtlCol="0">
-            <a:normAutofit/>
-          </a:bodyPr>
-          <a:lstStyle>
-            <a:lvl1pPr marL="228600" indent="-228600" algn="l" defTabSz="914400" rtl="0" eaLnBrk="1" latinLnBrk="0" hangingPunct="1">
-              <a:lnSpc>
-                <a:spcPct val="90000"/>
-              </a:lnSpc>
-              <a:spcBef>
-                <a:spcPts val="1000"/>
-              </a:spcBef>
-              <a:buFont typeface="Arial" panose="020B0604020202020204" pitchFamily="34" charset="0"/>
-              <a:buChar char="•"/>
-              <a:defRPr sz="2800" kern="1200">
-                <a:solidFill>
-                  <a:schemeClr val="tx1"/>
-                </a:solidFill>
-                <a:latin typeface="+mn-lt"/>
-                <a:ea typeface="+mn-ea"/>
-                <a:cs typeface="+mn-cs"/>
-              </a:defRPr>
-            </a:lvl1pPr>
-            <a:lvl2pPr marL="685800" indent="-228600" algn="l" defTabSz="914400" rtl="0" eaLnBrk="1" latinLnBrk="0" hangingPunct="1">
-              <a:lnSpc>
-                <a:spcPct val="90000"/>
-              </a:lnSpc>
-              <a:spcBef>
-                <a:spcPts val="500"/>
-              </a:spcBef>
-              <a:buFont typeface="Arial" panose="020B0604020202020204" pitchFamily="34" charset="0"/>
-              <a:buChar char="•"/>
-              <a:defRPr sz="2400" kern="1200">
-                <a:solidFill>
-                  <a:schemeClr val="tx1"/>
-                </a:solidFill>
-                <a:latin typeface="+mn-lt"/>
-                <a:ea typeface="+mn-ea"/>
-                <a:cs typeface="+mn-cs"/>
-              </a:defRPr>
-            </a:lvl2pPr>
-            <a:lvl3pPr marL="1143000" indent="-228600" algn="l" defTabSz="914400" rtl="0" eaLnBrk="1" latinLnBrk="0" hangingPunct="1">
-              <a:lnSpc>
-                <a:spcPct val="90000"/>
-              </a:lnSpc>
-              <a:spcBef>
-                <a:spcPts val="500"/>
-              </a:spcBef>
-              <a:buFont typeface="Arial" panose="020B0604020202020204" pitchFamily="34" charset="0"/>
-              <a:buChar char="•"/>
-              <a:defRPr sz="2000" kern="1200">
-                <a:solidFill>
-                  <a:schemeClr val="tx1"/>
-                </a:solidFill>
-                <a:latin typeface="+mn-lt"/>
-                <a:ea typeface="+mn-ea"/>
-                <a:cs typeface="+mn-cs"/>
-              </a:defRPr>
-            </a:lvl3pPr>
-            <a:lvl4pPr marL="1600200" indent="-228600" algn="l" defTabSz="914400" rtl="0" eaLnBrk="1" latinLnBrk="0" hangingPunct="1">
-              <a:lnSpc>
-                <a:spcPct val="90000"/>
-              </a:lnSpc>
-              <a:spcBef>
-                <a:spcPts val="500"/>
-              </a:spcBef>
-              <a:buFont typeface="Arial" panose="020B0604020202020204" pitchFamily="34" charset="0"/>
-              <a:buChar char="•"/>
-              <a:defRPr sz="1800" kern="1200">
-                <a:solidFill>
-                  <a:schemeClr val="tx1"/>
-                </a:solidFill>
-                <a:latin typeface="+mn-lt"/>
-                <a:ea typeface="+mn-ea"/>
-                <a:cs typeface="+mn-cs"/>
-              </a:defRPr>
-            </a:lvl4pPr>
-            <a:lvl5pPr marL="2057400" indent="-228600" algn="l" defTabSz="914400" rtl="0" eaLnBrk="1" latinLnBrk="0" hangingPunct="1">
-              <a:lnSpc>
-                <a:spcPct val="90000"/>
-              </a:lnSpc>
-              <a:spcBef>
-                <a:spcPts val="500"/>
-              </a:spcBef>
-              <a:buFont typeface="Arial" panose="020B0604020202020204" pitchFamily="34" charset="0"/>
-              <a:buChar char="•"/>
-              <a:defRPr sz="1800" kern="1200">
-                <a:solidFill>
-                  <a:schemeClr val="tx1"/>
-                </a:solidFill>
-                <a:latin typeface="+mn-lt"/>
-                <a:ea typeface="+mn-ea"/>
-                <a:cs typeface="+mn-cs"/>
-              </a:defRPr>
-            </a:lvl5pPr>
-            <a:lvl6pPr marL="2514600" indent="-228600" algn="l" defTabSz="914400" rtl="0" eaLnBrk="1" latinLnBrk="0" hangingPunct="1">
-              <a:lnSpc>
-                <a:spcPct val="90000"/>
-              </a:lnSpc>
-              <a:spcBef>
-                <a:spcPts val="500"/>
-              </a:spcBef>
-              <a:buFont typeface="Arial" panose="020B0604020202020204" pitchFamily="34" charset="0"/>
-              <a:buChar char="•"/>
-              <a:defRPr sz="1800" kern="1200">
-                <a:solidFill>
-                  <a:schemeClr val="tx1"/>
-                </a:solidFill>
-                <a:latin typeface="+mn-lt"/>
-                <a:ea typeface="+mn-ea"/>
-                <a:cs typeface="+mn-cs"/>
-              </a:defRPr>
-            </a:lvl6pPr>
-            <a:lvl7pPr marL="2971800" indent="-228600" algn="l" defTabSz="914400" rtl="0" eaLnBrk="1" latinLnBrk="0" hangingPunct="1">
-              <a:lnSpc>
-                <a:spcPct val="90000"/>
-              </a:lnSpc>
-              <a:spcBef>
-                <a:spcPts val="500"/>
-              </a:spcBef>
-              <a:buFont typeface="Arial" panose="020B0604020202020204" pitchFamily="34" charset="0"/>
-              <a:buChar char="•"/>
-              <a:defRPr sz="1800" kern="1200">
-                <a:solidFill>
-                  <a:schemeClr val="tx1"/>
-                </a:solidFill>
-                <a:latin typeface="+mn-lt"/>
-                <a:ea typeface="+mn-ea"/>
-                <a:cs typeface="+mn-cs"/>
-              </a:defRPr>
-            </a:lvl7pPr>
-            <a:lvl8pPr marL="3429000" indent="-228600" algn="l" defTabSz="914400" rtl="0" eaLnBrk="1" latinLnBrk="0" hangingPunct="1">
-              <a:lnSpc>
-                <a:spcPct val="90000"/>
-              </a:lnSpc>
-              <a:spcBef>
-                <a:spcPts val="500"/>
-              </a:spcBef>
-              <a:buFont typeface="Arial" panose="020B0604020202020204" pitchFamily="34" charset="0"/>
-              <a:buChar char="•"/>
-              <a:defRPr sz="1800" kern="1200">
-                <a:solidFill>
-                  <a:schemeClr val="tx1"/>
-                </a:solidFill>
-                <a:latin typeface="+mn-lt"/>
-                <a:ea typeface="+mn-ea"/>
-                <a:cs typeface="+mn-cs"/>
-              </a:defRPr>
-            </a:lvl8pPr>
-            <a:lvl9pPr marL="3886200" indent="-228600" algn="l" defTabSz="914400" rtl="0" eaLnBrk="1" latinLnBrk="0" hangingPunct="1">
-              <a:lnSpc>
-                <a:spcPct val="90000"/>
-              </a:lnSpc>
-              <a:spcBef>
-                <a:spcPts val="500"/>
-              </a:spcBef>
-              <a:buFont typeface="Arial" panose="020B0604020202020204" pitchFamily="34" charset="0"/>
-              <a:buChar char="•"/>
-              <a:defRPr sz="1800" kern="1200">
-                <a:solidFill>
-                  <a:schemeClr val="tx1"/>
-                </a:solidFill>
-                <a:latin typeface="+mn-lt"/>
-                <a:ea typeface="+mn-ea"/>
-                <a:cs typeface="+mn-cs"/>
-              </a:defRPr>
-            </a:lvl9pPr>
-          </a:lstStyle>
-          <a:p>
-            <a:pPr marL="0" indent="0">
-              <a:buNone/>
-            </a:pPr>
-            <a:r>
-              <a:rPr lang="en-US" altLang="zh-CN" sz="2200" dirty="0"/>
-              <a:t>Global</a:t>
-            </a:r>
-            <a:r>
-              <a:rPr lang="zh-CN" altLang="en-US" sz="2200" dirty="0"/>
-              <a:t>以如下形式表示：</a:t>
-            </a:r>
-            <a:r>
-              <a:rPr lang="en-US" altLang="zh-CN" sz="2200" dirty="0"/>
-              <a:t>^</a:t>
-            </a:r>
-            <a:r>
-              <a:rPr lang="zh-CN" altLang="en-US" sz="2200" dirty="0"/>
-              <a:t>名称</a:t>
-            </a:r>
-            <a:r>
-              <a:rPr lang="en-US" altLang="zh-CN" sz="2200" dirty="0"/>
-              <a:t>(</a:t>
-            </a:r>
-            <a:r>
-              <a:rPr lang="zh-CN" altLang="en-US" sz="2200" dirty="0"/>
-              <a:t>下标</a:t>
-            </a:r>
-            <a:r>
-              <a:rPr lang="en-US" altLang="zh-CN" sz="2200" dirty="0"/>
-              <a:t>1,</a:t>
-            </a:r>
-            <a:r>
-              <a:rPr lang="zh-CN" altLang="en-US" sz="2200" dirty="0"/>
-              <a:t>下标</a:t>
-            </a:r>
-            <a:r>
-              <a:rPr lang="en-US" altLang="zh-CN" sz="2200" dirty="0"/>
-              <a:t>2,</a:t>
-            </a:r>
-            <a:r>
-              <a:rPr lang="zh-CN" altLang="en-US" sz="2200" dirty="0"/>
-              <a:t>下标</a:t>
-            </a:r>
-            <a:r>
-              <a:rPr lang="en-US" altLang="zh-CN" sz="2200" dirty="0"/>
-              <a:t>3…)=</a:t>
-            </a:r>
-            <a:r>
-              <a:rPr lang="zh-CN" altLang="en-US" sz="2200" dirty="0"/>
-              <a:t>值</a:t>
-            </a:r>
-          </a:p>
-          <a:p>
-            <a:pPr marL="0" indent="0">
-              <a:buNone/>
-            </a:pPr>
-            <a:r>
-              <a:rPr lang="zh-CN" altLang="en-US" sz="2200" dirty="0"/>
-              <a:t>如</a:t>
-            </a:r>
-            <a:r>
-              <a:rPr lang="en-US" altLang="zh-CN" sz="2200" dirty="0"/>
-              <a:t> ^</a:t>
-            </a:r>
-            <a:r>
-              <a:rPr lang="en-US" altLang="zh-CN" sz="2200" dirty="0" err="1"/>
-              <a:t>AirPlane</a:t>
-            </a:r>
-            <a:r>
-              <a:rPr lang="en-US" altLang="zh-CN" sz="2200" dirty="0"/>
-              <a:t>(“</a:t>
-            </a:r>
-            <a:r>
-              <a:rPr lang="en-US" altLang="zh-CN" sz="2200" dirty="0" err="1"/>
-              <a:t>Manufacturer”,“Address”,“Country</a:t>
-            </a:r>
-            <a:r>
-              <a:rPr lang="en-US" altLang="zh-CN" sz="2200" dirty="0"/>
-              <a:t>”)=“US” </a:t>
-            </a:r>
-          </a:p>
-          <a:p>
-            <a:pPr marL="0" indent="0">
-              <a:buNone/>
-            </a:pPr>
-            <a:r>
-              <a:rPr lang="zh-CN" altLang="en-US" sz="2200" dirty="0"/>
-              <a:t>我们可以自己定制</a:t>
-            </a:r>
-            <a:r>
-              <a:rPr lang="en-US" altLang="zh-CN" sz="2200" dirty="0"/>
-              <a:t>Global</a:t>
-            </a:r>
-            <a:r>
-              <a:rPr lang="zh-CN" altLang="en-US" sz="2200" dirty="0"/>
-              <a:t>，包括添加、删除、修改、遍历其节点。</a:t>
-            </a:r>
-          </a:p>
-          <a:p>
-            <a:pPr marL="0" indent="0">
-              <a:buNone/>
-            </a:pPr>
-            <a:r>
-              <a:rPr lang="zh-CN" altLang="en-US" sz="2200" dirty="0"/>
-              <a:t>多维数组以树状的形式保存，他的每一个节点直接与磁盘和内存中的数据块相对应，因此可以达到极快的访问速度。在此基础上，我们将多维数组映射成对象或者关系型的格式，分别由面向对象的接口或基于</a:t>
-            </a:r>
-            <a:r>
-              <a:rPr lang="en-US" altLang="zh-CN" sz="2200" dirty="0"/>
-              <a:t>SQL</a:t>
-            </a:r>
-            <a:r>
-              <a:rPr lang="zh-CN" altLang="en-US" sz="2200" dirty="0"/>
-              <a:t>的接口进行访问。</a:t>
-            </a:r>
-          </a:p>
-          <a:p>
-            <a:pPr>
-              <a:buFontTx/>
-              <a:buNone/>
-            </a:pPr>
-            <a:r>
-              <a:rPr lang="zh-CN" altLang="en-US" sz="2000" b="1" dirty="0"/>
-              <a:t>多维数组以树状的形式保存</a:t>
-            </a:r>
-            <a:r>
-              <a:rPr lang="en-US" altLang="zh-CN" sz="2000" dirty="0"/>
-              <a:t>,</a:t>
-            </a:r>
-            <a:r>
-              <a:rPr lang="zh-CN" altLang="en-US" sz="2000" dirty="0"/>
-              <a:t>如下例：</a:t>
-            </a:r>
-          </a:p>
-          <a:p>
-            <a:pPr marL="0" indent="0">
-              <a:buNone/>
-            </a:pPr>
-            <a:r>
-              <a:rPr lang="en-US" altLang="zh-CN" sz="2200" dirty="0"/>
-              <a:t>Global</a:t>
-            </a:r>
-            <a:r>
-              <a:rPr lang="zh-CN" altLang="en-US" sz="2200" dirty="0"/>
-              <a:t>以如下形式表示：</a:t>
-            </a:r>
-            <a:r>
-              <a:rPr lang="en-US" altLang="zh-CN" sz="2200" dirty="0"/>
-              <a:t>^</a:t>
-            </a:r>
-            <a:r>
-              <a:rPr lang="zh-CN" altLang="en-US" sz="2200" dirty="0"/>
-              <a:t>名称</a:t>
-            </a:r>
-            <a:r>
-              <a:rPr lang="en-US" altLang="zh-CN" sz="2200" dirty="0"/>
-              <a:t>(</a:t>
-            </a:r>
-            <a:r>
-              <a:rPr lang="zh-CN" altLang="en-US" sz="2200" dirty="0"/>
-              <a:t>下标</a:t>
-            </a:r>
-            <a:r>
-              <a:rPr lang="en-US" altLang="zh-CN" sz="2200" dirty="0"/>
-              <a:t>1,</a:t>
-            </a:r>
-            <a:r>
-              <a:rPr lang="zh-CN" altLang="en-US" sz="2200" dirty="0"/>
-              <a:t>下标</a:t>
-            </a:r>
-            <a:r>
-              <a:rPr lang="en-US" altLang="zh-CN" sz="2200" dirty="0"/>
-              <a:t>2,</a:t>
-            </a:r>
-            <a:r>
-              <a:rPr lang="zh-CN" altLang="en-US" sz="2200" dirty="0"/>
-              <a:t>下标</a:t>
-            </a:r>
-            <a:r>
-              <a:rPr lang="en-US" altLang="zh-CN" sz="2200" dirty="0"/>
-              <a:t>3…)=</a:t>
-            </a:r>
-            <a:r>
-              <a:rPr lang="zh-CN" altLang="en-US" sz="2200" dirty="0"/>
-              <a:t>值</a:t>
-            </a:r>
-          </a:p>
-          <a:p>
-            <a:pPr>
-              <a:buFontTx/>
-              <a:buNone/>
-            </a:pPr>
-            <a:r>
-              <a:rPr lang="zh-CN" altLang="en-US" sz="2200" dirty="0"/>
-              <a:t>       </a:t>
-            </a:r>
-            <a:r>
-              <a:rPr lang="en-US" altLang="zh-CN" sz="2200" dirty="0"/>
-              <a:t>SET ^Y(3,6,7)="third"</a:t>
-            </a:r>
-          </a:p>
-          <a:p>
-            <a:pPr>
-              <a:buFontTx/>
-              <a:buNone/>
-            </a:pPr>
-            <a:r>
-              <a:rPr lang="en-US" altLang="zh-CN" sz="2200" dirty="0"/>
-              <a:t>       SET ^Y(3,6,8)="fourth"</a:t>
-            </a:r>
-          </a:p>
-          <a:p>
-            <a:pPr>
-              <a:buFontTx/>
-              <a:buNone/>
-            </a:pPr>
-            <a:r>
-              <a:rPr lang="en-US" altLang="zh-CN" sz="2200" dirty="0"/>
-              <a:t>       SET ^Y(3,6,7,8,4)="fifth"</a:t>
-            </a:r>
-          </a:p>
-          <a:p>
-            <a:pPr>
-              <a:buFontTx/>
-              <a:buNone/>
-            </a:pPr>
-            <a:r>
-              <a:rPr lang="en-US" altLang="zh-CN" sz="2200" dirty="0"/>
-              <a:t>	  SET ^Y(3,6,7,8,9)="sixth"</a:t>
-            </a:r>
-          </a:p>
-          <a:p>
-            <a:pPr>
-              <a:buFontTx/>
-              <a:buNone/>
-            </a:pPr>
-            <a:r>
-              <a:rPr lang="en-US" altLang="zh-CN" sz="2200" dirty="0"/>
-              <a:t> </a:t>
-            </a:r>
-          </a:p>
-          <a:p>
-            <a:endParaRPr lang="en-US" altLang="zh-CN" sz="2400" dirty="0"/>
-          </a:p>
-        </p:txBody>
-      </p:sp>
-      <p:sp>
-        <p:nvSpPr>
-          <p:cNvPr id="2" name="矩形 1">
-            <a:extLst>
-              <a:ext uri="{FF2B5EF4-FFF2-40B4-BE49-F238E27FC236}">
-                <a16:creationId xmlns:a16="http://schemas.microsoft.com/office/drawing/2014/main" id="{D8C26D48-793F-4A4A-B07F-D5225324F6FB}"/>
+                <a16:creationId xmlns:a16="http://schemas.microsoft.com/office/drawing/2014/main" id="{E8DF1B31-542E-4ADD-8AE2-F72330564783}"/>
               </a:ext>
             </a:extLst>
           </p:cNvPr>
@@ -8497,8 +8963,102 @@
         </p:nvSpPr>
         <p:spPr>
           <a:xfrm>
-            <a:off x="756478" y="982807"/>
-            <a:ext cx="6208644" cy="424732"/>
+            <a:off x="461622" y="899636"/>
+            <a:ext cx="3440365" cy="829586"/>
+          </a:xfrm>
+          <a:prstGeom prst="rect">
+            <a:avLst/>
+          </a:prstGeom>
+        </p:spPr>
+        <p:txBody>
+          <a:bodyPr wrap="none">
+            <a:spAutoFit/>
+          </a:bodyPr>
+          <a:lstStyle/>
+          <a:p>
+            <a:pPr lvl="0" algn="just">
+              <a:lnSpc>
+                <a:spcPct val="240000"/>
+              </a:lnSpc>
+              <a:spcBef>
+                <a:spcPts val="1700"/>
+              </a:spcBef>
+              <a:spcAft>
+                <a:spcPts val="1650"/>
+              </a:spcAft>
+            </a:pPr>
+            <a:r>
+              <a:rPr lang="en-US" altLang="zh-CN" sz="2400" b="1" kern="100" dirty="0">
+                <a:latin typeface="Cambria" panose="02040503050406030204" pitchFamily="18" charset="0"/>
+                <a:ea typeface="华文中宋" panose="02010600040101010101" pitchFamily="2" charset="-122"/>
+              </a:rPr>
+              <a:t> 2.</a:t>
+            </a:r>
+            <a:r>
+              <a:rPr lang="zh-CN" altLang="en-US" sz="2400" b="1" kern="100" dirty="0">
+                <a:latin typeface="Cambria" panose="02040503050406030204" pitchFamily="18" charset="0"/>
+                <a:ea typeface="华文中宋" panose="02010600040101010101" pitchFamily="2" charset="-122"/>
+              </a:rPr>
+              <a:t> </a:t>
+            </a:r>
+            <a:r>
+              <a:rPr lang="en-US" altLang="zh-CN" sz="2400" b="1" kern="100" dirty="0">
+                <a:latin typeface="Cambria" panose="02040503050406030204" pitchFamily="18" charset="0"/>
+                <a:ea typeface="华文中宋" panose="02010600040101010101" pitchFamily="2" charset="-122"/>
+              </a:rPr>
+              <a:t>IIS</a:t>
+            </a:r>
+            <a:r>
+              <a:rPr lang="zh-CN" altLang="zh-CN" sz="2400" b="1" kern="100" dirty="0">
+                <a:latin typeface="Cambria" panose="02040503050406030204" pitchFamily="18" charset="0"/>
+                <a:ea typeface="华文中宋" panose="02010600040101010101" pitchFamily="2" charset="-122"/>
+              </a:rPr>
+              <a:t>安装</a:t>
+            </a:r>
+            <a:r>
+              <a:rPr lang="en-US" altLang="zh-CN" sz="2400" b="1" kern="100" dirty="0">
+                <a:latin typeface="Cambria" panose="02040503050406030204" pitchFamily="18" charset="0"/>
+                <a:ea typeface="华文中宋" panose="02010600040101010101" pitchFamily="2" charset="-122"/>
+              </a:rPr>
+              <a:t>(Win 10</a:t>
+            </a:r>
+            <a:r>
+              <a:rPr lang="zh-CN" altLang="en-US" sz="2400" b="1" kern="100" dirty="0">
+                <a:latin typeface="Cambria" panose="02040503050406030204" pitchFamily="18" charset="0"/>
+                <a:ea typeface="华文中宋" panose="02010600040101010101" pitchFamily="2" charset="-122"/>
+              </a:rPr>
+              <a:t>为例</a:t>
+            </a:r>
+            <a:r>
+              <a:rPr lang="en-US" altLang="zh-CN" sz="2400" b="1" kern="100" dirty="0">
+                <a:latin typeface="Cambria" panose="02040503050406030204" pitchFamily="18" charset="0"/>
+                <a:ea typeface="华文中宋" panose="02010600040101010101" pitchFamily="2" charset="-122"/>
+              </a:rPr>
+              <a:t>)</a:t>
+            </a:r>
+            <a:endParaRPr lang="zh-CN" altLang="zh-CN" sz="2400" b="1" kern="100" dirty="0">
+              <a:latin typeface="Cambria" panose="02040503050406030204" pitchFamily="18" charset="0"/>
+              <a:ea typeface="华文中宋" panose="02010600040101010101" pitchFamily="2" charset="-122"/>
+            </a:endParaRPr>
+          </a:p>
+        </p:txBody>
+      </p:sp>
+      <p:sp>
+        <p:nvSpPr>
+          <p:cNvPr id="10" name="矩形 9">
+            <a:extLst>
+              <a:ext uri="{FF2B5EF4-FFF2-40B4-BE49-F238E27FC236}">
+                <a16:creationId xmlns:a16="http://schemas.microsoft.com/office/drawing/2014/main" id="{B1E382C0-557A-4CB0-94F1-4942715A4368}"/>
+              </a:ext>
+            </a:extLst>
+          </p:cNvPr>
+          <p:cNvSpPr/>
+          <p:nvPr/>
+        </p:nvSpPr>
+        <p:spPr>
+          <a:xfrm>
+            <a:off x="800978" y="1729222"/>
+            <a:ext cx="12040378" cy="369332"/>
           </a:xfrm>
           <a:prstGeom prst="rect">
             <a:avLst/>
@@ -8510,29 +9070,137 @@
           </a:bodyPr>
           <a:lstStyle/>
           <a:p>
-            <a:pPr marL="228600" indent="-228600">
-              <a:lnSpc>
-                <a:spcPct val="90000"/>
-              </a:lnSpc>
-              <a:spcBef>
-                <a:spcPts val="1000"/>
-              </a:spcBef>
-            </a:pPr>
-            <a:r>
-              <a:rPr lang="en-US" altLang="zh-CN" sz="2400" b="1" dirty="0"/>
-              <a:t>1.2</a:t>
-            </a:r>
-            <a:r>
-              <a:rPr lang="zh-CN" altLang="en-US" sz="2400" b="1" dirty="0"/>
-              <a:t>、多维存储形式介绍</a:t>
-            </a:r>
+            <a:r>
+              <a:rPr lang="en-US" altLang="zh-CN" kern="100" dirty="0">
+                <a:ea typeface="微软雅黑" panose="020B0503020204020204" pitchFamily="34" charset="-122"/>
+                <a:cs typeface="Times New Roman" panose="02020603050405020304" pitchFamily="18" charset="0"/>
+              </a:rPr>
+              <a:t>2.2</a:t>
+            </a:r>
+            <a:r>
+              <a:rPr lang="zh-CN" altLang="en-US" kern="100" dirty="0">
+                <a:ea typeface="微软雅黑" panose="020B0503020204020204" pitchFamily="34" charset="-122"/>
+                <a:cs typeface="Times New Roman" panose="02020603050405020304" pitchFamily="18" charset="0"/>
+              </a:rPr>
+              <a:t>、</a:t>
+            </a:r>
+            <a:r>
+              <a:rPr lang="zh-CN" altLang="zh-CN" kern="100" dirty="0">
+                <a:ea typeface="微软雅黑" panose="020B0503020204020204" pitchFamily="34" charset="-122"/>
+                <a:cs typeface="Times New Roman" panose="02020603050405020304" pitchFamily="18" charset="0"/>
+              </a:rPr>
+              <a:t>如果没有安装</a:t>
+            </a:r>
+            <a:r>
+              <a:rPr lang="en-US" altLang="zh-CN" kern="100" dirty="0">
+                <a:ea typeface="微软雅黑" panose="020B0503020204020204" pitchFamily="34" charset="-122"/>
+                <a:cs typeface="Times New Roman" panose="02020603050405020304" pitchFamily="18" charset="0"/>
+              </a:rPr>
+              <a:t>IIS</a:t>
+            </a:r>
+            <a:r>
+              <a:rPr lang="zh-CN" altLang="zh-CN" kern="100" dirty="0">
+                <a:ea typeface="微软雅黑" panose="020B0503020204020204" pitchFamily="34" charset="-122"/>
+                <a:cs typeface="Times New Roman" panose="02020603050405020304" pitchFamily="18" charset="0"/>
+              </a:rPr>
+              <a:t>，可以通过【控制面板】</a:t>
+            </a:r>
+            <a:r>
+              <a:rPr lang="en-US" altLang="zh-CN" kern="100" dirty="0">
+                <a:ea typeface="微软雅黑" panose="020B0503020204020204" pitchFamily="34" charset="-122"/>
+                <a:cs typeface="Times New Roman" panose="02020603050405020304" pitchFamily="18" charset="0"/>
+              </a:rPr>
+              <a:t>&gt;</a:t>
+            </a:r>
+            <a:r>
+              <a:rPr lang="zh-CN" altLang="zh-CN" kern="100" dirty="0">
+                <a:ea typeface="微软雅黑" panose="020B0503020204020204" pitchFamily="34" charset="-122"/>
+                <a:cs typeface="Times New Roman" panose="02020603050405020304" pitchFamily="18" charset="0"/>
+              </a:rPr>
+              <a:t>【程序】</a:t>
+            </a:r>
+            <a:r>
+              <a:rPr lang="en-US" altLang="zh-CN" kern="100" dirty="0">
+                <a:ea typeface="微软雅黑" panose="020B0503020204020204" pitchFamily="34" charset="-122"/>
+                <a:cs typeface="Times New Roman" panose="02020603050405020304" pitchFamily="18" charset="0"/>
+              </a:rPr>
+              <a:t>&gt;</a:t>
+            </a:r>
+            <a:r>
+              <a:rPr lang="zh-CN" altLang="zh-CN" kern="100" dirty="0">
+                <a:ea typeface="微软雅黑" panose="020B0503020204020204" pitchFamily="34" charset="-122"/>
+                <a:cs typeface="Times New Roman" panose="02020603050405020304" pitchFamily="18" charset="0"/>
+              </a:rPr>
+              <a:t>【程序和功能】</a:t>
+            </a:r>
+            <a:r>
+              <a:rPr lang="en-US" altLang="zh-CN" kern="100" dirty="0">
+                <a:ea typeface="微软雅黑" panose="020B0503020204020204" pitchFamily="34" charset="-122"/>
+                <a:cs typeface="Times New Roman" panose="02020603050405020304" pitchFamily="18" charset="0"/>
+              </a:rPr>
+              <a:t>-</a:t>
+            </a:r>
+            <a:r>
+              <a:rPr lang="zh-CN" altLang="zh-CN" kern="100" dirty="0">
+                <a:ea typeface="微软雅黑" panose="020B0503020204020204" pitchFamily="34" charset="-122"/>
+                <a:cs typeface="Times New Roman" panose="02020603050405020304" pitchFamily="18" charset="0"/>
+              </a:rPr>
+              <a:t>【打开和关闭</a:t>
+            </a:r>
+            <a:r>
+              <a:rPr lang="en-US" altLang="zh-CN" kern="100" dirty="0">
+                <a:ea typeface="微软雅黑" panose="020B0503020204020204" pitchFamily="34" charset="-122"/>
+                <a:cs typeface="Times New Roman" panose="02020603050405020304" pitchFamily="18" charset="0"/>
+              </a:rPr>
+              <a:t>Windows</a:t>
+            </a:r>
+            <a:r>
+              <a:rPr lang="zh-CN" altLang="zh-CN" kern="100" dirty="0">
+                <a:ea typeface="微软雅黑" panose="020B0503020204020204" pitchFamily="34" charset="-122"/>
+                <a:cs typeface="Times New Roman" panose="02020603050405020304" pitchFamily="18" charset="0"/>
+              </a:rPr>
+              <a:t>功能】安装</a:t>
+            </a:r>
+            <a:endParaRPr lang="zh-CN" altLang="en-US" dirty="0"/>
           </a:p>
         </p:txBody>
       </p:sp>
+      <p:pic>
+        <p:nvPicPr>
+          <p:cNvPr id="11" name="图片 10" descr="IMG_256">
+            <a:extLst>
+              <a:ext uri="{FF2B5EF4-FFF2-40B4-BE49-F238E27FC236}">
+                <a16:creationId xmlns:a16="http://schemas.microsoft.com/office/drawing/2014/main" id="{68DF35B2-1E62-4340-B26E-0DAFB056BD3E}"/>
+              </a:ext>
+            </a:extLst>
+          </p:cNvPr>
+          <p:cNvPicPr/>
+          <p:nvPr/>
+        </p:nvPicPr>
+        <p:blipFill>
+          <a:blip r:embed="rId2"/>
+          <a:stretch>
+            <a:fillRect/>
+          </a:stretch>
+        </p:blipFill>
+        <p:spPr>
+          <a:xfrm>
+            <a:off x="1961322" y="2404491"/>
+            <a:ext cx="6109252" cy="3341837"/>
+          </a:xfrm>
+          <a:prstGeom prst="rect">
+            <a:avLst/>
+          </a:prstGeom>
+          <a:noFill/>
+          <a:ln w="9525">
+            <a:noFill/>
+          </a:ln>
+        </p:spPr>
+      </p:pic>
     </p:spTree>
     <p:extLst>
       <p:ext uri="{BB962C8B-B14F-4D97-AF65-F5344CB8AC3E}">
-        <p14:creationId xmlns:p14="http://schemas.microsoft.com/office/powerpoint/2010/main" val="1401124733"/>
+        <p14:creationId xmlns:p14="http://schemas.microsoft.com/office/powerpoint/2010/main" val="623345735"/>
       </p:ext>
     </p:extLst>
   </p:cSld>
@@ -8561,24 +9229,38 @@
       </p:grpSpPr>
       <p:sp>
         <p:nvSpPr>
-          <p:cNvPr id="5" name="标题 4">
-            <a:extLst>
-              <a:ext uri="{FF2B5EF4-FFF2-40B4-BE49-F238E27FC236}">
-                <a16:creationId xmlns:a16="http://schemas.microsoft.com/office/drawing/2014/main" id="{E9767282-F663-4E07-B4F0-C96545915A62}"/>
-              </a:ext>
-            </a:extLst>
-          </p:cNvPr>
-          <p:cNvSpPr txBox="1">
+          <p:cNvPr id="2" name="灯片编号占位符 1"/>
+          <p:cNvSpPr>
             <a:spLocks noGrp="1"/>
           </p:cNvSpPr>
           <p:nvPr>
-            <p:ph type="title"/>
+            <p:ph type="sldNum" sz="quarter" idx="4"/>
           </p:nvPr>
         </p:nvSpPr>
+        <p:spPr/>
+        <p:txBody>
+          <a:bodyPr/>
+          <a:lstStyle/>
+          <a:p>
+            <a:fld id="{9DEDB23E-2FB9-47E7-B867-886262ECB867}" type="slidenum">
+              <a:rPr lang="en-US" smtClean="0"/>
+              <a:pPr/>
+              <a:t>5</a:t>
+            </a:fld>
+            <a:endParaRPr lang="en-US" dirty="0"/>
+          </a:p>
+        </p:txBody>
+      </p:sp>
+      <p:sp>
+        <p:nvSpPr>
+          <p:cNvPr id="5" name="文本框 4"/>
+          <p:cNvSpPr txBox="1"/>
+          <p:nvPr/>
+        </p:nvSpPr>
         <p:spPr>
           <a:xfrm>
-            <a:off x="569913" y="397234"/>
-            <a:ext cx="6581775" cy="424732"/>
+            <a:off x="515154" y="373487"/>
+            <a:ext cx="3644721" cy="461665"/>
           </a:xfrm>
           <a:prstGeom prst="rect">
             <a:avLst/>
@@ -8586,7 +9268,7 @@
           <a:noFill/>
         </p:spPr>
         <p:txBody>
-          <a:bodyPr vert="horz" wrap="square" lIns="91440" tIns="45720" rIns="91440" bIns="45720" rtlCol="0" anchor="ctr">
+          <a:bodyPr wrap="square" rtlCol="0">
             <a:spAutoFit/>
           </a:bodyPr>
           <a:lstStyle/>
@@ -8596,26 +9278,40 @@
                 <a:solidFill>
                   <a:srgbClr val="1C4885"/>
                 </a:solidFill>
-              </a:rPr>
-              <a:t>1. Global</a:t>
+                <a:latin typeface="微软雅黑" panose="020B0503020204020204" pitchFamily="34" charset="-122"/>
+                <a:ea typeface="微软雅黑" panose="020B0503020204020204" pitchFamily="34" charset="-122"/>
+              </a:rPr>
+              <a:t>1. </a:t>
+            </a:r>
+            <a:r>
+              <a:rPr lang="en-US" altLang="zh-CN" sz="2400" b="1" dirty="0" err="1">
+                <a:solidFill>
+                  <a:srgbClr val="1C4885"/>
+                </a:solidFill>
+                <a:latin typeface="微软雅黑" panose="020B0503020204020204" pitchFamily="34" charset="-122"/>
+                <a:ea typeface="微软雅黑" panose="020B0503020204020204" pitchFamily="34" charset="-122"/>
+              </a:rPr>
+              <a:t>Caché</a:t>
             </a:r>
             <a:r>
               <a:rPr lang="zh-CN" altLang="en-US" sz="2400" b="1" dirty="0">
                 <a:solidFill>
                   <a:srgbClr val="1C4885"/>
                 </a:solidFill>
-              </a:rPr>
-              <a:t>的多维存储</a:t>
+                <a:latin typeface="微软雅黑" panose="020B0503020204020204" pitchFamily="34" charset="-122"/>
+                <a:ea typeface="微软雅黑" panose="020B0503020204020204" pitchFamily="34" charset="-122"/>
+              </a:rPr>
+              <a:t>的安装</a:t>
             </a:r>
           </a:p>
         </p:txBody>
       </p:sp>
       <p:sp>
         <p:nvSpPr>
-          <p:cNvPr id="2" name="矩形 1">
+          <p:cNvPr id="7" name="矩形 6">
             <a:extLst>
               <a:ext uri="{FF2B5EF4-FFF2-40B4-BE49-F238E27FC236}">
-                <a16:creationId xmlns:a16="http://schemas.microsoft.com/office/drawing/2014/main" id="{D8C26D48-793F-4A4A-B07F-D5225324F6FB}"/>
+                <a16:creationId xmlns:a16="http://schemas.microsoft.com/office/drawing/2014/main" id="{E8DF1B31-542E-4ADD-8AE2-F72330564783}"/>
               </a:ext>
             </a:extLst>
           </p:cNvPr>
@@ -8624,8 +9320,80 @@
         </p:nvSpPr>
         <p:spPr>
           <a:xfrm>
-            <a:off x="756478" y="982807"/>
-            <a:ext cx="6208644" cy="885371"/>
+            <a:off x="521002" y="835152"/>
+            <a:ext cx="3276859" cy="2149499"/>
+          </a:xfrm>
+          <a:prstGeom prst="rect">
+            <a:avLst/>
+          </a:prstGeom>
+        </p:spPr>
+        <p:txBody>
+          <a:bodyPr wrap="none">
+            <a:spAutoFit/>
+          </a:bodyPr>
+          <a:lstStyle/>
+          <a:p>
+            <a:pPr algn="just">
+              <a:lnSpc>
+                <a:spcPct val="240000"/>
+              </a:lnSpc>
+              <a:spcBef>
+                <a:spcPts val="1700"/>
+              </a:spcBef>
+              <a:spcAft>
+                <a:spcPts val="1650"/>
+              </a:spcAft>
+            </a:pPr>
+            <a:r>
+              <a:rPr lang="en-US" altLang="zh-CN" sz="2400" b="1" kern="100">
+                <a:latin typeface="Cambria" panose="02040503050406030204" pitchFamily="18" charset="0"/>
+                <a:ea typeface="华文中宋" panose="02010600040101010101" pitchFamily="2" charset="-122"/>
+              </a:rPr>
+              <a:t> 3.</a:t>
+            </a:r>
+            <a:r>
+              <a:rPr lang="zh-CN" altLang="zh-CN" sz="2400" b="1" kern="100">
+                <a:latin typeface="Cambria" panose="02040503050406030204" pitchFamily="18" charset="0"/>
+                <a:ea typeface="华文中宋" panose="02010600040101010101" pitchFamily="2" charset="-122"/>
+              </a:rPr>
+              <a:t>安装数据库管理软件</a:t>
+            </a:r>
+          </a:p>
+          <a:p>
+            <a:pPr lvl="0" algn="just">
+              <a:lnSpc>
+                <a:spcPct val="240000"/>
+              </a:lnSpc>
+              <a:spcBef>
+                <a:spcPts val="1700"/>
+              </a:spcBef>
+              <a:spcAft>
+                <a:spcPts val="1650"/>
+              </a:spcAft>
+            </a:pPr>
+            <a:endParaRPr lang="zh-CN" altLang="zh-CN" sz="2400" b="1" kern="100" dirty="0">
+              <a:latin typeface="Cambria" panose="02040503050406030204" pitchFamily="18" charset="0"/>
+              <a:ea typeface="华文中宋" panose="02010600040101010101" pitchFamily="2" charset="-122"/>
+            </a:endParaRPr>
+          </a:p>
+        </p:txBody>
+      </p:sp>
+      <p:sp>
+        <p:nvSpPr>
+          <p:cNvPr id="3" name="矩形 2">
+            <a:extLst>
+              <a:ext uri="{FF2B5EF4-FFF2-40B4-BE49-F238E27FC236}">
+                <a16:creationId xmlns:a16="http://schemas.microsoft.com/office/drawing/2014/main" id="{23B84B8D-5631-414A-90C7-1691B347325D}"/>
+              </a:ext>
+            </a:extLst>
+          </p:cNvPr>
+          <p:cNvSpPr/>
+          <p:nvPr/>
+        </p:nvSpPr>
+        <p:spPr>
+          <a:xfrm>
+            <a:off x="749860" y="1830489"/>
+            <a:ext cx="10921137" cy="1754326"/>
           </a:xfrm>
           <a:prstGeom prst="rect">
             <a:avLst/>
@@ -8637,108 +9405,343 @@
           </a:bodyPr>
           <a:lstStyle/>
           <a:p>
-            <a:pPr marL="228600" indent="-228600">
-              <a:lnSpc>
-                <a:spcPct val="90000"/>
-              </a:lnSpc>
-              <a:spcBef>
-                <a:spcPts val="1000"/>
-              </a:spcBef>
+            <a:pPr algn="just">
+              <a:spcAft>
+                <a:spcPts val="0"/>
+              </a:spcAft>
             </a:pPr>
             <a:r>
-              <a:rPr lang="en-US" altLang="zh-CN" sz="2400" b="1" dirty="0"/>
-              <a:t>1.3</a:t>
-            </a:r>
-            <a:r>
-              <a:rPr lang="zh-CN" altLang="en-US" sz="2400" b="1" dirty="0"/>
+              <a:rPr lang="zh-CN" altLang="zh-CN" kern="100" dirty="0">
+                <a:latin typeface="Times New Roman" panose="02020603050405020304" pitchFamily="18" charset="0"/>
+                <a:ea typeface="微软雅黑" panose="020B0503020204020204" pitchFamily="34" charset="-122"/>
+              </a:rPr>
+              <a:t>注意事项</a:t>
+            </a:r>
+            <a:r>
+              <a:rPr lang="en-US" altLang="zh-CN" kern="100" dirty="0">
+                <a:latin typeface="Times New Roman" panose="02020603050405020304" pitchFamily="18" charset="0"/>
+                <a:ea typeface="微软雅黑" panose="020B0503020204020204" pitchFamily="34" charset="-122"/>
+              </a:rPr>
+              <a:t>1</a:t>
+            </a:r>
+            <a:r>
+              <a:rPr lang="zh-CN" altLang="zh-CN" kern="100" dirty="0">
+                <a:latin typeface="Times New Roman" panose="02020603050405020304" pitchFamily="18" charset="0"/>
+                <a:ea typeface="微软雅黑" panose="020B0503020204020204" pitchFamily="34" charset="-122"/>
+              </a:rPr>
+              <a:t>：安装</a:t>
+            </a:r>
+            <a:r>
+              <a:rPr lang="en-US" altLang="zh-CN" kern="100" dirty="0">
+                <a:latin typeface="Times New Roman" panose="02020603050405020304" pitchFamily="18" charset="0"/>
+                <a:ea typeface="微软雅黑" panose="020B0503020204020204" pitchFamily="34" charset="-122"/>
+              </a:rPr>
+              <a:t>Cache</a:t>
+            </a:r>
+            <a:r>
+              <a:rPr lang="zh-CN" altLang="zh-CN" kern="100" dirty="0">
+                <a:latin typeface="Times New Roman" panose="02020603050405020304" pitchFamily="18" charset="0"/>
+                <a:ea typeface="微软雅黑" panose="020B0503020204020204" pitchFamily="34" charset="-122"/>
+              </a:rPr>
+              <a:t>之前必须先安装</a:t>
+            </a:r>
+            <a:r>
+              <a:rPr lang="en-US" altLang="zh-CN" kern="100" dirty="0">
+                <a:latin typeface="Times New Roman" panose="02020603050405020304" pitchFamily="18" charset="0"/>
+                <a:ea typeface="微软雅黑" panose="020B0503020204020204" pitchFamily="34" charset="-122"/>
+              </a:rPr>
+              <a:t>IIS</a:t>
+            </a:r>
+            <a:r>
+              <a:rPr lang="zh-CN" altLang="zh-CN" kern="100" dirty="0">
+                <a:latin typeface="Times New Roman" panose="02020603050405020304" pitchFamily="18" charset="0"/>
+                <a:ea typeface="微软雅黑" panose="020B0503020204020204" pitchFamily="34" charset="-122"/>
+              </a:rPr>
+              <a:t>；</a:t>
+            </a:r>
+            <a:endParaRPr lang="zh-CN" altLang="zh-CN" kern="100" dirty="0">
+              <a:latin typeface="Times New Roman" panose="02020603050405020304" pitchFamily="18" charset="0"/>
+            </a:endParaRPr>
+          </a:p>
+          <a:p>
+            <a:pPr algn="just">
+              <a:spcAft>
+                <a:spcPts val="0"/>
+              </a:spcAft>
+            </a:pPr>
+            <a:r>
+              <a:rPr lang="zh-CN" altLang="zh-CN" kern="100" dirty="0">
+                <a:latin typeface="Times New Roman" panose="02020603050405020304" pitchFamily="18" charset="0"/>
+                <a:ea typeface="微软雅黑" panose="020B0503020204020204" pitchFamily="34" charset="-122"/>
+              </a:rPr>
+              <a:t>注意事项</a:t>
+            </a:r>
+            <a:r>
+              <a:rPr lang="en-US" altLang="zh-CN" kern="100" dirty="0">
+                <a:latin typeface="Times New Roman" panose="02020603050405020304" pitchFamily="18" charset="0"/>
+                <a:ea typeface="微软雅黑" panose="020B0503020204020204" pitchFamily="34" charset="-122"/>
+              </a:rPr>
+              <a:t>2</a:t>
+            </a:r>
+            <a:r>
+              <a:rPr lang="zh-CN" altLang="zh-CN" kern="100" dirty="0">
+                <a:latin typeface="Times New Roman" panose="02020603050405020304" pitchFamily="18" charset="0"/>
+                <a:ea typeface="微软雅黑" panose="020B0503020204020204" pitchFamily="34" charset="-122"/>
+              </a:rPr>
+              <a:t>：安装时右键选择 “以管理员身份运行”</a:t>
+            </a:r>
+            <a:endParaRPr lang="zh-CN" altLang="zh-CN" kern="100" dirty="0">
+              <a:latin typeface="Times New Roman" panose="02020603050405020304" pitchFamily="18" charset="0"/>
+            </a:endParaRPr>
+          </a:p>
+          <a:p>
+            <a:pPr algn="just">
+              <a:spcAft>
+                <a:spcPts val="0"/>
+              </a:spcAft>
+            </a:pPr>
+            <a:r>
+              <a:rPr lang="zh-CN" altLang="zh-CN" kern="100" dirty="0">
+                <a:latin typeface="Times New Roman" panose="02020603050405020304" pitchFamily="18" charset="0"/>
+                <a:ea typeface="微软雅黑" panose="020B0503020204020204" pitchFamily="34" charset="-122"/>
+              </a:rPr>
+              <a:t>注意事项</a:t>
+            </a:r>
+            <a:r>
+              <a:rPr lang="en-US" altLang="zh-CN" kern="100" dirty="0">
+                <a:latin typeface="Times New Roman" panose="02020603050405020304" pitchFamily="18" charset="0"/>
+                <a:ea typeface="微软雅黑" panose="020B0503020204020204" pitchFamily="34" charset="-122"/>
+              </a:rPr>
+              <a:t>3</a:t>
+            </a:r>
+            <a:r>
+              <a:rPr lang="zh-CN" altLang="zh-CN" kern="100" dirty="0">
+                <a:latin typeface="Times New Roman" panose="02020603050405020304" pitchFamily="18" charset="0"/>
+                <a:ea typeface="微软雅黑" panose="020B0503020204020204" pitchFamily="34" charset="-122"/>
+              </a:rPr>
+              <a:t>：安装版本：</a:t>
+            </a:r>
+            <a:endParaRPr lang="zh-CN" altLang="zh-CN" kern="100" dirty="0">
+              <a:latin typeface="Times New Roman" panose="02020603050405020304" pitchFamily="18" charset="0"/>
+            </a:endParaRPr>
+          </a:p>
+          <a:p>
+            <a:pPr marL="533400" indent="266700" algn="just">
+              <a:spcAft>
+                <a:spcPts val="0"/>
+              </a:spcAft>
+            </a:pPr>
+            <a:r>
+              <a:rPr lang="en-US" altLang="zh-CN" kern="100" dirty="0">
+                <a:latin typeface="微软雅黑" panose="020B0503020204020204" pitchFamily="34" charset="-122"/>
+              </a:rPr>
+              <a:t>64</a:t>
+            </a:r>
+            <a:r>
+              <a:rPr lang="zh-CN" altLang="zh-CN" kern="100" dirty="0">
+                <a:latin typeface="Times New Roman" panose="02020603050405020304" pitchFamily="18" charset="0"/>
+                <a:ea typeface="微软雅黑" panose="020B0503020204020204" pitchFamily="34" charset="-122"/>
+              </a:rPr>
+              <a:t>位：</a:t>
+            </a:r>
+            <a:r>
+              <a:rPr lang="en-US" altLang="zh-CN" kern="100" dirty="0">
+                <a:solidFill>
+                  <a:srgbClr val="0000FF"/>
+                </a:solidFill>
+                <a:latin typeface="Times New Roman" panose="02020603050405020304" pitchFamily="18" charset="0"/>
+                <a:ea typeface="微软雅黑" panose="020B0503020204020204" pitchFamily="34" charset="-122"/>
+              </a:rPr>
+              <a:t>cache-2016.2.0.736.0-win_x64.exe</a:t>
+            </a:r>
+            <a:endParaRPr lang="zh-CN" altLang="zh-CN" kern="100" dirty="0">
+              <a:latin typeface="Times New Roman" panose="02020603050405020304" pitchFamily="18" charset="0"/>
+            </a:endParaRPr>
+          </a:p>
+          <a:p>
+            <a:pPr algn="just">
+              <a:spcAft>
+                <a:spcPts val="0"/>
+              </a:spcAft>
+            </a:pPr>
+            <a:r>
+              <a:rPr lang="en-US" altLang="zh-CN" kern="100" dirty="0">
+                <a:latin typeface="微软雅黑" panose="020B0503020204020204" pitchFamily="34" charset="-122"/>
+              </a:rPr>
+              <a:t>            32</a:t>
+            </a:r>
+            <a:r>
+              <a:rPr lang="zh-CN" altLang="zh-CN" kern="100" dirty="0">
+                <a:latin typeface="Times New Roman" panose="02020603050405020304" pitchFamily="18" charset="0"/>
+                <a:ea typeface="微软雅黑" panose="020B0503020204020204" pitchFamily="34" charset="-122"/>
+              </a:rPr>
+              <a:t>位：</a:t>
+            </a:r>
+            <a:r>
+              <a:rPr lang="en-US" altLang="zh-CN" kern="100" dirty="0">
+                <a:solidFill>
+                  <a:srgbClr val="0000FF"/>
+                </a:solidFill>
+                <a:latin typeface="Times New Roman" panose="02020603050405020304" pitchFamily="18" charset="0"/>
+                <a:ea typeface="微软雅黑" panose="020B0503020204020204" pitchFamily="34" charset="-122"/>
+              </a:rPr>
+              <a:t>cache-2016.2.0.736.0-win_x86.exe</a:t>
+            </a:r>
+            <a:endParaRPr lang="zh-CN" altLang="zh-CN" kern="100" dirty="0">
+              <a:latin typeface="Times New Roman" panose="02020603050405020304" pitchFamily="18" charset="0"/>
+            </a:endParaRPr>
+          </a:p>
+          <a:p>
+            <a:pPr marL="266700" indent="266700" algn="just">
+              <a:spcAft>
+                <a:spcPts val="0"/>
+              </a:spcAft>
+            </a:pPr>
+            <a:r>
+              <a:rPr lang="en-US" altLang="zh-CN" kern="100" dirty="0">
+                <a:latin typeface="微软雅黑" panose="020B0503020204020204" pitchFamily="34" charset="-122"/>
+              </a:rPr>
+              <a:t>Cache</a:t>
+            </a:r>
+            <a:r>
+              <a:rPr lang="zh-CN" altLang="zh-CN" kern="100" dirty="0">
+                <a:latin typeface="Times New Roman" panose="02020603050405020304" pitchFamily="18" charset="0"/>
+                <a:ea typeface="微软雅黑" panose="020B0503020204020204" pitchFamily="34" charset="-122"/>
+              </a:rPr>
+              <a:t>的默认安装目录为</a:t>
+            </a:r>
+            <a:r>
+              <a:rPr lang="en-US" altLang="zh-CN" kern="100" dirty="0">
+                <a:latin typeface="Times New Roman" panose="02020603050405020304" pitchFamily="18" charset="0"/>
+                <a:ea typeface="微软雅黑" panose="020B0503020204020204" pitchFamily="34" charset="-122"/>
+              </a:rPr>
+              <a:t>C:\Intersystems\Cache</a:t>
+            </a:r>
+            <a:r>
+              <a:rPr lang="zh-CN" altLang="zh-CN" kern="100" dirty="0">
+                <a:latin typeface="Times New Roman" panose="02020603050405020304" pitchFamily="18" charset="0"/>
+                <a:ea typeface="微软雅黑" panose="020B0503020204020204" pitchFamily="34" charset="-122"/>
+              </a:rPr>
+              <a:t>，在本文中约定为</a:t>
+            </a:r>
+            <a:r>
+              <a:rPr lang="en-US" altLang="zh-CN" b="1" kern="100" dirty="0">
+                <a:solidFill>
+                  <a:srgbClr val="FF0000"/>
+                </a:solidFill>
+                <a:latin typeface="Times New Roman" panose="02020603050405020304" pitchFamily="18" charset="0"/>
+                <a:ea typeface="微软雅黑" panose="020B0503020204020204" pitchFamily="34" charset="-122"/>
+              </a:rPr>
+              <a:t>$Cache$</a:t>
+            </a:r>
+            <a:r>
+              <a:rPr lang="zh-CN" altLang="zh-CN" b="1" kern="100" dirty="0">
+                <a:solidFill>
+                  <a:srgbClr val="FF0000"/>
+                </a:solidFill>
+                <a:latin typeface="Times New Roman" panose="02020603050405020304" pitchFamily="18" charset="0"/>
+                <a:ea typeface="微软雅黑" panose="020B0503020204020204" pitchFamily="34" charset="-122"/>
+              </a:rPr>
+              <a:t>。</a:t>
+            </a:r>
+            <a:endParaRPr lang="zh-CN" altLang="zh-CN" kern="100" dirty="0">
+              <a:latin typeface="Times New Roman" panose="02020603050405020304" pitchFamily="18" charset="0"/>
+            </a:endParaRPr>
+          </a:p>
+        </p:txBody>
+      </p:sp>
+      <p:sp>
+        <p:nvSpPr>
+          <p:cNvPr id="4" name="矩形 3">
+            <a:extLst>
+              <a:ext uri="{FF2B5EF4-FFF2-40B4-BE49-F238E27FC236}">
+                <a16:creationId xmlns:a16="http://schemas.microsoft.com/office/drawing/2014/main" id="{61739C0D-822F-44AD-8646-D5B64A5FE6E0}"/>
+              </a:ext>
+            </a:extLst>
+          </p:cNvPr>
+          <p:cNvSpPr/>
+          <p:nvPr/>
+        </p:nvSpPr>
+        <p:spPr>
+          <a:xfrm>
+            <a:off x="281728" y="3610656"/>
+            <a:ext cx="4631396" cy="369332"/>
+          </a:xfrm>
+          <a:prstGeom prst="rect">
+            <a:avLst/>
+          </a:prstGeom>
+        </p:spPr>
+        <p:txBody>
+          <a:bodyPr wrap="none">
+            <a:spAutoFit/>
+          </a:bodyPr>
+          <a:lstStyle/>
+          <a:p>
+            <a:pPr lvl="1" algn="just">
+              <a:spcAft>
+                <a:spcPts val="0"/>
+              </a:spcAft>
+            </a:pPr>
+            <a:r>
+              <a:rPr lang="en-US" altLang="zh-CN" kern="100" dirty="0">
+                <a:ea typeface="微软雅黑" panose="020B0503020204020204" pitchFamily="34" charset="-122"/>
+                <a:cs typeface="Times New Roman" panose="02020603050405020304" pitchFamily="18" charset="0"/>
+              </a:rPr>
+              <a:t>3.1</a:t>
+            </a:r>
+            <a:r>
+              <a:rPr lang="zh-CN" altLang="en-US" kern="100" dirty="0">
+                <a:ea typeface="微软雅黑" panose="020B0503020204020204" pitchFamily="34" charset="-122"/>
+                <a:cs typeface="Times New Roman" panose="02020603050405020304" pitchFamily="18" charset="0"/>
+              </a:rPr>
               <a:t>、</a:t>
             </a:r>
             <a:r>
-              <a:rPr lang="en-US" altLang="zh-CN" sz="2400" b="1" dirty="0"/>
-              <a:t>Global</a:t>
-            </a:r>
-            <a:r>
-              <a:rPr lang="zh-CN" altLang="en-US" sz="2400" b="1" dirty="0"/>
-              <a:t>的树状结构如下：</a:t>
-            </a:r>
-          </a:p>
-          <a:p>
-            <a:pPr marL="228600" indent="-228600">
-              <a:lnSpc>
-                <a:spcPct val="90000"/>
-              </a:lnSpc>
-              <a:spcBef>
-                <a:spcPts val="1000"/>
-              </a:spcBef>
-            </a:pPr>
-            <a:endParaRPr lang="zh-CN" altLang="en-US" sz="2400" b="1" dirty="0"/>
+              <a:rPr lang="zh-CN" altLang="zh-CN" kern="100" dirty="0">
+                <a:ea typeface="微软雅黑" panose="020B0503020204020204" pitchFamily="34" charset="-122"/>
+                <a:cs typeface="Times New Roman" panose="02020603050405020304" pitchFamily="18" charset="0"/>
+              </a:rPr>
+              <a:t>选择接受条款，点击【下一步】；</a:t>
+            </a:r>
           </a:p>
         </p:txBody>
       </p:sp>
       <p:pic>
         <p:nvPicPr>
-          <p:cNvPr id="7" name="Picture 3">
+          <p:cNvPr id="9" name="图片 8" descr="IMG_256">
             <a:extLst>
               <a:ext uri="{FF2B5EF4-FFF2-40B4-BE49-F238E27FC236}">
-                <a16:creationId xmlns:a16="http://schemas.microsoft.com/office/drawing/2014/main" id="{29293D22-B83B-40BE-8ED2-CFA7B8A1EEDD}"/>
+                <a16:creationId xmlns:a16="http://schemas.microsoft.com/office/drawing/2014/main" id="{BD65C3DE-DADC-4830-8CC8-CD1B06FBE682}"/>
               </a:ext>
             </a:extLst>
           </p:cNvPr>
-          <p:cNvPicPr>
-            <a:picLocks noChangeAspect="1" noChangeArrowheads="1"/>
-          </p:cNvPicPr>
+          <p:cNvPicPr/>
           <p:nvPr/>
         </p:nvPicPr>
         <p:blipFill>
-          <a:blip r:embed="rId2">
-            <a:extLst>
-              <a:ext uri="{28A0092B-C50C-407E-A947-70E740481C1C}">
-                <a14:useLocalDpi xmlns:a14="http://schemas.microsoft.com/office/drawing/2010/main" val="0"/>
-              </a:ext>
-            </a:extLst>
-          </a:blip>
-          <a:srcRect/>
+          <a:blip r:embed="rId2"/>
           <a:stretch>
             <a:fillRect/>
           </a:stretch>
         </p:blipFill>
-        <p:spPr bwMode="auto">
-          <a:xfrm>
-            <a:off x="4960663" y="1249218"/>
-            <a:ext cx="4911725" cy="4625975"/>
+        <p:spPr>
+          <a:xfrm>
+            <a:off x="5231916" y="3735852"/>
+            <a:ext cx="4829175" cy="2564130"/>
           </a:xfrm>
           <a:prstGeom prst="rect">
             <a:avLst/>
           </a:prstGeom>
           <a:noFill/>
-          <a:ln>
+          <a:ln w="9525">
             <a:noFill/>
           </a:ln>
-          <a:extLst>
-            <a:ext uri="{909E8E84-426E-40DD-AFC4-6F175D3DCCD1}">
-              <a14:hiddenFill xmlns:a14="http://schemas.microsoft.com/office/drawing/2010/main">
-                <a:solidFill>
-                  <a:srgbClr val="FFFFFF"/>
-                </a:solidFill>
-              </a14:hiddenFill>
-            </a:ext>
-            <a:ext uri="{91240B29-F687-4F45-9708-019B960494DF}">
-              <a14:hiddenLine xmlns:a14="http://schemas.microsoft.com/office/drawing/2010/main" w="9525">
-                <a:solidFill>
-                  <a:srgbClr val="000000"/>
-                </a:solidFill>
-                <a:miter lim="800000"/>
-                <a:headEnd/>
-                <a:tailEnd/>
-              </a14:hiddenLine>
-            </a:ext>
-          </a:extLst>
         </p:spPr>
       </p:pic>
     </p:spTree>
     <p:extLst>
       <p:ext uri="{BB962C8B-B14F-4D97-AF65-F5344CB8AC3E}">
-        <p14:creationId xmlns:p14="http://schemas.microsoft.com/office/powerpoint/2010/main" val="62697760"/>
+        <p14:creationId xmlns:p14="http://schemas.microsoft.com/office/powerpoint/2010/main" val="2635399029"/>
       </p:ext>
     </p:extLst>
   </p:cSld>
@@ -8819,7 +9822,7 @@
                 <a:latin typeface="微软雅黑" panose="020B0503020204020204" pitchFamily="34" charset="-122"/>
                 <a:ea typeface="微软雅黑" panose="020B0503020204020204" pitchFamily="34" charset="-122"/>
               </a:rPr>
-              <a:t>2. </a:t>
+              <a:t>1. </a:t>
             </a:r>
             <a:r>
               <a:rPr lang="en-US" altLang="zh-CN" sz="2400" b="1" dirty="0" err="1">
@@ -8841,233 +9844,6 @@
               </a:rPr>
               <a:t>的安装</a:t>
             </a:r>
-          </a:p>
-        </p:txBody>
-      </p:sp>
-      <p:sp>
-        <p:nvSpPr>
-          <p:cNvPr id="4" name="矩形 3">
-            <a:extLst>
-              <a:ext uri="{FF2B5EF4-FFF2-40B4-BE49-F238E27FC236}">
-                <a16:creationId xmlns:a16="http://schemas.microsoft.com/office/drawing/2014/main" id="{C3023E10-0584-4B5A-9A8C-2B33D28BDFE7}"/>
-              </a:ext>
-            </a:extLst>
-          </p:cNvPr>
-          <p:cNvSpPr/>
-          <p:nvPr/>
-        </p:nvSpPr>
-        <p:spPr>
-          <a:xfrm>
-            <a:off x="470712" y="1042318"/>
-            <a:ext cx="1762021" cy="644022"/>
-          </a:xfrm>
-          <a:prstGeom prst="rect">
-            <a:avLst/>
-          </a:prstGeom>
-        </p:spPr>
-        <p:txBody>
-          <a:bodyPr wrap="none">
-            <a:spAutoFit/>
-          </a:bodyPr>
-          <a:lstStyle/>
-          <a:p>
-            <a:pPr marL="342900" lvl="0" indent="-342900" algn="just">
-              <a:lnSpc>
-                <a:spcPct val="173000"/>
-              </a:lnSpc>
-              <a:spcBef>
-                <a:spcPts val="1300"/>
-              </a:spcBef>
-              <a:spcAft>
-                <a:spcPts val="1300"/>
-              </a:spcAft>
-              <a:buFont typeface="Cambria" panose="02040503050406030204" pitchFamily="18" charset="0"/>
-              <a:buAutoNum type="arabicPeriod"/>
-            </a:pPr>
-            <a:r>
-              <a:rPr lang="zh-CN" altLang="zh-CN" sz="2400" b="1" kern="100" dirty="0">
-                <a:latin typeface="Cambria" panose="02040503050406030204" pitchFamily="18" charset="0"/>
-                <a:ea typeface="华文中宋" panose="02010600040101010101" pitchFamily="2" charset="-122"/>
-              </a:rPr>
-              <a:t>先决条件</a:t>
-            </a:r>
-            <a:endParaRPr lang="zh-CN" altLang="zh-CN" sz="2400" b="1" kern="100" dirty="0">
-              <a:latin typeface="Cambria" panose="02040503050406030204" pitchFamily="18" charset="0"/>
-            </a:endParaRPr>
-          </a:p>
-        </p:txBody>
-      </p:sp>
-      <p:sp>
-        <p:nvSpPr>
-          <p:cNvPr id="6" name="矩形 5">
-            <a:extLst>
-              <a:ext uri="{FF2B5EF4-FFF2-40B4-BE49-F238E27FC236}">
-                <a16:creationId xmlns:a16="http://schemas.microsoft.com/office/drawing/2014/main" id="{14275712-9B9B-41B3-AEF4-1062F10572B2}"/>
-              </a:ext>
-            </a:extLst>
-          </p:cNvPr>
-          <p:cNvSpPr/>
-          <p:nvPr/>
-        </p:nvSpPr>
-        <p:spPr>
-          <a:xfrm>
-            <a:off x="808381" y="1686340"/>
-            <a:ext cx="10204175" cy="646331"/>
-          </a:xfrm>
-          <a:prstGeom prst="rect">
-            <a:avLst/>
-          </a:prstGeom>
-        </p:spPr>
-        <p:txBody>
-          <a:bodyPr wrap="square">
-            <a:spAutoFit/>
-          </a:bodyPr>
-          <a:lstStyle/>
-          <a:p>
-            <a:r>
-              <a:rPr lang="zh-CN" altLang="en-US" b="1" kern="100" dirty="0">
-                <a:ea typeface="微软雅黑" panose="020B0503020204020204" pitchFamily="34" charset="-122"/>
-                <a:cs typeface="Times New Roman" panose="02020603050405020304" pitchFamily="18" charset="0"/>
-              </a:rPr>
-              <a:t>如果之前安装过</a:t>
-            </a:r>
-            <a:r>
-              <a:rPr lang="en-US" altLang="zh-CN" b="1" kern="100" dirty="0" err="1">
-                <a:ea typeface="微软雅黑" panose="020B0503020204020204" pitchFamily="34" charset="-122"/>
-                <a:cs typeface="Times New Roman" panose="02020603050405020304" pitchFamily="18" charset="0"/>
-              </a:rPr>
-              <a:t>Cach</a:t>
-            </a:r>
-            <a:r>
-              <a:rPr lang="zh-CN" altLang="zh-CN" b="1" kern="100" dirty="0">
-                <a:ea typeface="微软雅黑" panose="020B0503020204020204" pitchFamily="34" charset="-122"/>
-                <a:cs typeface="Times New Roman" panose="02020603050405020304" pitchFamily="18" charset="0"/>
-              </a:rPr>
-              <a:t>é</a:t>
-            </a:r>
-            <a:r>
-              <a:rPr lang="zh-CN" altLang="en-US" b="1" kern="100" dirty="0">
-                <a:ea typeface="微软雅黑" panose="020B0503020204020204" pitchFamily="34" charset="-122"/>
-                <a:cs typeface="Times New Roman" panose="02020603050405020304" pitchFamily="18" charset="0"/>
-              </a:rPr>
-              <a:t>，</a:t>
-            </a:r>
-            <a:r>
-              <a:rPr lang="zh-CN" altLang="zh-CN" b="1" kern="100" dirty="0">
-                <a:ea typeface="微软雅黑" panose="020B0503020204020204" pitchFamily="34" charset="-122"/>
-                <a:cs typeface="Times New Roman" panose="02020603050405020304" pitchFamily="18" charset="0"/>
-              </a:rPr>
-              <a:t>在安装</a:t>
-            </a:r>
-            <a:r>
-              <a:rPr lang="en-US" altLang="zh-CN" b="1" kern="100" dirty="0" err="1">
-                <a:ea typeface="微软雅黑" panose="020B0503020204020204" pitchFamily="34" charset="-122"/>
-                <a:cs typeface="Times New Roman" panose="02020603050405020304" pitchFamily="18" charset="0"/>
-              </a:rPr>
-              <a:t>Cach</a:t>
-            </a:r>
-            <a:r>
-              <a:rPr lang="zh-CN" altLang="zh-CN" b="1" kern="100" dirty="0">
-                <a:ea typeface="微软雅黑" panose="020B0503020204020204" pitchFamily="34" charset="-122"/>
-                <a:cs typeface="Times New Roman" panose="02020603050405020304" pitchFamily="18" charset="0"/>
-              </a:rPr>
-              <a:t>é</a:t>
-            </a:r>
-            <a:r>
-              <a:rPr lang="en-US" altLang="zh-CN" b="1" kern="100" dirty="0">
-                <a:latin typeface="微软雅黑" panose="020B0503020204020204" pitchFamily="34" charset="-122"/>
-                <a:cs typeface="Times New Roman" panose="02020603050405020304" pitchFamily="18" charset="0"/>
-              </a:rPr>
-              <a:t>2016</a:t>
-            </a:r>
-            <a:r>
-              <a:rPr lang="zh-CN" altLang="zh-CN" b="1" kern="100" dirty="0">
-                <a:ea typeface="微软雅黑" panose="020B0503020204020204" pitchFamily="34" charset="-122"/>
-                <a:cs typeface="Times New Roman" panose="02020603050405020304" pitchFamily="18" charset="0"/>
-              </a:rPr>
-              <a:t>前必须彻底卸载低版本（非</a:t>
-            </a:r>
-            <a:r>
-              <a:rPr lang="en-US" altLang="zh-CN" b="1" kern="100" dirty="0">
-                <a:latin typeface="微软雅黑" panose="020B0503020204020204" pitchFamily="34" charset="-122"/>
-                <a:cs typeface="Times New Roman" panose="02020603050405020304" pitchFamily="18" charset="0"/>
-              </a:rPr>
-              <a:t>2016</a:t>
-            </a:r>
-            <a:r>
-              <a:rPr lang="zh-CN" altLang="zh-CN" b="1" kern="100" dirty="0">
-                <a:ea typeface="微软雅黑" panose="020B0503020204020204" pitchFamily="34" charset="-122"/>
-                <a:cs typeface="Times New Roman" panose="02020603050405020304" pitchFamily="18" charset="0"/>
-              </a:rPr>
-              <a:t>版）的数据库管理软件</a:t>
-            </a:r>
-            <a:r>
-              <a:rPr lang="zh-CN" altLang="en-US" b="1" kern="100" dirty="0">
-                <a:ea typeface="微软雅黑" panose="020B0503020204020204" pitchFamily="34" charset="-122"/>
-                <a:cs typeface="Times New Roman" panose="02020603050405020304" pitchFamily="18" charset="0"/>
-              </a:rPr>
-              <a:t>，</a:t>
-            </a:r>
-            <a:r>
-              <a:rPr lang="zh-CN" altLang="zh-CN" b="1" kern="100" dirty="0">
-                <a:ea typeface="微软雅黑" panose="020B0503020204020204" pitchFamily="34" charset="-122"/>
-                <a:cs typeface="Times New Roman" panose="02020603050405020304" pitchFamily="18" charset="0"/>
-              </a:rPr>
-              <a:t>卸载完成之后删除安装目录（如</a:t>
-            </a:r>
-            <a:r>
-              <a:rPr lang="en-US" altLang="zh-CN" b="1" kern="100" dirty="0">
-                <a:ea typeface="微软雅黑" panose="020B0503020204020204" pitchFamily="34" charset="-122"/>
-                <a:cs typeface="Times New Roman" panose="02020603050405020304" pitchFamily="18" charset="0"/>
-              </a:rPr>
-              <a:t>C:\intersystems</a:t>
-            </a:r>
-            <a:r>
-              <a:rPr lang="zh-CN" altLang="zh-CN" b="1" kern="100" dirty="0">
-                <a:ea typeface="微软雅黑" panose="020B0503020204020204" pitchFamily="34" charset="-122"/>
-                <a:cs typeface="Times New Roman" panose="02020603050405020304" pitchFamily="18" charset="0"/>
-              </a:rPr>
-              <a:t>）和</a:t>
-            </a:r>
-            <a:r>
-              <a:rPr lang="en-US" altLang="zh-CN" b="1" kern="100" dirty="0" err="1">
-                <a:ea typeface="微软雅黑" panose="020B0503020204020204" pitchFamily="34" charset="-122"/>
-                <a:cs typeface="Times New Roman" panose="02020603050405020304" pitchFamily="18" charset="0"/>
-              </a:rPr>
-              <a:t>csp</a:t>
-            </a:r>
-            <a:r>
-              <a:rPr lang="en-US" altLang="zh-CN" b="1" kern="100" dirty="0">
-                <a:ea typeface="微软雅黑" panose="020B0503020204020204" pitchFamily="34" charset="-122"/>
-                <a:cs typeface="Times New Roman" panose="02020603050405020304" pitchFamily="18" charset="0"/>
-              </a:rPr>
-              <a:t> gateway</a:t>
-            </a:r>
-            <a:r>
-              <a:rPr lang="zh-CN" altLang="zh-CN" b="1" kern="100" dirty="0">
-                <a:ea typeface="微软雅黑" panose="020B0503020204020204" pitchFamily="34" charset="-122"/>
-                <a:cs typeface="Times New Roman" panose="02020603050405020304" pitchFamily="18" charset="0"/>
-              </a:rPr>
-              <a:t>（文件在</a:t>
-            </a:r>
-            <a:r>
-              <a:rPr lang="en-US" altLang="zh-CN" b="1" kern="100" dirty="0">
-                <a:ea typeface="微软雅黑" panose="020B0503020204020204" pitchFamily="34" charset="-122"/>
-                <a:cs typeface="Times New Roman" panose="02020603050405020304" pitchFamily="18" charset="0"/>
-              </a:rPr>
-              <a:t>C:\inetpub\CSPGateway</a:t>
-            </a:r>
-            <a:r>
-              <a:rPr lang="zh-CN" altLang="zh-CN" b="1" kern="100" dirty="0">
-                <a:ea typeface="微软雅黑" panose="020B0503020204020204" pitchFamily="34" charset="-122"/>
-                <a:cs typeface="Times New Roman" panose="02020603050405020304" pitchFamily="18" charset="0"/>
-              </a:rPr>
-              <a:t>）</a:t>
-            </a:r>
-            <a:endParaRPr lang="zh-CN" altLang="en-US" b="1" kern="100" dirty="0">
-              <a:ea typeface="微软雅黑" panose="020B0503020204020204" pitchFamily="34" charset="-122"/>
-              <a:cs typeface="Times New Roman" panose="02020603050405020304" pitchFamily="18" charset="0"/>
-            </a:endParaRPr>
           </a:p>
         </p:txBody>
       </p:sp>
@@ -9085,8 +9861,8 @@
         </p:nvSpPr>
         <p:spPr>
           <a:xfrm>
-            <a:off x="470712" y="2239262"/>
-            <a:ext cx="3440365" cy="829586"/>
+            <a:off x="521002" y="835152"/>
+            <a:ext cx="3276859" cy="2149499"/>
           </a:xfrm>
           <a:prstGeom prst="rect">
             <a:avLst/>
@@ -9097,6 +9873,33 @@
             <a:spAutoFit/>
           </a:bodyPr>
           <a:lstStyle/>
+          <a:p>
+            <a:pPr algn="just">
+              <a:lnSpc>
+                <a:spcPct val="240000"/>
+              </a:lnSpc>
+              <a:spcBef>
+                <a:spcPts val="1700"/>
+              </a:spcBef>
+              <a:spcAft>
+                <a:spcPts val="1650"/>
+              </a:spcAft>
+            </a:pPr>
+            <a:r>
+              <a:rPr lang="en-US" altLang="zh-CN" sz="2400" b="1" kern="100" dirty="0">
+                <a:latin typeface="Cambria" panose="02040503050406030204" pitchFamily="18" charset="0"/>
+                <a:ea typeface="华文中宋" panose="02010600040101010101" pitchFamily="2" charset="-122"/>
+              </a:rPr>
+              <a:t> 3.</a:t>
+            </a:r>
+            <a:r>
+              <a:rPr lang="zh-CN" altLang="zh-CN" sz="2400" b="1" kern="100" dirty="0">
+                <a:latin typeface="Cambria" panose="02040503050406030204" pitchFamily="18" charset="0"/>
+                <a:ea typeface="华文中宋" panose="02010600040101010101" pitchFamily="2" charset="-122"/>
+              </a:rPr>
+              <a:t>安装数据库管理软件</a:t>
+            </a:r>
+          </a:p>
           <a:p>
             <a:pPr lvl="0" algn="just">
               <a:lnSpc>
@@ -9109,55 +9912,6 @@
                 <a:spcPts val="1650"/>
               </a:spcAft>
             </a:pPr>
-            <a:r>
-              <a:rPr lang="en-US" altLang="zh-CN" sz="2400" b="1" kern="100" dirty="0">
-                <a:latin typeface="Cambria" panose="02040503050406030204" pitchFamily="18" charset="0"/>
-                <a:ea typeface="华文中宋" panose="02010600040101010101" pitchFamily="2" charset="-122"/>
-              </a:rPr>
-              <a:t> 2.</a:t>
-            </a:r>
-            <a:r>
-              <a:rPr lang="zh-CN" altLang="en-US" sz="2400" b="1" kern="100" dirty="0">
-                <a:latin typeface="Cambria" panose="02040503050406030204" pitchFamily="18" charset="0"/>
-                <a:ea typeface="华文中宋" panose="02010600040101010101" pitchFamily="2" charset="-122"/>
-              </a:rPr>
-              <a:t> </a:t>
-            </a:r>
-            <a:r>
-              <a:rPr lang="en-US" altLang="zh-CN" sz="2400" b="1" kern="100" dirty="0">
-                <a:latin typeface="Cambria" panose="02040503050406030204" pitchFamily="18" charset="0"/>
-                <a:ea typeface="华文中宋" panose="02010600040101010101" pitchFamily="2" charset="-122"/>
-              </a:rPr>
-              <a:t>IIS</a:t>
-            </a:r>
-            <a:r>
-              <a:rPr lang="zh-CN" altLang="zh-CN" sz="2400" b="1" kern="100" dirty="0">
-                <a:latin typeface="Cambria" panose="02040503050406030204" pitchFamily="18" charset="0"/>
-                <a:ea typeface="华文中宋" panose="02010600040101010101" pitchFamily="2" charset="-122"/>
-              </a:rPr>
-              <a:t>安装</a:t>
-            </a:r>
-            <a:r>
-              <a:rPr lang="en-US" altLang="zh-CN" sz="2400" b="1" kern="100" dirty="0">
-                <a:latin typeface="Cambria" panose="02040503050406030204" pitchFamily="18" charset="0"/>
-                <a:ea typeface="华文中宋" panose="02010600040101010101" pitchFamily="2" charset="-122"/>
-              </a:rPr>
-              <a:t>(Win 10</a:t>
-            </a:r>
-            <a:r>
-              <a:rPr lang="zh-CN" altLang="en-US" sz="2400" b="1" kern="100" dirty="0">
-                <a:latin typeface="Cambria" panose="02040503050406030204" pitchFamily="18" charset="0"/>
-                <a:ea typeface="华文中宋" panose="02010600040101010101" pitchFamily="2" charset="-122"/>
-              </a:rPr>
-              <a:t>为例</a:t>
-            </a:r>
-            <a:r>
-              <a:rPr lang="en-US" altLang="zh-CN" sz="2400" b="1" kern="100" dirty="0">
-                <a:latin typeface="Cambria" panose="02040503050406030204" pitchFamily="18" charset="0"/>
-                <a:ea typeface="华文中宋" panose="02010600040101010101" pitchFamily="2" charset="-122"/>
-              </a:rPr>
-              <a:t>)</a:t>
-            </a:r>
             <a:endParaRPr lang="zh-CN" altLang="zh-CN" sz="2400" b="1" kern="100" dirty="0">
               <a:latin typeface="Cambria" panose="02040503050406030204" pitchFamily="18" charset="0"/>
               <a:ea typeface="华文中宋" panose="02010600040101010101" pitchFamily="2" charset="-122"/>
@@ -9167,10 +9921,10 @@
       </p:sp>
       <p:sp>
         <p:nvSpPr>
-          <p:cNvPr id="8" name="矩形 7">
+          <p:cNvPr id="6" name="矩形 5">
             <a:extLst>
               <a:ext uri="{FF2B5EF4-FFF2-40B4-BE49-F238E27FC236}">
-                <a16:creationId xmlns:a16="http://schemas.microsoft.com/office/drawing/2014/main" id="{A7528026-0033-475F-B8E7-40CFA004731F}"/>
+                <a16:creationId xmlns:a16="http://schemas.microsoft.com/office/drawing/2014/main" id="{A484F499-06A4-41B9-86FE-446779939318}"/>
               </a:ext>
             </a:extLst>
           </p:cNvPr>
@@ -9179,113 +9933,68 @@
         </p:nvSpPr>
         <p:spPr>
           <a:xfrm>
-            <a:off x="808381" y="3106944"/>
-            <a:ext cx="10349949" cy="369332"/>
+            <a:off x="344407" y="1725235"/>
+            <a:ext cx="3815468" cy="369332"/>
           </a:xfrm>
           <a:prstGeom prst="rect">
             <a:avLst/>
           </a:prstGeom>
         </p:spPr>
         <p:txBody>
-          <a:bodyPr wrap="square">
+          <a:bodyPr wrap="none">
             <a:spAutoFit/>
           </a:bodyPr>
           <a:lstStyle/>
           <a:p>
-            <a:pPr algn="just">
+            <a:pPr lvl="1" algn="just">
               <a:spcAft>
                 <a:spcPts val="0"/>
               </a:spcAft>
             </a:pPr>
             <a:r>
               <a:rPr lang="en-US" altLang="zh-CN" kern="100" dirty="0">
-                <a:latin typeface="Times New Roman" panose="02020603050405020304" pitchFamily="18" charset="0"/>
-                <a:ea typeface="微软雅黑" panose="020B0503020204020204" pitchFamily="34" charset="-122"/>
-              </a:rPr>
-              <a:t>2.1</a:t>
+                <a:ea typeface="微软雅黑" panose="020B0503020204020204" pitchFamily="34" charset="-122"/>
+                <a:cs typeface="Times New Roman" panose="02020603050405020304" pitchFamily="18" charset="0"/>
+              </a:rPr>
+              <a:t>3.2</a:t>
             </a:r>
             <a:r>
               <a:rPr lang="zh-CN" altLang="en-US" kern="100" dirty="0">
-                <a:latin typeface="Times New Roman" panose="02020603050405020304" pitchFamily="18" charset="0"/>
-                <a:ea typeface="微软雅黑" panose="020B0503020204020204" pitchFamily="34" charset="-122"/>
+                <a:ea typeface="微软雅黑" panose="020B0503020204020204" pitchFamily="34" charset="-122"/>
+                <a:cs typeface="Times New Roman" panose="02020603050405020304" pitchFamily="18" charset="0"/>
               </a:rPr>
               <a:t>、</a:t>
             </a:r>
             <a:r>
               <a:rPr lang="zh-CN" altLang="zh-CN" kern="100" dirty="0">
-                <a:latin typeface="Times New Roman" panose="02020603050405020304" pitchFamily="18" charset="0"/>
-                <a:ea typeface="微软雅黑" panose="020B0503020204020204" pitchFamily="34" charset="-122"/>
-              </a:rPr>
-              <a:t>检查是否安装了</a:t>
+                <a:ea typeface="微软雅黑" panose="020B0503020204020204" pitchFamily="34" charset="-122"/>
+                <a:cs typeface="Times New Roman" panose="02020603050405020304" pitchFamily="18" charset="0"/>
+              </a:rPr>
+              <a:t>确定</a:t>
             </a:r>
             <a:r>
               <a:rPr lang="en-US" altLang="zh-CN" kern="100" dirty="0">
-                <a:latin typeface="Times New Roman" panose="02020603050405020304" pitchFamily="18" charset="0"/>
-                <a:ea typeface="微软雅黑" panose="020B0503020204020204" pitchFamily="34" charset="-122"/>
-              </a:rPr>
-              <a:t>IIS</a:t>
+                <a:ea typeface="微软雅黑" panose="020B0503020204020204" pitchFamily="34" charset="-122"/>
+                <a:cs typeface="Times New Roman" panose="02020603050405020304" pitchFamily="18" charset="0"/>
+              </a:rPr>
+              <a:t>Cache</a:t>
             </a:r>
             <a:r>
               <a:rPr lang="zh-CN" altLang="zh-CN" kern="100" dirty="0">
-                <a:latin typeface="Times New Roman" panose="02020603050405020304" pitchFamily="18" charset="0"/>
-                <a:ea typeface="微软雅黑" panose="020B0503020204020204" pitchFamily="34" charset="-122"/>
-              </a:rPr>
-              <a:t>，可在</a:t>
-            </a:r>
-            <a:r>
-              <a:rPr lang="zh-CN" altLang="en-US" kern="100" dirty="0">
-                <a:latin typeface="Times New Roman" panose="02020603050405020304" pitchFamily="18" charset="0"/>
-                <a:ea typeface="微软雅黑" panose="020B0503020204020204" pitchFamily="34" charset="-122"/>
-              </a:rPr>
-              <a:t>”控制面板</a:t>
-            </a:r>
-            <a:r>
-              <a:rPr lang="en-US" altLang="zh-CN" kern="100" dirty="0">
-                <a:latin typeface="Times New Roman" panose="02020603050405020304" pitchFamily="18" charset="0"/>
-                <a:ea typeface="微软雅黑" panose="020B0503020204020204" pitchFamily="34" charset="-122"/>
-              </a:rPr>
-              <a:t>\</a:t>
-            </a:r>
-            <a:r>
-              <a:rPr lang="zh-CN" altLang="en-US" kern="100" dirty="0">
-                <a:latin typeface="Times New Roman" panose="02020603050405020304" pitchFamily="18" charset="0"/>
-                <a:ea typeface="微软雅黑" panose="020B0503020204020204" pitchFamily="34" charset="-122"/>
-              </a:rPr>
-              <a:t>系统和安全</a:t>
-            </a:r>
-            <a:r>
-              <a:rPr lang="en-US" altLang="zh-CN" kern="100" dirty="0">
-                <a:latin typeface="Times New Roman" panose="02020603050405020304" pitchFamily="18" charset="0"/>
-                <a:ea typeface="微软雅黑" panose="020B0503020204020204" pitchFamily="34" charset="-122"/>
-              </a:rPr>
-              <a:t>\</a:t>
-            </a:r>
-            <a:r>
-              <a:rPr lang="zh-CN" altLang="en-US" kern="100" dirty="0">
-                <a:latin typeface="Times New Roman" panose="02020603050405020304" pitchFamily="18" charset="0"/>
-                <a:ea typeface="微软雅黑" panose="020B0503020204020204" pitchFamily="34" charset="-122"/>
-              </a:rPr>
-              <a:t>管理工具“</a:t>
-            </a:r>
-            <a:r>
-              <a:rPr lang="zh-CN" altLang="zh-CN" kern="100" dirty="0">
-                <a:latin typeface="Times New Roman" panose="02020603050405020304" pitchFamily="18" charset="0"/>
-                <a:ea typeface="微软雅黑" panose="020B0503020204020204" pitchFamily="34" charset="-122"/>
-              </a:rPr>
-              <a:t>中查看，如下图所示</a:t>
-            </a:r>
-            <a:endParaRPr lang="zh-CN" altLang="zh-CN" kern="100" dirty="0">
-              <a:latin typeface="Times New Roman" panose="02020603050405020304" pitchFamily="18" charset="0"/>
-            </a:endParaRPr>
+                <a:ea typeface="微软雅黑" panose="020B0503020204020204" pitchFamily="34" charset="-122"/>
+                <a:cs typeface="Times New Roman" panose="02020603050405020304" pitchFamily="18" charset="0"/>
+              </a:rPr>
+              <a:t>服务实例名称；</a:t>
+            </a:r>
           </a:p>
         </p:txBody>
       </p:sp>
       <p:pic>
         <p:nvPicPr>
-          <p:cNvPr id="9" name="图片 8" descr="IMG_256">
+          <p:cNvPr id="10" name="图片 9" descr="IMG_256">
             <a:extLst>
               <a:ext uri="{FF2B5EF4-FFF2-40B4-BE49-F238E27FC236}">
-                <a16:creationId xmlns:a16="http://schemas.microsoft.com/office/drawing/2014/main" id="{8C77A519-27CD-45D9-BDF5-B43AE678AF74}"/>
+                <a16:creationId xmlns:a16="http://schemas.microsoft.com/office/drawing/2014/main" id="{29AA922E-5341-4AAD-A075-71FCA612CF50}"/>
               </a:ext>
             </a:extLst>
           </p:cNvPr>
@@ -9300,8 +10009,8 @@
         </p:blipFill>
         <p:spPr>
           <a:xfrm>
-            <a:off x="1536729" y="3540760"/>
-            <a:ext cx="5221880" cy="2502832"/>
+            <a:off x="863461" y="2366645"/>
+            <a:ext cx="4819650" cy="3343910"/>
           </a:xfrm>
           <a:prstGeom prst="rect">
             <a:avLst/>
@@ -9312,10 +10021,108 @@
           </a:ln>
         </p:spPr>
       </p:pic>
+      <p:sp>
+        <p:nvSpPr>
+          <p:cNvPr id="8" name="矩形 7">
+            <a:extLst>
+              <a:ext uri="{FF2B5EF4-FFF2-40B4-BE49-F238E27FC236}">
+                <a16:creationId xmlns:a16="http://schemas.microsoft.com/office/drawing/2014/main" id="{2E175C76-212D-4414-AC61-B1CCDE3F4E2A}"/>
+              </a:ext>
+            </a:extLst>
+          </p:cNvPr>
+          <p:cNvSpPr/>
+          <p:nvPr/>
+        </p:nvSpPr>
+        <p:spPr>
+          <a:xfrm>
+            <a:off x="5977549" y="1754192"/>
+            <a:ext cx="2688557" cy="369332"/>
+          </a:xfrm>
+          <a:prstGeom prst="rect">
+            <a:avLst/>
+          </a:prstGeom>
+        </p:spPr>
+        <p:txBody>
+          <a:bodyPr wrap="none">
+            <a:spAutoFit/>
+          </a:bodyPr>
+          <a:lstStyle/>
+          <a:p>
+            <a:pPr lvl="1" algn="just">
+              <a:spcAft>
+                <a:spcPts val="0"/>
+              </a:spcAft>
+            </a:pPr>
+            <a:r>
+              <a:rPr lang="en-US" altLang="zh-CN" kern="100" dirty="0">
+                <a:ea typeface="微软雅黑" panose="020B0503020204020204" pitchFamily="34" charset="-122"/>
+                <a:cs typeface="Times New Roman" panose="02020603050405020304" pitchFamily="18" charset="0"/>
+              </a:rPr>
+              <a:t>3.3</a:t>
+            </a:r>
+            <a:r>
+              <a:rPr lang="zh-CN" altLang="en-US" kern="100" dirty="0">
+                <a:ea typeface="微软雅黑" panose="020B0503020204020204" pitchFamily="34" charset="-122"/>
+                <a:cs typeface="Times New Roman" panose="02020603050405020304" pitchFamily="18" charset="0"/>
+              </a:rPr>
+              <a:t>、</a:t>
+            </a:r>
+            <a:r>
+              <a:rPr lang="zh-CN" altLang="zh-CN" kern="100" dirty="0">
+                <a:ea typeface="微软雅黑" panose="020B0503020204020204" pitchFamily="34" charset="-122"/>
+                <a:cs typeface="Times New Roman" panose="02020603050405020304" pitchFamily="18" charset="0"/>
+              </a:rPr>
+              <a:t>确定安装路径</a:t>
+            </a:r>
+            <a:r>
+              <a:rPr lang="zh-CN" altLang="zh-CN" sz="1050" kern="100" dirty="0">
+                <a:latin typeface="Times New Roman" panose="02020603050405020304" pitchFamily="18" charset="0"/>
+                <a:ea typeface="微软雅黑" panose="020B0503020204020204" pitchFamily="34" charset="-122"/>
+              </a:rPr>
+              <a:t>；</a:t>
+            </a:r>
+            <a:endParaRPr lang="zh-CN" altLang="zh-CN" sz="1050" kern="100" dirty="0">
+              <a:latin typeface="Times New Roman" panose="02020603050405020304" pitchFamily="18" charset="0"/>
+            </a:endParaRPr>
+          </a:p>
+        </p:txBody>
+      </p:sp>
+      <p:pic>
+        <p:nvPicPr>
+          <p:cNvPr id="11" name="图片 10" descr="IMG_256">
+            <a:extLst>
+              <a:ext uri="{FF2B5EF4-FFF2-40B4-BE49-F238E27FC236}">
+                <a16:creationId xmlns:a16="http://schemas.microsoft.com/office/drawing/2014/main" id="{DBE97148-DE4C-4F3C-A43C-8833533657EB}"/>
+              </a:ext>
+            </a:extLst>
+          </p:cNvPr>
+          <p:cNvPicPr/>
+          <p:nvPr/>
+        </p:nvPicPr>
+        <p:blipFill>
+          <a:blip r:embed="rId3"/>
+          <a:stretch>
+            <a:fillRect/>
+          </a:stretch>
+        </p:blipFill>
+        <p:spPr>
+          <a:xfrm>
+            <a:off x="6518414" y="2366645"/>
+            <a:ext cx="4810125" cy="3581400"/>
+          </a:xfrm>
+          <a:prstGeom prst="rect">
+            <a:avLst/>
+          </a:prstGeom>
+          <a:noFill/>
+          <a:ln w="9525">
+            <a:noFill/>
+          </a:ln>
+        </p:spPr>
+      </p:pic>
     </p:spTree>
     <p:extLst>
       <p:ext uri="{BB962C8B-B14F-4D97-AF65-F5344CB8AC3E}">
-        <p14:creationId xmlns:p14="http://schemas.microsoft.com/office/powerpoint/2010/main" val="3917499256"/>
+        <p14:creationId xmlns:p14="http://schemas.microsoft.com/office/powerpoint/2010/main" val="3952819317"/>
       </p:ext>
     </p:extLst>
   </p:cSld>
@@ -9396,7 +10203,7 @@
                 <a:latin typeface="微软雅黑" panose="020B0503020204020204" pitchFamily="34" charset="-122"/>
                 <a:ea typeface="微软雅黑" panose="020B0503020204020204" pitchFamily="34" charset="-122"/>
               </a:rPr>
-              <a:t>2. </a:t>
+              <a:t>1. </a:t>
             </a:r>
             <a:r>
               <a:rPr lang="en-US" altLang="zh-CN" sz="2400" b="1" dirty="0" err="1">
@@ -9435,8 +10242,8 @@
         </p:nvSpPr>
         <p:spPr>
           <a:xfrm>
-            <a:off x="461622" y="899636"/>
-            <a:ext cx="3440365" cy="829586"/>
+            <a:off x="521002" y="835152"/>
+            <a:ext cx="3276859" cy="2149499"/>
           </a:xfrm>
           <a:prstGeom prst="rect">
             <a:avLst/>
@@ -9447,6 +10254,33 @@
             <a:spAutoFit/>
           </a:bodyPr>
           <a:lstStyle/>
+          <a:p>
+            <a:pPr algn="just">
+              <a:lnSpc>
+                <a:spcPct val="240000"/>
+              </a:lnSpc>
+              <a:spcBef>
+                <a:spcPts val="1700"/>
+              </a:spcBef>
+              <a:spcAft>
+                <a:spcPts val="1650"/>
+              </a:spcAft>
+            </a:pPr>
+            <a:r>
+              <a:rPr lang="en-US" altLang="zh-CN" sz="2400" b="1" kern="100" dirty="0">
+                <a:latin typeface="Cambria" panose="02040503050406030204" pitchFamily="18" charset="0"/>
+                <a:ea typeface="华文中宋" panose="02010600040101010101" pitchFamily="2" charset="-122"/>
+              </a:rPr>
+              <a:t> 3.</a:t>
+            </a:r>
+            <a:r>
+              <a:rPr lang="zh-CN" altLang="zh-CN" sz="2400" b="1" kern="100" dirty="0">
+                <a:latin typeface="Cambria" panose="02040503050406030204" pitchFamily="18" charset="0"/>
+                <a:ea typeface="华文中宋" panose="02010600040101010101" pitchFamily="2" charset="-122"/>
+              </a:rPr>
+              <a:t>安装数据库管理软件</a:t>
+            </a:r>
+          </a:p>
           <a:p>
             <a:pPr lvl="0" algn="just">
               <a:lnSpc>
@@ -9459,55 +10293,6 @@
                 <a:spcPts val="1650"/>
               </a:spcAft>
             </a:pPr>
-            <a:r>
-              <a:rPr lang="en-US" altLang="zh-CN" sz="2400" b="1" kern="100" dirty="0">
-                <a:latin typeface="Cambria" panose="02040503050406030204" pitchFamily="18" charset="0"/>
-                <a:ea typeface="华文中宋" panose="02010600040101010101" pitchFamily="2" charset="-122"/>
-              </a:rPr>
-              <a:t> 2.</a:t>
-            </a:r>
-            <a:r>
-              <a:rPr lang="zh-CN" altLang="en-US" sz="2400" b="1" kern="100" dirty="0">
-                <a:latin typeface="Cambria" panose="02040503050406030204" pitchFamily="18" charset="0"/>
-                <a:ea typeface="华文中宋" panose="02010600040101010101" pitchFamily="2" charset="-122"/>
-              </a:rPr>
-              <a:t> </a:t>
-            </a:r>
-            <a:r>
-              <a:rPr lang="en-US" altLang="zh-CN" sz="2400" b="1" kern="100" dirty="0">
-                <a:latin typeface="Cambria" panose="02040503050406030204" pitchFamily="18" charset="0"/>
-                <a:ea typeface="华文中宋" panose="02010600040101010101" pitchFamily="2" charset="-122"/>
-              </a:rPr>
-              <a:t>IIS</a:t>
-            </a:r>
-            <a:r>
-              <a:rPr lang="zh-CN" altLang="zh-CN" sz="2400" b="1" kern="100" dirty="0">
-                <a:latin typeface="Cambria" panose="02040503050406030204" pitchFamily="18" charset="0"/>
-                <a:ea typeface="华文中宋" panose="02010600040101010101" pitchFamily="2" charset="-122"/>
-              </a:rPr>
-              <a:t>安装</a:t>
-            </a:r>
-            <a:r>
-              <a:rPr lang="en-US" altLang="zh-CN" sz="2400" b="1" kern="100" dirty="0">
-                <a:latin typeface="Cambria" panose="02040503050406030204" pitchFamily="18" charset="0"/>
-                <a:ea typeface="华文中宋" panose="02010600040101010101" pitchFamily="2" charset="-122"/>
-              </a:rPr>
-              <a:t>(Win 10</a:t>
-            </a:r>
-            <a:r>
-              <a:rPr lang="zh-CN" altLang="en-US" sz="2400" b="1" kern="100" dirty="0">
-                <a:latin typeface="Cambria" panose="02040503050406030204" pitchFamily="18" charset="0"/>
-                <a:ea typeface="华文中宋" panose="02010600040101010101" pitchFamily="2" charset="-122"/>
-              </a:rPr>
-              <a:t>为例</a:t>
-            </a:r>
-            <a:r>
-              <a:rPr lang="en-US" altLang="zh-CN" sz="2400" b="1" kern="100" dirty="0">
-                <a:latin typeface="Cambria" panose="02040503050406030204" pitchFamily="18" charset="0"/>
-                <a:ea typeface="华文中宋" panose="02010600040101010101" pitchFamily="2" charset="-122"/>
-              </a:rPr>
-              <a:t>)</a:t>
-            </a:r>
             <a:endParaRPr lang="zh-CN" altLang="zh-CN" sz="2400" b="1" kern="100" dirty="0">
               <a:latin typeface="Cambria" panose="02040503050406030204" pitchFamily="18" charset="0"/>
               <a:ea typeface="华文中宋" panose="02010600040101010101" pitchFamily="2" charset="-122"/>
@@ -9517,10 +10302,10 @@
       </p:sp>
       <p:sp>
         <p:nvSpPr>
-          <p:cNvPr id="10" name="矩形 9">
+          <p:cNvPr id="6" name="矩形 5">
             <a:extLst>
               <a:ext uri="{FF2B5EF4-FFF2-40B4-BE49-F238E27FC236}">
-                <a16:creationId xmlns:a16="http://schemas.microsoft.com/office/drawing/2014/main" id="{B1E382C0-557A-4CB0-94F1-4942715A4368}"/>
+                <a16:creationId xmlns:a16="http://schemas.microsoft.com/office/drawing/2014/main" id="{A484F499-06A4-41B9-86FE-446779939318}"/>
               </a:ext>
             </a:extLst>
           </p:cNvPr>
@@ -9529,8 +10314,8 @@
         </p:nvSpPr>
         <p:spPr>
           <a:xfrm>
-            <a:off x="800978" y="1729222"/>
-            <a:ext cx="12040378" cy="369332"/>
+            <a:off x="265472" y="1720314"/>
+            <a:ext cx="4458928" cy="369332"/>
           </a:xfrm>
           <a:prstGeom prst="rect">
             <a:avLst/>
@@ -9542,12 +10327,13 @@
           </a:bodyPr>
           <a:lstStyle/>
           <a:p>
+            <a:pPr lvl="1" algn="just"/>
             <a:r>
               <a:rPr lang="en-US" altLang="zh-CN" kern="100" dirty="0">
                 <a:ea typeface="微软雅黑" panose="020B0503020204020204" pitchFamily="34" charset="-122"/>
                 <a:cs typeface="Times New Roman" panose="02020603050405020304" pitchFamily="18" charset="0"/>
               </a:rPr>
-              <a:t>2.2</a:t>
+              <a:t>3.4</a:t>
             </a:r>
             <a:r>
               <a:rPr lang="zh-CN" altLang="en-US" kern="100" dirty="0">
@@ -9561,88 +10347,45 @@
                 <a:ea typeface="微软雅黑" panose="020B0503020204020204" pitchFamily="34" charset="-122"/>
                 <a:cs typeface="Times New Roman" panose="02020603050405020304" pitchFamily="18" charset="0"/>
               </a:rPr>
-              <a:t>如果没有安装</a:t>
+              <a:t>选择</a:t>
             </a:r>
             <a:r>
               <a:rPr lang="en-US" altLang="zh-CN" kern="100" dirty="0">
                 <a:ea typeface="微软雅黑" panose="020B0503020204020204" pitchFamily="34" charset="-122"/>
                 <a:cs typeface="Times New Roman" panose="02020603050405020304" pitchFamily="18" charset="0"/>
               </a:rPr>
-              <a:t>IIS</a:t>
+              <a:t>”</a:t>
             </a:r>
             <a:r>
               <a:rPr lang="zh-CN" altLang="zh-CN" kern="100" dirty="0">
                 <a:ea typeface="微软雅黑" panose="020B0503020204020204" pitchFamily="34" charset="-122"/>
                 <a:cs typeface="Times New Roman" panose="02020603050405020304" pitchFamily="18" charset="0"/>
               </a:rPr>
-              <a:t>，可以通过【控制面板】</a:t>
+              <a:t>定制</a:t>
             </a:r>
             <a:r>
               <a:rPr lang="en-US" altLang="zh-CN" kern="100" dirty="0">
                 <a:ea typeface="微软雅黑" panose="020B0503020204020204" pitchFamily="34" charset="-122"/>
                 <a:cs typeface="Times New Roman" panose="02020603050405020304" pitchFamily="18" charset="0"/>
               </a:rPr>
-              <a:t>&gt;</a:t>
+              <a:t>”</a:t>
             </a:r>
             <a:r>
               <a:rPr lang="zh-CN" altLang="zh-CN" kern="100" dirty="0">
                 <a:ea typeface="微软雅黑" panose="020B0503020204020204" pitchFamily="34" charset="-122"/>
                 <a:cs typeface="Times New Roman" panose="02020603050405020304" pitchFamily="18" charset="0"/>
               </a:rPr>
-              <a:t>【程序】</a:t>
-            </a:r>
-            <a:r>
-              <a:rPr lang="en-US" altLang="zh-CN" kern="100" dirty="0">
-                <a:ea typeface="微软雅黑" panose="020B0503020204020204" pitchFamily="34" charset="-122"/>
-                <a:cs typeface="Times New Roman" panose="02020603050405020304" pitchFamily="18" charset="0"/>
-              </a:rPr>
-              <a:t>&gt;</a:t>
-            </a:r>
-            <a:r>
-              <a:rPr lang="zh-CN" altLang="zh-CN" kern="100" dirty="0">
-                <a:ea typeface="微软雅黑" panose="020B0503020204020204" pitchFamily="34" charset="-122"/>
-                <a:cs typeface="Times New Roman" panose="02020603050405020304" pitchFamily="18" charset="0"/>
-              </a:rPr>
-              <a:t>【程序和功能】</a:t>
-            </a:r>
-            <a:r>
-              <a:rPr lang="en-US" altLang="zh-CN" kern="100" dirty="0">
-                <a:ea typeface="微软雅黑" panose="020B0503020204020204" pitchFamily="34" charset="-122"/>
-                <a:cs typeface="Times New Roman" panose="02020603050405020304" pitchFamily="18" charset="0"/>
-              </a:rPr>
-              <a:t>-</a:t>
-            </a:r>
-            <a:r>
-              <a:rPr lang="zh-CN" altLang="zh-CN" kern="100" dirty="0">
-                <a:ea typeface="微软雅黑" panose="020B0503020204020204" pitchFamily="34" charset="-122"/>
-                <a:cs typeface="Times New Roman" panose="02020603050405020304" pitchFamily="18" charset="0"/>
-              </a:rPr>
-              <a:t>【打开和关闭</a:t>
-            </a:r>
-            <a:r>
-              <a:rPr lang="en-US" altLang="zh-CN" kern="100" dirty="0">
-                <a:ea typeface="微软雅黑" panose="020B0503020204020204" pitchFamily="34" charset="-122"/>
-                <a:cs typeface="Times New Roman" panose="02020603050405020304" pitchFamily="18" charset="0"/>
-              </a:rPr>
-              <a:t>Windows</a:t>
-            </a:r>
-            <a:r>
-              <a:rPr lang="zh-CN" altLang="zh-CN" kern="100" dirty="0">
-                <a:ea typeface="微软雅黑" panose="020B0503020204020204" pitchFamily="34" charset="-122"/>
-                <a:cs typeface="Times New Roman" panose="02020603050405020304" pitchFamily="18" charset="0"/>
-              </a:rPr>
-              <a:t>功能】安装</a:t>
-            </a:r>
-            <a:endParaRPr lang="zh-CN" altLang="en-US" dirty="0"/>
+              <a:t>类型的安装模式</a:t>
+            </a:r>
           </a:p>
         </p:txBody>
       </p:sp>
       <p:pic>
         <p:nvPicPr>
-          <p:cNvPr id="11" name="图片 10" descr="IMG_256">
+          <p:cNvPr id="9" name="图片 8" descr="IMG_256">
             <a:extLst>
               <a:ext uri="{FF2B5EF4-FFF2-40B4-BE49-F238E27FC236}">
-                <a16:creationId xmlns:a16="http://schemas.microsoft.com/office/drawing/2014/main" id="{68DF35B2-1E62-4340-B26E-0DAFB056BD3E}"/>
+                <a16:creationId xmlns:a16="http://schemas.microsoft.com/office/drawing/2014/main" id="{F1CE1A48-A145-47D2-B558-50F8A0C34A52}"/>
               </a:ext>
             </a:extLst>
           </p:cNvPr>
@@ -9657,8 +10400,8 @@
         </p:blipFill>
         <p:spPr>
           <a:xfrm>
-            <a:off x="1961322" y="2404491"/>
-            <a:ext cx="6109252" cy="3341837"/>
+            <a:off x="686420" y="2278785"/>
+            <a:ext cx="4829175" cy="3600450"/>
           </a:xfrm>
           <a:prstGeom prst="rect">
             <a:avLst/>
@@ -9669,10 +10412,42 @@
           </a:ln>
         </p:spPr>
       </p:pic>
+      <p:pic>
+        <p:nvPicPr>
+          <p:cNvPr id="13" name="图片 12" descr="IMG_256">
+            <a:extLst>
+              <a:ext uri="{FF2B5EF4-FFF2-40B4-BE49-F238E27FC236}">
+                <a16:creationId xmlns:a16="http://schemas.microsoft.com/office/drawing/2014/main" id="{65868357-D56C-4964-AFEA-240DB682665A}"/>
+              </a:ext>
+            </a:extLst>
+          </p:cNvPr>
+          <p:cNvPicPr/>
+          <p:nvPr/>
+        </p:nvPicPr>
+        <p:blipFill>
+          <a:blip r:embed="rId3"/>
+          <a:stretch>
+            <a:fillRect/>
+          </a:stretch>
+        </p:blipFill>
+        <p:spPr>
+          <a:xfrm>
+            <a:off x="6149009" y="2306725"/>
+            <a:ext cx="4813935" cy="3572510"/>
+          </a:xfrm>
+          <a:prstGeom prst="rect">
+            <a:avLst/>
+          </a:prstGeom>
+          <a:noFill/>
+          <a:ln w="9525">
+            <a:noFill/>
+          </a:ln>
+        </p:spPr>
+      </p:pic>
     </p:spTree>
     <p:extLst>
       <p:ext uri="{BB962C8B-B14F-4D97-AF65-F5344CB8AC3E}">
-        <p14:creationId xmlns:p14="http://schemas.microsoft.com/office/powerpoint/2010/main" val="623345735"/>
+        <p14:creationId xmlns:p14="http://schemas.microsoft.com/office/powerpoint/2010/main" val="3403295099"/>
       </p:ext>
     </p:extLst>
   </p:cSld>
@@ -9753,7 +10528,7 @@
                 <a:latin typeface="微软雅黑" panose="020B0503020204020204" pitchFamily="34" charset="-122"/>
                 <a:ea typeface="微软雅黑" panose="020B0503020204020204" pitchFamily="34" charset="-122"/>
               </a:rPr>
-              <a:t>2. </a:t>
+              <a:t>1. </a:t>
             </a:r>
             <a:r>
               <a:rPr lang="en-US" altLang="zh-CN" sz="2400" b="1" dirty="0" err="1">
@@ -9817,14 +10592,14 @@
               </a:spcAft>
             </a:pPr>
             <a:r>
-              <a:rPr lang="en-US" altLang="zh-CN" sz="2400" b="1" kern="100">
+              <a:rPr lang="en-US" altLang="zh-CN" sz="2400" b="1" kern="100" dirty="0">
                 <a:latin typeface="Cambria" panose="02040503050406030204" pitchFamily="18" charset="0"/>
                 <a:ea typeface="华文中宋" panose="02010600040101010101" pitchFamily="2" charset="-122"/>
               </a:rPr>
               <a:t> 3.</a:t>
             </a:r>
             <a:r>
-              <a:rPr lang="zh-CN" altLang="zh-CN" sz="2400" b="1" kern="100">
+              <a:rPr lang="zh-CN" altLang="zh-CN" sz="2400" b="1" kern="100" dirty="0">
                 <a:latin typeface="Cambria" panose="02040503050406030204" pitchFamily="18" charset="0"/>
                 <a:ea typeface="华文中宋" panose="02010600040101010101" pitchFamily="2" charset="-122"/>
               </a:rPr>
@@ -9852,10 +10627,10 @@
       </p:sp>
       <p:sp>
         <p:nvSpPr>
-          <p:cNvPr id="3" name="矩形 2">
+          <p:cNvPr id="6" name="矩形 5">
             <a:extLst>
               <a:ext uri="{FF2B5EF4-FFF2-40B4-BE49-F238E27FC236}">
-                <a16:creationId xmlns:a16="http://schemas.microsoft.com/office/drawing/2014/main" id="{23B84B8D-5631-414A-90C7-1691B347325D}"/>
+                <a16:creationId xmlns:a16="http://schemas.microsoft.com/office/drawing/2014/main" id="{A484F499-06A4-41B9-86FE-446779939318}"/>
               </a:ext>
             </a:extLst>
           </p:cNvPr>
@@ -9864,8 +10639,8 @@
         </p:nvSpPr>
         <p:spPr>
           <a:xfrm>
-            <a:off x="749860" y="1830489"/>
-            <a:ext cx="10921137" cy="1754326"/>
+            <a:off x="265472" y="1720314"/>
+            <a:ext cx="4458928" cy="369332"/>
           </a:xfrm>
           <a:prstGeom prst="rect">
             <a:avLst/>
@@ -9877,313 +10652,52 @@
           </a:bodyPr>
           <a:lstStyle/>
           <a:p>
-            <a:pPr algn="just">
-              <a:spcAft>
-                <a:spcPts val="0"/>
-              </a:spcAft>
-            </a:pPr>
+            <a:pPr lvl="1" algn="just"/>
+            <a:r>
+              <a:rPr lang="en-US" altLang="zh-CN" kern="100" dirty="0">
+                <a:ea typeface="微软雅黑" panose="020B0503020204020204" pitchFamily="34" charset="-122"/>
+                <a:cs typeface="Times New Roman" panose="02020603050405020304" pitchFamily="18" charset="0"/>
+              </a:rPr>
+              <a:t>3.5</a:t>
+            </a:r>
+            <a:r>
+              <a:rPr lang="zh-CN" altLang="en-US" kern="100" dirty="0">
+                <a:ea typeface="微软雅黑" panose="020B0503020204020204" pitchFamily="34" charset="-122"/>
+                <a:cs typeface="Times New Roman" panose="02020603050405020304" pitchFamily="18" charset="0"/>
+              </a:rPr>
+              <a:t>、</a:t>
+            </a:r>
             <a:r>
               <a:rPr lang="zh-CN" altLang="zh-CN" kern="100" dirty="0">
-                <a:latin typeface="Times New Roman" panose="02020603050405020304" pitchFamily="18" charset="0"/>
-                <a:ea typeface="微软雅黑" panose="020B0503020204020204" pitchFamily="34" charset="-122"/>
-              </a:rPr>
-              <a:t>注意事项</a:t>
+                <a:ea typeface="微软雅黑" panose="020B0503020204020204" pitchFamily="34" charset="-122"/>
+                <a:cs typeface="Times New Roman" panose="02020603050405020304" pitchFamily="18" charset="0"/>
+              </a:rPr>
+              <a:t>选择“</a:t>
             </a:r>
             <a:r>
               <a:rPr lang="en-US" altLang="zh-CN" kern="100" dirty="0">
-                <a:latin typeface="Times New Roman" panose="02020603050405020304" pitchFamily="18" charset="0"/>
-                <a:ea typeface="微软雅黑" panose="020B0503020204020204" pitchFamily="34" charset="-122"/>
-              </a:rPr>
-              <a:t>1</a:t>
+                <a:ea typeface="微软雅黑" panose="020B0503020204020204" pitchFamily="34" charset="-122"/>
+                <a:cs typeface="Times New Roman" panose="02020603050405020304" pitchFamily="18" charset="0"/>
+              </a:rPr>
+              <a:t>Unicode</a:t>
             </a:r>
             <a:r>
               <a:rPr lang="zh-CN" altLang="zh-CN" kern="100" dirty="0">
-                <a:latin typeface="Times New Roman" panose="02020603050405020304" pitchFamily="18" charset="0"/>
-                <a:ea typeface="微软雅黑" panose="020B0503020204020204" pitchFamily="34" charset="-122"/>
-              </a:rPr>
-              <a:t>：安装</a:t>
-            </a:r>
-            <a:r>
-              <a:rPr lang="en-US" altLang="zh-CN" kern="100" dirty="0">
-                <a:latin typeface="Times New Roman" panose="02020603050405020304" pitchFamily="18" charset="0"/>
-                <a:ea typeface="微软雅黑" panose="020B0503020204020204" pitchFamily="34" charset="-122"/>
-              </a:rPr>
-              <a:t>Cache</a:t>
-            </a:r>
-            <a:r>
-              <a:rPr lang="zh-CN" altLang="zh-CN" kern="100" dirty="0">
-                <a:latin typeface="Times New Roman" panose="02020603050405020304" pitchFamily="18" charset="0"/>
-                <a:ea typeface="微软雅黑" panose="020B0503020204020204" pitchFamily="34" charset="-122"/>
-              </a:rPr>
-              <a:t>之前必须先安装</a:t>
-            </a:r>
-            <a:r>
-              <a:rPr lang="en-US" altLang="zh-CN" kern="100" dirty="0">
-                <a:latin typeface="Times New Roman" panose="02020603050405020304" pitchFamily="18" charset="0"/>
-                <a:ea typeface="微软雅黑" panose="020B0503020204020204" pitchFamily="34" charset="-122"/>
-              </a:rPr>
-              <a:t>IIS</a:t>
-            </a:r>
-            <a:r>
-              <a:rPr lang="zh-CN" altLang="zh-CN" kern="100" dirty="0">
-                <a:latin typeface="Times New Roman" panose="02020603050405020304" pitchFamily="18" charset="0"/>
-                <a:ea typeface="微软雅黑" panose="020B0503020204020204" pitchFamily="34" charset="-122"/>
-              </a:rPr>
-              <a:t>；</a:t>
-            </a:r>
-            <a:endParaRPr lang="zh-CN" altLang="zh-CN" kern="100" dirty="0">
-              <a:latin typeface="Times New Roman" panose="02020603050405020304" pitchFamily="18" charset="0"/>
-            </a:endParaRPr>
-          </a:p>
-          <a:p>
-            <a:pPr algn="just">
-              <a:spcAft>
-                <a:spcPts val="0"/>
-              </a:spcAft>
-            </a:pPr>
-            <a:r>
-              <a:rPr lang="zh-CN" altLang="zh-CN" kern="100" dirty="0">
-                <a:latin typeface="Times New Roman" panose="02020603050405020304" pitchFamily="18" charset="0"/>
-                <a:ea typeface="微软雅黑" panose="020B0503020204020204" pitchFamily="34" charset="-122"/>
-              </a:rPr>
-              <a:t>注意事项</a:t>
-            </a:r>
-            <a:r>
-              <a:rPr lang="en-US" altLang="zh-CN" kern="100" dirty="0">
-                <a:latin typeface="Times New Roman" panose="02020603050405020304" pitchFamily="18" charset="0"/>
-                <a:ea typeface="微软雅黑" panose="020B0503020204020204" pitchFamily="34" charset="-122"/>
-              </a:rPr>
-              <a:t>2</a:t>
-            </a:r>
-            <a:r>
-              <a:rPr lang="zh-CN" altLang="zh-CN" kern="100" dirty="0">
-                <a:latin typeface="Times New Roman" panose="02020603050405020304" pitchFamily="18" charset="0"/>
-                <a:ea typeface="微软雅黑" panose="020B0503020204020204" pitchFamily="34" charset="-122"/>
-              </a:rPr>
-              <a:t>：安装时右键选择 “以管理员身份运行”</a:t>
-            </a:r>
-            <a:endParaRPr lang="zh-CN" altLang="zh-CN" kern="100" dirty="0">
-              <a:latin typeface="Times New Roman" panose="02020603050405020304" pitchFamily="18" charset="0"/>
-            </a:endParaRPr>
-          </a:p>
-          <a:p>
-            <a:pPr algn="just">
-              <a:spcAft>
-                <a:spcPts val="0"/>
-              </a:spcAft>
-            </a:pPr>
-            <a:r>
-              <a:rPr lang="zh-CN" altLang="zh-CN" kern="100" dirty="0">
-                <a:latin typeface="Times New Roman" panose="02020603050405020304" pitchFamily="18" charset="0"/>
-                <a:ea typeface="微软雅黑" panose="020B0503020204020204" pitchFamily="34" charset="-122"/>
-              </a:rPr>
-              <a:t>注意事项</a:t>
-            </a:r>
-            <a:r>
-              <a:rPr lang="en-US" altLang="zh-CN" kern="100" dirty="0">
-                <a:latin typeface="Times New Roman" panose="02020603050405020304" pitchFamily="18" charset="0"/>
-                <a:ea typeface="微软雅黑" panose="020B0503020204020204" pitchFamily="34" charset="-122"/>
-              </a:rPr>
-              <a:t>3</a:t>
-            </a:r>
-            <a:r>
-              <a:rPr lang="zh-CN" altLang="zh-CN" kern="100" dirty="0">
-                <a:latin typeface="Times New Roman" panose="02020603050405020304" pitchFamily="18" charset="0"/>
-                <a:ea typeface="微软雅黑" panose="020B0503020204020204" pitchFamily="34" charset="-122"/>
-              </a:rPr>
-              <a:t>：安装版本：</a:t>
-            </a:r>
-            <a:endParaRPr lang="zh-CN" altLang="zh-CN" kern="100" dirty="0">
-              <a:latin typeface="Times New Roman" panose="02020603050405020304" pitchFamily="18" charset="0"/>
-            </a:endParaRPr>
-          </a:p>
-          <a:p>
-            <a:pPr marL="533400" indent="266700" algn="just">
-              <a:spcAft>
-                <a:spcPts val="0"/>
-              </a:spcAft>
-            </a:pPr>
-            <a:r>
-              <a:rPr lang="en-US" altLang="zh-CN" kern="100" dirty="0">
-                <a:latin typeface="微软雅黑" panose="020B0503020204020204" pitchFamily="34" charset="-122"/>
-              </a:rPr>
-              <a:t>64</a:t>
-            </a:r>
-            <a:r>
-              <a:rPr lang="zh-CN" altLang="zh-CN" kern="100" dirty="0">
-                <a:latin typeface="Times New Roman" panose="02020603050405020304" pitchFamily="18" charset="0"/>
-                <a:ea typeface="微软雅黑" panose="020B0503020204020204" pitchFamily="34" charset="-122"/>
-              </a:rPr>
-              <a:t>位：</a:t>
-            </a:r>
-            <a:r>
-              <a:rPr lang="en-US" altLang="zh-CN" kern="100" dirty="0">
-                <a:solidFill>
-                  <a:srgbClr val="0000FF"/>
-                </a:solidFill>
-                <a:latin typeface="Times New Roman" panose="02020603050405020304" pitchFamily="18" charset="0"/>
-                <a:ea typeface="微软雅黑" panose="020B0503020204020204" pitchFamily="34" charset="-122"/>
-              </a:rPr>
-              <a:t>cache-2016.2.0.736.0-win_x64.exe</a:t>
-            </a:r>
-            <a:endParaRPr lang="zh-CN" altLang="zh-CN" kern="100" dirty="0">
-              <a:latin typeface="Times New Roman" panose="02020603050405020304" pitchFamily="18" charset="0"/>
-            </a:endParaRPr>
-          </a:p>
-          <a:p>
-            <a:pPr algn="just">
-              <a:spcAft>
-                <a:spcPts val="0"/>
-              </a:spcAft>
-            </a:pPr>
-            <a:r>
-              <a:rPr lang="en-US" altLang="zh-CN" kern="100" dirty="0">
-                <a:latin typeface="微软雅黑" panose="020B0503020204020204" pitchFamily="34" charset="-122"/>
-              </a:rPr>
-              <a:t>            32</a:t>
-            </a:r>
-            <a:r>
-              <a:rPr lang="zh-CN" altLang="zh-CN" kern="100" dirty="0">
-                <a:latin typeface="Times New Roman" panose="02020603050405020304" pitchFamily="18" charset="0"/>
-                <a:ea typeface="微软雅黑" panose="020B0503020204020204" pitchFamily="34" charset="-122"/>
-              </a:rPr>
-              <a:t>位：</a:t>
-            </a:r>
-            <a:r>
-              <a:rPr lang="en-US" altLang="zh-CN" kern="100" dirty="0">
-                <a:solidFill>
-                  <a:srgbClr val="0000FF"/>
-                </a:solidFill>
-                <a:latin typeface="Times New Roman" panose="02020603050405020304" pitchFamily="18" charset="0"/>
-                <a:ea typeface="微软雅黑" panose="020B0503020204020204" pitchFamily="34" charset="-122"/>
-              </a:rPr>
-              <a:t>cache-2016.2.0.736.0-win_x86.exe</a:t>
-            </a:r>
-            <a:endParaRPr lang="zh-CN" altLang="zh-CN" kern="100" dirty="0">
-              <a:latin typeface="Times New Roman" panose="02020603050405020304" pitchFamily="18" charset="0"/>
-            </a:endParaRPr>
-          </a:p>
-          <a:p>
-            <a:pPr marL="266700" indent="266700" algn="just">
-              <a:spcAft>
-                <a:spcPts val="0"/>
-              </a:spcAft>
-            </a:pPr>
-            <a:r>
-              <a:rPr lang="en-US" altLang="zh-CN" kern="100" dirty="0">
-                <a:latin typeface="微软雅黑" panose="020B0503020204020204" pitchFamily="34" charset="-122"/>
-              </a:rPr>
-              <a:t>Cache</a:t>
-            </a:r>
-            <a:r>
-              <a:rPr lang="zh-CN" altLang="zh-CN" kern="100" dirty="0">
-                <a:latin typeface="Times New Roman" panose="02020603050405020304" pitchFamily="18" charset="0"/>
-                <a:ea typeface="微软雅黑" panose="020B0503020204020204" pitchFamily="34" charset="-122"/>
-              </a:rPr>
-              <a:t>的默认安装目录为</a:t>
-            </a:r>
-            <a:r>
-              <a:rPr lang="en-US" altLang="zh-CN" kern="100" dirty="0">
-                <a:latin typeface="Times New Roman" panose="02020603050405020304" pitchFamily="18" charset="0"/>
-                <a:ea typeface="微软雅黑" panose="020B0503020204020204" pitchFamily="34" charset="-122"/>
-              </a:rPr>
-              <a:t>C:\Intersystems\Cache</a:t>
-            </a:r>
-            <a:r>
-              <a:rPr lang="zh-CN" altLang="zh-CN" kern="100" dirty="0">
-                <a:latin typeface="Times New Roman" panose="02020603050405020304" pitchFamily="18" charset="0"/>
-                <a:ea typeface="微软雅黑" panose="020B0503020204020204" pitchFamily="34" charset="-122"/>
-              </a:rPr>
-              <a:t>，在本文中约定为</a:t>
-            </a:r>
-            <a:r>
-              <a:rPr lang="en-US" altLang="zh-CN" b="1" kern="100" dirty="0">
-                <a:solidFill>
-                  <a:srgbClr val="FF0000"/>
-                </a:solidFill>
-                <a:latin typeface="Times New Roman" panose="02020603050405020304" pitchFamily="18" charset="0"/>
-                <a:ea typeface="微软雅黑" panose="020B0503020204020204" pitchFamily="34" charset="-122"/>
-              </a:rPr>
-              <a:t>$Cache$</a:t>
-            </a:r>
-            <a:r>
-              <a:rPr lang="zh-CN" altLang="zh-CN" b="1" kern="100" dirty="0">
-                <a:solidFill>
-                  <a:srgbClr val="FF0000"/>
-                </a:solidFill>
-                <a:latin typeface="Times New Roman" panose="02020603050405020304" pitchFamily="18" charset="0"/>
-                <a:ea typeface="微软雅黑" panose="020B0503020204020204" pitchFamily="34" charset="-122"/>
-              </a:rPr>
-              <a:t>。</a:t>
-            </a:r>
-            <a:endParaRPr lang="zh-CN" altLang="zh-CN" kern="100" dirty="0">
-              <a:latin typeface="Times New Roman" panose="02020603050405020304" pitchFamily="18" charset="0"/>
-            </a:endParaRPr>
-          </a:p>
-        </p:txBody>
-      </p:sp>
-      <p:sp>
-        <p:nvSpPr>
-          <p:cNvPr id="4" name="矩形 3">
-            <a:extLst>
-              <a:ext uri="{FF2B5EF4-FFF2-40B4-BE49-F238E27FC236}">
-                <a16:creationId xmlns:a16="http://schemas.microsoft.com/office/drawing/2014/main" id="{61739C0D-822F-44AD-8646-D5B64A5FE6E0}"/>
-              </a:ext>
-            </a:extLst>
-          </p:cNvPr>
-          <p:cNvSpPr/>
-          <p:nvPr/>
-        </p:nvSpPr>
-        <p:spPr>
-          <a:xfrm>
-            <a:off x="281728" y="3610656"/>
-            <a:ext cx="4631396" cy="369332"/>
-          </a:xfrm>
-          <a:prstGeom prst="rect">
-            <a:avLst/>
-          </a:prstGeom>
-        </p:spPr>
-        <p:txBody>
-          <a:bodyPr wrap="none">
-            <a:spAutoFit/>
-          </a:bodyPr>
-          <a:lstStyle/>
-          <a:p>
-            <a:pPr lvl="1" algn="just">
-              <a:spcAft>
-                <a:spcPts val="0"/>
-              </a:spcAft>
-            </a:pPr>
-            <a:r>
-              <a:rPr lang="en-US" altLang="zh-CN" kern="100" dirty="0">
                 <a:ea typeface="微软雅黑" panose="020B0503020204020204" pitchFamily="34" charset="-122"/>
                 <a:cs typeface="Times New Roman" panose="02020603050405020304" pitchFamily="18" charset="0"/>
               </a:rPr>
-              <a:t>3.1</a:t>
-            </a:r>
-            <a:r>
-              <a:rPr lang="zh-CN" altLang="en-US" kern="100" dirty="0">
-                <a:ea typeface="微软雅黑" panose="020B0503020204020204" pitchFamily="34" charset="-122"/>
-                <a:cs typeface="Times New Roman" panose="02020603050405020304" pitchFamily="18" charset="0"/>
-              </a:rPr>
-              <a:t>、</a:t>
-            </a:r>
-            <a:r>
-              <a:rPr lang="zh-CN" altLang="zh-CN" kern="100" dirty="0">
-                <a:ea typeface="微软雅黑" panose="020B0503020204020204" pitchFamily="34" charset="-122"/>
-                <a:cs typeface="Times New Roman" panose="02020603050405020304" pitchFamily="18" charset="0"/>
-              </a:rPr>
-              <a:t>选择接受条款，点击【下一步】；</a:t>
-            </a:r>
+              <a:t>”</a:t>
+            </a:r>
+            <a:endParaRPr lang="zh-CN" altLang="zh-CN" dirty="0"/>
           </a:p>
         </p:txBody>
       </p:sp>
       <p:pic>
         <p:nvPicPr>
-          <p:cNvPr id="9" name="图片 8" descr="IMG_256">
+          <p:cNvPr id="8" name="图片 7" descr="IMG_256">
             <a:extLst>
               <a:ext uri="{FF2B5EF4-FFF2-40B4-BE49-F238E27FC236}">
-                <a16:creationId xmlns:a16="http://schemas.microsoft.com/office/drawing/2014/main" id="{BD65C3DE-DADC-4830-8CC8-CD1B06FBE682}"/>
+                <a16:creationId xmlns:a16="http://schemas.microsoft.com/office/drawing/2014/main" id="{37E227E0-7714-4E23-9204-307BAE4A1DE3}"/>
               </a:ext>
             </a:extLst>
           </p:cNvPr>
@@ -10198,8 +10712,8 @@
         </p:blipFill>
         <p:spPr>
           <a:xfrm>
-            <a:off x="5231916" y="3735852"/>
-            <a:ext cx="4829175" cy="2564130"/>
+            <a:off x="828468" y="2221396"/>
+            <a:ext cx="4810125" cy="3581400"/>
           </a:xfrm>
           <a:prstGeom prst="rect">
             <a:avLst/>
@@ -10210,10 +10724,126 @@
           </a:ln>
         </p:spPr>
       </p:pic>
+      <p:sp>
+        <p:nvSpPr>
+          <p:cNvPr id="3" name="矩形 2">
+            <a:extLst>
+              <a:ext uri="{FF2B5EF4-FFF2-40B4-BE49-F238E27FC236}">
+                <a16:creationId xmlns:a16="http://schemas.microsoft.com/office/drawing/2014/main" id="{1DB289D5-45C2-43E0-BF81-1F052AE05CD5}"/>
+              </a:ext>
+            </a:extLst>
+          </p:cNvPr>
+          <p:cNvSpPr/>
+          <p:nvPr/>
+        </p:nvSpPr>
+        <p:spPr>
+          <a:xfrm>
+            <a:off x="5638593" y="1786189"/>
+            <a:ext cx="6516528" cy="369332"/>
+          </a:xfrm>
+          <a:prstGeom prst="rect">
+            <a:avLst/>
+          </a:prstGeom>
+        </p:spPr>
+        <p:txBody>
+          <a:bodyPr wrap="none">
+            <a:spAutoFit/>
+          </a:bodyPr>
+          <a:lstStyle/>
+          <a:p>
+            <a:pPr lvl="1" algn="just">
+              <a:spcAft>
+                <a:spcPts val="0"/>
+              </a:spcAft>
+            </a:pPr>
+            <a:r>
+              <a:rPr lang="en-US" altLang="zh-CN" kern="100" dirty="0">
+                <a:ea typeface="微软雅黑" panose="020B0503020204020204" pitchFamily="34" charset="-122"/>
+                <a:cs typeface="Times New Roman" panose="02020603050405020304" pitchFamily="18" charset="0"/>
+              </a:rPr>
+              <a:t>3.6</a:t>
+            </a:r>
+            <a:r>
+              <a:rPr lang="zh-CN" altLang="en-US" kern="100" dirty="0">
+                <a:ea typeface="微软雅黑" panose="020B0503020204020204" pitchFamily="34" charset="-122"/>
+                <a:cs typeface="Times New Roman" panose="02020603050405020304" pitchFamily="18" charset="0"/>
+              </a:rPr>
+              <a:t>、</a:t>
+            </a:r>
+            <a:r>
+              <a:rPr lang="zh-CN" altLang="zh-CN" kern="100" dirty="0">
+                <a:ea typeface="微软雅黑" panose="020B0503020204020204" pitchFamily="34" charset="-122"/>
+                <a:cs typeface="Times New Roman" panose="02020603050405020304" pitchFamily="18" charset="0"/>
+              </a:rPr>
+              <a:t>确定数据库服务端口和管理</a:t>
+            </a:r>
+            <a:r>
+              <a:rPr lang="en-US" altLang="zh-CN" kern="100" dirty="0">
+                <a:ea typeface="微软雅黑" panose="020B0503020204020204" pitchFamily="34" charset="-122"/>
+                <a:cs typeface="Times New Roman" panose="02020603050405020304" pitchFamily="18" charset="0"/>
+              </a:rPr>
+              <a:t>WEB</a:t>
+            </a:r>
+            <a:r>
+              <a:rPr lang="zh-CN" altLang="zh-CN" kern="100" dirty="0">
+                <a:ea typeface="微软雅黑" panose="020B0503020204020204" pitchFamily="34" charset="-122"/>
+                <a:cs typeface="Times New Roman" panose="02020603050405020304" pitchFamily="18" charset="0"/>
+              </a:rPr>
+              <a:t>页面端口</a:t>
+            </a:r>
+            <a:r>
+              <a:rPr lang="en-US" altLang="zh-CN" kern="100" dirty="0">
+                <a:ea typeface="微软雅黑" panose="020B0503020204020204" pitchFamily="34" charset="-122"/>
+                <a:cs typeface="Times New Roman" panose="02020603050405020304" pitchFamily="18" charset="0"/>
+              </a:rPr>
+              <a:t>,</a:t>
+            </a:r>
+            <a:r>
+              <a:rPr lang="zh-CN" altLang="zh-CN" kern="100" dirty="0">
+                <a:ea typeface="微软雅黑" panose="020B0503020204020204" pitchFamily="34" charset="-122"/>
+                <a:cs typeface="Times New Roman" panose="02020603050405020304" pitchFamily="18" charset="0"/>
+              </a:rPr>
+              <a:t>默认不变；</a:t>
+            </a:r>
+          </a:p>
+        </p:txBody>
+      </p:sp>
+      <p:pic>
+        <p:nvPicPr>
+          <p:cNvPr id="10" name="图片 9" descr="IMG_256">
+            <a:extLst>
+              <a:ext uri="{FF2B5EF4-FFF2-40B4-BE49-F238E27FC236}">
+                <a16:creationId xmlns:a16="http://schemas.microsoft.com/office/drawing/2014/main" id="{D8413A55-CC29-46FF-9A13-732C34B57C13}"/>
+              </a:ext>
+            </a:extLst>
+          </p:cNvPr>
+          <p:cNvPicPr/>
+          <p:nvPr/>
+        </p:nvPicPr>
+        <p:blipFill>
+          <a:blip r:embed="rId3"/>
+          <a:stretch>
+            <a:fillRect/>
+          </a:stretch>
+        </p:blipFill>
+        <p:spPr>
+          <a:xfrm>
+            <a:off x="6659424" y="2230929"/>
+            <a:ext cx="4810125" cy="3609975"/>
+          </a:xfrm>
+          <a:prstGeom prst="rect">
+            <a:avLst/>
+          </a:prstGeom>
+          <a:noFill/>
+          <a:ln w="9525">
+            <a:noFill/>
+          </a:ln>
+        </p:spPr>
+      </p:pic>
     </p:spTree>
     <p:extLst>
       <p:ext uri="{BB962C8B-B14F-4D97-AF65-F5344CB8AC3E}">
-        <p14:creationId xmlns:p14="http://schemas.microsoft.com/office/powerpoint/2010/main" val="2635399029"/>
+        <p14:creationId xmlns:p14="http://schemas.microsoft.com/office/powerpoint/2010/main" val="3549817940"/>
       </p:ext>
     </p:extLst>
   </p:cSld>
@@ -10294,7 +10924,7 @@
                 <a:latin typeface="微软雅黑" panose="020B0503020204020204" pitchFamily="34" charset="-122"/>
                 <a:ea typeface="微软雅黑" panose="020B0503020204020204" pitchFamily="34" charset="-122"/>
               </a:rPr>
-              <a:t>2. </a:t>
+              <a:t>1. </a:t>
             </a:r>
             <a:r>
               <a:rPr lang="en-US" altLang="zh-CN" sz="2400" b="1" dirty="0" err="1">
@@ -10405,8 +11035,64 @@
         </p:nvSpPr>
         <p:spPr>
           <a:xfrm>
-            <a:off x="344407" y="1725235"/>
-            <a:ext cx="3815468" cy="369332"/>
+            <a:off x="265472" y="1720314"/>
+            <a:ext cx="4458928" cy="646331"/>
+          </a:xfrm>
+          <a:prstGeom prst="rect">
+            <a:avLst/>
+          </a:prstGeom>
+        </p:spPr>
+        <p:txBody>
+          <a:bodyPr wrap="square">
+            <a:spAutoFit/>
+          </a:bodyPr>
+          <a:lstStyle/>
+          <a:p>
+            <a:pPr lvl="1" algn="just"/>
+            <a:r>
+              <a:rPr lang="en-US" altLang="zh-CN" kern="100" dirty="0">
+                <a:ea typeface="微软雅黑" panose="020B0503020204020204" pitchFamily="34" charset="-122"/>
+                <a:cs typeface="Times New Roman" panose="02020603050405020304" pitchFamily="18" charset="0"/>
+              </a:rPr>
+              <a:t>3.7</a:t>
+            </a:r>
+            <a:r>
+              <a:rPr lang="zh-CN" altLang="en-US" kern="100" dirty="0">
+                <a:ea typeface="微软雅黑" panose="020B0503020204020204" pitchFamily="34" charset="-122"/>
+                <a:cs typeface="Times New Roman" panose="02020603050405020304" pitchFamily="18" charset="0"/>
+              </a:rPr>
+              <a:t>、</a:t>
+            </a:r>
+            <a:r>
+              <a:rPr lang="zh-CN" altLang="zh-CN" kern="100" dirty="0">
+                <a:ea typeface="微软雅黑" panose="020B0503020204020204" pitchFamily="34" charset="-122"/>
+                <a:cs typeface="Times New Roman" panose="02020603050405020304" pitchFamily="18" charset="0"/>
+              </a:rPr>
+              <a:t>确定安装的角色，选择最小；</a:t>
+            </a:r>
+          </a:p>
+          <a:p>
+            <a:pPr lvl="1" algn="just"/>
+            <a:endParaRPr lang="zh-CN" altLang="zh-CN" dirty="0"/>
+          </a:p>
+        </p:txBody>
+      </p:sp>
+      <p:sp>
+        <p:nvSpPr>
+          <p:cNvPr id="3" name="矩形 2">
+            <a:extLst>
+              <a:ext uri="{FF2B5EF4-FFF2-40B4-BE49-F238E27FC236}">
+                <a16:creationId xmlns:a16="http://schemas.microsoft.com/office/drawing/2014/main" id="{1DB289D5-45C2-43E0-BF81-1F052AE05CD5}"/>
+              </a:ext>
+            </a:extLst>
+          </p:cNvPr>
+          <p:cNvSpPr/>
+          <p:nvPr/>
+        </p:nvSpPr>
+        <p:spPr>
+          <a:xfrm>
+            <a:off x="6096000" y="1784999"/>
+            <a:ext cx="2784737" cy="369332"/>
           </a:xfrm>
           <a:prstGeom prst="rect">
             <a:avLst/>
@@ -10428,7 +11114,7 @@
                 <a:ea typeface="微软雅黑" panose="020B0503020204020204" pitchFamily="34" charset="-122"/>
                 <a:cs typeface="Times New Roman" panose="02020603050405020304" pitchFamily="18" charset="0"/>
               </a:rPr>
-              <a:t>3.2</a:t>
+              <a:t>3.8</a:t>
             </a:r>
             <a:r>
               <a:rPr lang="zh-CN" altLang="en-US" kern="100" dirty="0">
@@ -10442,31 +11128,17 @@
                 <a:ea typeface="微软雅黑" panose="020B0503020204020204" pitchFamily="34" charset="-122"/>
                 <a:cs typeface="Times New Roman" panose="02020603050405020304" pitchFamily="18" charset="0"/>
               </a:rPr>
-              <a:t>确定</a:t>
-            </a:r>
-            <a:r>
-              <a:rPr lang="en-US" altLang="zh-CN" kern="100" dirty="0">
-                <a:ea typeface="微软雅黑" panose="020B0503020204020204" pitchFamily="34" charset="-122"/>
-                <a:cs typeface="Times New Roman" panose="02020603050405020304" pitchFamily="18" charset="0"/>
-              </a:rPr>
-              <a:t>Cache</a:t>
-            </a:r>
-            <a:r>
-              <a:rPr lang="zh-CN" altLang="zh-CN" kern="100" dirty="0">
-                <a:ea typeface="微软雅黑" panose="020B0503020204020204" pitchFamily="34" charset="-122"/>
-                <a:cs typeface="Times New Roman" panose="02020603050405020304" pitchFamily="18" charset="0"/>
-              </a:rPr>
-              <a:t>服务实例名称；</a:t>
+              <a:t>点击【安装】；</a:t>
             </a:r>
           </a:p>
         </p:txBody>
       </p:sp>
       <p:pic>
         <p:nvPicPr>
-          <p:cNvPr id="10" name="图片 9" descr="IMG_256">
+          <p:cNvPr id="9" name="图片 8" descr="IMG_256">
             <a:extLst>
               <a:ext uri="{FF2B5EF4-FFF2-40B4-BE49-F238E27FC236}">
-                <a16:creationId xmlns:a16="http://schemas.microsoft.com/office/drawing/2014/main" id="{29AA922E-5341-4AAD-A075-71FCA612CF50}"/>
+                <a16:creationId xmlns:a16="http://schemas.microsoft.com/office/drawing/2014/main" id="{78400A6E-E619-4085-BD18-E403D769C375}"/>
               </a:ext>
             </a:extLst>
           </p:cNvPr>
@@ -10481,8 +11153,8 @@
         </p:blipFill>
         <p:spPr>
           <a:xfrm>
-            <a:off x="863461" y="2366645"/>
-            <a:ext cx="4819650" cy="3343910"/>
+            <a:off x="722451" y="2174847"/>
+            <a:ext cx="4800600" cy="3600450"/>
           </a:xfrm>
           <a:prstGeom prst="rect">
             <a:avLst/>
@@ -10495,10 +11167,10 @@
       </p:pic>
       <p:sp>
         <p:nvSpPr>
-          <p:cNvPr id="8" name="矩形 7">
+          <p:cNvPr id="4" name="矩形 3">
             <a:extLst>
               <a:ext uri="{FF2B5EF4-FFF2-40B4-BE49-F238E27FC236}">
-                <a16:creationId xmlns:a16="http://schemas.microsoft.com/office/drawing/2014/main" id="{2E175C76-212D-4414-AC61-B1CCDE3F4E2A}"/>
+                <a16:creationId xmlns:a16="http://schemas.microsoft.com/office/drawing/2014/main" id="{1016B182-FFCF-48B0-93EB-12326568F378}"/>
               </a:ext>
             </a:extLst>
           </p:cNvPr>
@@ -10507,8 +11179,8 @@
         </p:nvSpPr>
         <p:spPr>
           <a:xfrm>
-            <a:off x="5977549" y="1754192"/>
-            <a:ext cx="2688557" cy="369332"/>
+            <a:off x="538553" y="5928492"/>
+            <a:ext cx="5938357" cy="369332"/>
           </a:xfrm>
           <a:prstGeom prst="rect">
             <a:avLst/>
@@ -10520,42 +11192,52 @@
           </a:bodyPr>
           <a:lstStyle/>
           <a:p>
-            <a:pPr lvl="1" algn="just">
-              <a:spcAft>
-                <a:spcPts val="0"/>
-              </a:spcAft>
-            </a:pPr>
+            <a:r>
+              <a:rPr lang="zh-CN" altLang="zh-CN" b="1" kern="100" dirty="0">
+                <a:solidFill>
+                  <a:srgbClr val="FF0000"/>
+                </a:solidFill>
+                <a:ea typeface="微软雅黑" panose="020B0503020204020204" pitchFamily="34" charset="-122"/>
+                <a:cs typeface="Times New Roman" panose="02020603050405020304" pitchFamily="18" charset="0"/>
+              </a:rPr>
+              <a:t> 注意：</a:t>
+            </a:r>
+            <a:r>
+              <a:rPr lang="zh-CN" altLang="zh-CN" kern="100" dirty="0">
+                <a:ea typeface="微软雅黑" panose="020B0503020204020204" pitchFamily="34" charset="-122"/>
+                <a:cs typeface="Times New Roman" panose="02020603050405020304" pitchFamily="18" charset="0"/>
+              </a:rPr>
+              <a:t>选择最小安全设置，</a:t>
+            </a:r>
             <a:r>
               <a:rPr lang="en-US" altLang="zh-CN" kern="100" dirty="0">
                 <a:ea typeface="微软雅黑" panose="020B0503020204020204" pitchFamily="34" charset="-122"/>
                 <a:cs typeface="Times New Roman" panose="02020603050405020304" pitchFamily="18" charset="0"/>
               </a:rPr>
-              <a:t>3.3</a:t>
-            </a:r>
-            <a:r>
-              <a:rPr lang="zh-CN" altLang="en-US" kern="100" dirty="0">
+              <a:t>_system</a:t>
+            </a:r>
+            <a:r>
+              <a:rPr lang="zh-CN" altLang="zh-CN" kern="100" dirty="0">
                 <a:ea typeface="微软雅黑" panose="020B0503020204020204" pitchFamily="34" charset="-122"/>
                 <a:cs typeface="Times New Roman" panose="02020603050405020304" pitchFamily="18" charset="0"/>
               </a:rPr>
-              <a:t>、</a:t>
+              <a:t>用户密码默认为</a:t>
+            </a:r>
+            <a:r>
+              <a:rPr lang="en-US" altLang="zh-CN" kern="100" dirty="0">
+                <a:ea typeface="微软雅黑" panose="020B0503020204020204" pitchFamily="34" charset="-122"/>
+                <a:cs typeface="Times New Roman" panose="02020603050405020304" pitchFamily="18" charset="0"/>
+              </a:rPr>
+              <a:t>SYS</a:t>
             </a:r>
             <a:r>
               <a:rPr lang="zh-CN" altLang="zh-CN" kern="100" dirty="0">
                 <a:ea typeface="微软雅黑" panose="020B0503020204020204" pitchFamily="34" charset="-122"/>
                 <a:cs typeface="Times New Roman" panose="02020603050405020304" pitchFamily="18" charset="0"/>
               </a:rPr>
-              <a:t>确定安装路径</a:t>
-            </a:r>
-            <a:r>
-              <a:rPr lang="zh-CN" altLang="zh-CN" sz="1050" kern="100" dirty="0">
-                <a:latin typeface="Times New Roman" panose="02020603050405020304" pitchFamily="18" charset="0"/>
-                <a:ea typeface="微软雅黑" panose="020B0503020204020204" pitchFamily="34" charset="-122"/>
-              </a:rPr>
               <a:t>；</a:t>
             </a:r>
-            <a:endParaRPr lang="zh-CN" altLang="zh-CN" sz="1050" kern="100" dirty="0">
-              <a:latin typeface="Times New Roman" panose="02020603050405020304" pitchFamily="18" charset="0"/>
-            </a:endParaRPr>
+            <a:endParaRPr lang="zh-CN" altLang="en-US" dirty="0"/>
           </a:p>
         </p:txBody>
       </p:sp>
@@ -10564,7 +11246,7 @@
           <p:cNvPr id="11" name="图片 10" descr="IMG_256">
             <a:extLst>
               <a:ext uri="{FF2B5EF4-FFF2-40B4-BE49-F238E27FC236}">
-                <a16:creationId xmlns:a16="http://schemas.microsoft.com/office/drawing/2014/main" id="{DBE97148-DE4C-4F3C-A43C-8833533657EB}"/>
+                <a16:creationId xmlns:a16="http://schemas.microsoft.com/office/drawing/2014/main" id="{E0100160-94E0-4CCF-9FEB-1FAB896D382F}"/>
               </a:ext>
             </a:extLst>
           </p:cNvPr>
@@ -10579,8 +11261,8 @@
         </p:blipFill>
         <p:spPr>
           <a:xfrm>
-            <a:off x="6518414" y="2366645"/>
-            <a:ext cx="4810125" cy="3581400"/>
+            <a:off x="6668951" y="2303117"/>
+            <a:ext cx="4810125" cy="3343910"/>
           </a:xfrm>
           <a:prstGeom prst="rect">
             <a:avLst/>
@@ -10591,10 +11273,65 @@
           </a:ln>
         </p:spPr>
       </p:pic>
+      <p:sp>
+        <p:nvSpPr>
+          <p:cNvPr id="12" name="矩形 11">
+            <a:extLst>
+              <a:ext uri="{FF2B5EF4-FFF2-40B4-BE49-F238E27FC236}">
+                <a16:creationId xmlns:a16="http://schemas.microsoft.com/office/drawing/2014/main" id="{F1A9021F-2CA6-4DFD-9B2C-01430F6D691A}"/>
+              </a:ext>
+            </a:extLst>
+          </p:cNvPr>
+          <p:cNvSpPr/>
+          <p:nvPr/>
+        </p:nvSpPr>
+        <p:spPr>
+          <a:xfrm>
+            <a:off x="6304632" y="5728091"/>
+            <a:ext cx="6096000" cy="646331"/>
+          </a:xfrm>
+          <a:prstGeom prst="rect">
+            <a:avLst/>
+          </a:prstGeom>
+        </p:spPr>
+        <p:txBody>
+          <a:bodyPr>
+            <a:spAutoFit/>
+          </a:bodyPr>
+          <a:lstStyle/>
+          <a:p>
+            <a:r>
+              <a:rPr lang="zh-CN" altLang="zh-CN" kern="100" dirty="0">
+                <a:ea typeface="微软雅黑" panose="020B0503020204020204" pitchFamily="34" charset="-122"/>
+                <a:cs typeface="Times New Roman" panose="02020603050405020304" pitchFamily="18" charset="0"/>
+              </a:rPr>
+              <a:t>点击安装之后，数据库会自动安装，安装完成之后会在桌面右下角产生</a:t>
+            </a:r>
+            <a:r>
+              <a:rPr lang="zh-CN" altLang="en-US" kern="100" dirty="0">
+                <a:ea typeface="微软雅黑" panose="020B0503020204020204" pitchFamily="34" charset="-122"/>
+                <a:cs typeface="Times New Roman" panose="02020603050405020304" pitchFamily="18" charset="0"/>
+              </a:rPr>
+              <a:t>一个立方体</a:t>
+            </a:r>
+            <a:r>
+              <a:rPr lang="zh-CN" altLang="zh-CN" kern="100" dirty="0">
+                <a:ea typeface="微软雅黑" panose="020B0503020204020204" pitchFamily="34" charset="-122"/>
+                <a:cs typeface="Times New Roman" panose="02020603050405020304" pitchFamily="18" charset="0"/>
+              </a:rPr>
+              <a:t>。</a:t>
+            </a:r>
+            <a:endParaRPr lang="zh-CN" altLang="en-US" kern="100" dirty="0">
+              <a:ea typeface="微软雅黑" panose="020B0503020204020204" pitchFamily="34" charset="-122"/>
+              <a:cs typeface="Times New Roman" panose="02020603050405020304" pitchFamily="18" charset="0"/>
+            </a:endParaRPr>
+          </a:p>
+        </p:txBody>
+      </p:sp>
     </p:spTree>
     <p:extLst>
       <p:ext uri="{BB962C8B-B14F-4D97-AF65-F5344CB8AC3E}">
-        <p14:creationId xmlns:p14="http://schemas.microsoft.com/office/powerpoint/2010/main" val="3952819317"/>
+        <p14:creationId xmlns:p14="http://schemas.microsoft.com/office/powerpoint/2010/main" val="249615221"/>
       </p:ext>
     </p:extLst>
   </p:cSld>
